--- a/홈페이지를 만들어보자.pptx
+++ b/홈페이지를 만들어보자.pptx
@@ -1205,20 +1205,20 @@
     </dgm:pt>
   </dgm:ptLst>
   <dgm:cxnLst>
+    <dgm:cxn modelId="{12FD0380-3670-4F2F-85F8-DA275163EC11}" srcId="{26C51E81-3C59-4C93-B2B5-8C7140D36207}" destId="{D6B39920-7C4C-47E5-8D09-49517F58CA43}" srcOrd="0" destOrd="0" parTransId="{18D0C1C1-E032-4E47-B022-2A7B3F0F9E1E}" sibTransId="{77CD7A4A-6503-400A-8738-6E94C6B17655}"/>
+    <dgm:cxn modelId="{05BA32D9-8432-49D4-A96F-CEBAC318805C}" type="presOf" srcId="{FB01C86F-6492-4A64-93B6-83E02F34B955}" destId="{D7FF4A1D-2AF8-45C4-83FC-0649F3F4C5F2}" srcOrd="0" destOrd="0" presId="urn:microsoft.com/office/officeart/2005/8/layout/hierarchy3"/>
+    <dgm:cxn modelId="{3A6E1BD4-1D93-472A-A28F-CDCBE2451FB2}" type="presOf" srcId="{18D0C1C1-E032-4E47-B022-2A7B3F0F9E1E}" destId="{1612D043-CA22-4F62-BC24-044D24D75C7D}" srcOrd="0" destOrd="0" presId="urn:microsoft.com/office/officeart/2005/8/layout/hierarchy3"/>
+    <dgm:cxn modelId="{813723C8-068B-48B3-B8FB-103904E50102}" type="presOf" srcId="{379B4E6D-D854-4A0A-9F4F-AD3D7B1FEFB2}" destId="{43F0D6FF-E254-4B85-A272-9C96C0EF603D}" srcOrd="0" destOrd="1" presId="urn:microsoft.com/office/officeart/2005/8/layout/hierarchy3"/>
+    <dgm:cxn modelId="{C1EF2F2B-6859-4527-835C-6F752635BF72}" srcId="{FB01C86F-6492-4A64-93B6-83E02F34B955}" destId="{26C51E81-3C59-4C93-B2B5-8C7140D36207}" srcOrd="0" destOrd="0" parTransId="{BB4065B5-8DC8-4E4D-9BF2-01C1D4350B43}" sibTransId="{AAD29430-EDEA-496A-878B-B5637AD1B982}"/>
+    <dgm:cxn modelId="{80B9F4B1-5B5A-4DD5-8EDB-FAF825E90EE9}" type="presOf" srcId="{73621A8A-6844-4E28-B8B0-7E827F1E9EC4}" destId="{FAF10C6D-8979-492D-961C-8A6D3FE77800}" srcOrd="0" destOrd="0" presId="urn:microsoft.com/office/officeart/2005/8/layout/hierarchy3"/>
+    <dgm:cxn modelId="{0CB55749-7A3F-4A20-ACAB-7446746F00C8}" type="presOf" srcId="{26C51E81-3C59-4C93-B2B5-8C7140D36207}" destId="{9E380A39-F9A8-48FA-8E7F-67CA71DC6996}" srcOrd="1" destOrd="0" presId="urn:microsoft.com/office/officeart/2005/8/layout/hierarchy3"/>
+    <dgm:cxn modelId="{B8F4D825-36D5-4F2C-B86A-2F1CD087F4D1}" type="presOf" srcId="{26C51E81-3C59-4C93-B2B5-8C7140D36207}" destId="{D807363C-D193-4BF3-8CE9-A3C3E8B876D6}" srcOrd="0" destOrd="0" presId="urn:microsoft.com/office/officeart/2005/8/layout/hierarchy3"/>
+    <dgm:cxn modelId="{1EE9E0F2-4450-4BD5-BDDC-A22B663444CB}" type="presOf" srcId="{D6B39920-7C4C-47E5-8D09-49517F58CA43}" destId="{43F0D6FF-E254-4B85-A272-9C96C0EF603D}" srcOrd="0" destOrd="0" presId="urn:microsoft.com/office/officeart/2005/8/layout/hierarchy3"/>
+    <dgm:cxn modelId="{011EB358-0CF1-4DD1-8CFA-64CE3E8529A9}" type="presOf" srcId="{20591E0D-8299-40F4-9C39-FDCD3D4A670A}" destId="{0E2504B1-2C70-414E-A677-1546D08BE142}" srcOrd="0" destOrd="0" presId="urn:microsoft.com/office/officeart/2005/8/layout/hierarchy3"/>
+    <dgm:cxn modelId="{88351E61-6EB9-4E90-9F85-6068C2C6AEB3}" srcId="{D6B39920-7C4C-47E5-8D09-49517F58CA43}" destId="{379B4E6D-D854-4A0A-9F4F-AD3D7B1FEFB2}" srcOrd="0" destOrd="0" parTransId="{7F8BA15F-FAFD-4B03-BB42-9FD2C61D79A0}" sibTransId="{6DA13ACE-4F07-4AEE-87A8-26E5F0211A20}"/>
     <dgm:cxn modelId="{A96D7E4B-396A-433F-9A04-9792FB1B58CB}" srcId="{26C51E81-3C59-4C93-B2B5-8C7140D36207}" destId="{20591E0D-8299-40F4-9C39-FDCD3D4A670A}" srcOrd="1" destOrd="0" parTransId="{73621A8A-6844-4E28-B8B0-7E827F1E9EC4}" sibTransId="{AA07EA14-21CC-4AB2-8666-9ABE12CEFB9E}"/>
-    <dgm:cxn modelId="{1EE9E0F2-4450-4BD5-BDDC-A22B663444CB}" type="presOf" srcId="{D6B39920-7C4C-47E5-8D09-49517F58CA43}" destId="{43F0D6FF-E254-4B85-A272-9C96C0EF603D}" srcOrd="0" destOrd="0" presId="urn:microsoft.com/office/officeart/2005/8/layout/hierarchy3"/>
-    <dgm:cxn modelId="{0CB55749-7A3F-4A20-ACAB-7446746F00C8}" type="presOf" srcId="{26C51E81-3C59-4C93-B2B5-8C7140D36207}" destId="{9E380A39-F9A8-48FA-8E7F-67CA71DC6996}" srcOrd="1" destOrd="0" presId="urn:microsoft.com/office/officeart/2005/8/layout/hierarchy3"/>
-    <dgm:cxn modelId="{05BA32D9-8432-49D4-A96F-CEBAC318805C}" type="presOf" srcId="{FB01C86F-6492-4A64-93B6-83E02F34B955}" destId="{D7FF4A1D-2AF8-45C4-83FC-0649F3F4C5F2}" srcOrd="0" destOrd="0" presId="urn:microsoft.com/office/officeart/2005/8/layout/hierarchy3"/>
-    <dgm:cxn modelId="{011EB358-0CF1-4DD1-8CFA-64CE3E8529A9}" type="presOf" srcId="{20591E0D-8299-40F4-9C39-FDCD3D4A670A}" destId="{0E2504B1-2C70-414E-A677-1546D08BE142}" srcOrd="0" destOrd="0" presId="urn:microsoft.com/office/officeart/2005/8/layout/hierarchy3"/>
+    <dgm:cxn modelId="{B9685292-F7FB-4A5A-AA23-8BB515D8EC3F}" type="presOf" srcId="{F2F595DA-0CB8-4832-AB5C-25AE276679B5}" destId="{0E2504B1-2C70-414E-A677-1546D08BE142}" srcOrd="0" destOrd="1" presId="urn:microsoft.com/office/officeart/2005/8/layout/hierarchy3"/>
     <dgm:cxn modelId="{9D0B361B-A8B5-4917-8E4A-3D4EE704FCD4}" srcId="{20591E0D-8299-40F4-9C39-FDCD3D4A670A}" destId="{F2F595DA-0CB8-4832-AB5C-25AE276679B5}" srcOrd="0" destOrd="0" parTransId="{A0AFE9A6-D331-4B37-8E82-8031E3433E3B}" sibTransId="{524A2FB4-8741-4624-8315-ECDBAF42D40D}"/>
-    <dgm:cxn modelId="{B8F4D825-36D5-4F2C-B86A-2F1CD087F4D1}" type="presOf" srcId="{26C51E81-3C59-4C93-B2B5-8C7140D36207}" destId="{D807363C-D193-4BF3-8CE9-A3C3E8B876D6}" srcOrd="0" destOrd="0" presId="urn:microsoft.com/office/officeart/2005/8/layout/hierarchy3"/>
-    <dgm:cxn modelId="{80B9F4B1-5B5A-4DD5-8EDB-FAF825E90EE9}" type="presOf" srcId="{73621A8A-6844-4E28-B8B0-7E827F1E9EC4}" destId="{FAF10C6D-8979-492D-961C-8A6D3FE77800}" srcOrd="0" destOrd="0" presId="urn:microsoft.com/office/officeart/2005/8/layout/hierarchy3"/>
-    <dgm:cxn modelId="{B9685292-F7FB-4A5A-AA23-8BB515D8EC3F}" type="presOf" srcId="{F2F595DA-0CB8-4832-AB5C-25AE276679B5}" destId="{0E2504B1-2C70-414E-A677-1546D08BE142}" srcOrd="0" destOrd="1" presId="urn:microsoft.com/office/officeart/2005/8/layout/hierarchy3"/>
-    <dgm:cxn modelId="{12FD0380-3670-4F2F-85F8-DA275163EC11}" srcId="{26C51E81-3C59-4C93-B2B5-8C7140D36207}" destId="{D6B39920-7C4C-47E5-8D09-49517F58CA43}" srcOrd="0" destOrd="0" parTransId="{18D0C1C1-E032-4E47-B022-2A7B3F0F9E1E}" sibTransId="{77CD7A4A-6503-400A-8738-6E94C6B17655}"/>
-    <dgm:cxn modelId="{C1EF2F2B-6859-4527-835C-6F752635BF72}" srcId="{FB01C86F-6492-4A64-93B6-83E02F34B955}" destId="{26C51E81-3C59-4C93-B2B5-8C7140D36207}" srcOrd="0" destOrd="0" parTransId="{BB4065B5-8DC8-4E4D-9BF2-01C1D4350B43}" sibTransId="{AAD29430-EDEA-496A-878B-B5637AD1B982}"/>
-    <dgm:cxn modelId="{813723C8-068B-48B3-B8FB-103904E50102}" type="presOf" srcId="{379B4E6D-D854-4A0A-9F4F-AD3D7B1FEFB2}" destId="{43F0D6FF-E254-4B85-A272-9C96C0EF603D}" srcOrd="0" destOrd="1" presId="urn:microsoft.com/office/officeart/2005/8/layout/hierarchy3"/>
-    <dgm:cxn modelId="{88351E61-6EB9-4E90-9F85-6068C2C6AEB3}" srcId="{D6B39920-7C4C-47E5-8D09-49517F58CA43}" destId="{379B4E6D-D854-4A0A-9F4F-AD3D7B1FEFB2}" srcOrd="0" destOrd="0" parTransId="{7F8BA15F-FAFD-4B03-BB42-9FD2C61D79A0}" sibTransId="{6DA13ACE-4F07-4AEE-87A8-26E5F0211A20}"/>
-    <dgm:cxn modelId="{3A6E1BD4-1D93-472A-A28F-CDCBE2451FB2}" type="presOf" srcId="{18D0C1C1-E032-4E47-B022-2A7B3F0F9E1E}" destId="{1612D043-CA22-4F62-BC24-044D24D75C7D}" srcOrd="0" destOrd="0" presId="urn:microsoft.com/office/officeart/2005/8/layout/hierarchy3"/>
     <dgm:cxn modelId="{B1DA4389-2781-482F-B457-86DE979611FE}" type="presParOf" srcId="{D7FF4A1D-2AF8-45C4-83FC-0649F3F4C5F2}" destId="{3B0D8D73-4557-49E3-BE3D-0DF2216E6D90}" srcOrd="0" destOrd="0" presId="urn:microsoft.com/office/officeart/2005/8/layout/hierarchy3"/>
     <dgm:cxn modelId="{97BF97D6-B91F-40B8-A2D4-E371F54E5D94}" type="presParOf" srcId="{3B0D8D73-4557-49E3-BE3D-0DF2216E6D90}" destId="{ED5C28C0-8762-4F50-8D53-BDC1AA490C60}" srcOrd="0" destOrd="0" presId="urn:microsoft.com/office/officeart/2005/8/layout/hierarchy3"/>
     <dgm:cxn modelId="{89131B43-5249-40FE-818D-4543F6DCCB3A}" type="presParOf" srcId="{ED5C28C0-8762-4F50-8D53-BDC1AA490C60}" destId="{D807363C-D193-4BF3-8CE9-A3C3E8B876D6}" srcOrd="0" destOrd="0" presId="urn:microsoft.com/office/officeart/2005/8/layout/hierarchy3"/>
@@ -3373,7 +3373,7 @@
           <a:p>
             <a:fld id="{5143E54F-8ACC-4DA1-BB0C-0330AB3541F0}" type="datetimeFigureOut">
               <a:rPr lang="ko-KR" altLang="en-US" smtClean="0"/>
-              <a:t>2023-07-27</a:t>
+              <a:t>2023-07-31</a:t>
             </a:fld>
             <a:endParaRPr lang="ko-KR" altLang="en-US"/>
           </a:p>
@@ -3548,7 +3548,7 @@
           <a:p>
             <a:fld id="{5143E54F-8ACC-4DA1-BB0C-0330AB3541F0}" type="datetimeFigureOut">
               <a:rPr lang="ko-KR" altLang="en-US" smtClean="0"/>
-              <a:t>2023-07-27</a:t>
+              <a:t>2023-07-31</a:t>
             </a:fld>
             <a:endParaRPr lang="ko-KR" altLang="en-US"/>
           </a:p>
@@ -3926,7 +3926,7 @@
           <a:p>
             <a:fld id="{5143E54F-8ACC-4DA1-BB0C-0330AB3541F0}" type="datetimeFigureOut">
               <a:rPr lang="ko-KR" altLang="en-US" smtClean="0"/>
-              <a:t>2023-07-27</a:t>
+              <a:t>2023-07-31</a:t>
             </a:fld>
             <a:endParaRPr lang="ko-KR" altLang="en-US"/>
           </a:p>
@@ -4096,7 +4096,7 @@
           <a:p>
             <a:fld id="{5143E54F-8ACC-4DA1-BB0C-0330AB3541F0}" type="datetimeFigureOut">
               <a:rPr lang="ko-KR" altLang="en-US" smtClean="0"/>
-              <a:t>2023-07-27</a:t>
+              <a:t>2023-07-31</a:t>
             </a:fld>
             <a:endParaRPr lang="ko-KR" altLang="en-US"/>
           </a:p>
@@ -4323,7 +4323,7 @@
           <a:p>
             <a:fld id="{5143E54F-8ACC-4DA1-BB0C-0330AB3541F0}" type="datetimeFigureOut">
               <a:rPr lang="ko-KR" altLang="en-US" smtClean="0"/>
-              <a:t>2023-07-27</a:t>
+              <a:t>2023-07-31</a:t>
             </a:fld>
             <a:endParaRPr lang="ko-KR" altLang="en-US"/>
           </a:p>
@@ -4854,7 +4854,7 @@
           <a:p>
             <a:fld id="{5143E54F-8ACC-4DA1-BB0C-0330AB3541F0}" type="datetimeFigureOut">
               <a:rPr lang="ko-KR" altLang="en-US" smtClean="0"/>
-              <a:t>2023-07-27</a:t>
+              <a:t>2023-07-31</a:t>
             </a:fld>
             <a:endParaRPr lang="ko-KR" altLang="en-US"/>
           </a:p>
@@ -5350,7 +5350,7 @@
           <a:p>
             <a:fld id="{5143E54F-8ACC-4DA1-BB0C-0330AB3541F0}" type="datetimeFigureOut">
               <a:rPr lang="ko-KR" altLang="en-US" smtClean="0"/>
-              <a:t>2023-07-27</a:t>
+              <a:t>2023-07-31</a:t>
             </a:fld>
             <a:endParaRPr lang="ko-KR" altLang="en-US"/>
           </a:p>
@@ -5683,7 +5683,7 @@
           <a:p>
             <a:fld id="{5143E54F-8ACC-4DA1-BB0C-0330AB3541F0}" type="datetimeFigureOut">
               <a:rPr lang="ko-KR" altLang="en-US" smtClean="0"/>
-              <a:t>2023-07-27</a:t>
+              <a:t>2023-07-31</a:t>
             </a:fld>
             <a:endParaRPr lang="ko-KR" altLang="en-US"/>
           </a:p>
@@ -6072,7 +6072,7 @@
           <a:p>
             <a:fld id="{5143E54F-8ACC-4DA1-BB0C-0330AB3541F0}" type="datetimeFigureOut">
               <a:rPr lang="ko-KR" altLang="en-US" smtClean="0"/>
-              <a:t>2023-07-27</a:t>
+              <a:t>2023-07-31</a:t>
             </a:fld>
             <a:endParaRPr lang="ko-KR" altLang="en-US"/>
           </a:p>
@@ -6296,7 +6296,7 @@
           <a:p>
             <a:fld id="{5143E54F-8ACC-4DA1-BB0C-0330AB3541F0}" type="datetimeFigureOut">
               <a:rPr lang="ko-KR" altLang="en-US" smtClean="0"/>
-              <a:t>2023-07-27</a:t>
+              <a:t>2023-07-31</a:t>
             </a:fld>
             <a:endParaRPr lang="ko-KR" altLang="en-US"/>
           </a:p>
@@ -6655,7 +6655,7 @@
           <a:p>
             <a:fld id="{5143E54F-8ACC-4DA1-BB0C-0330AB3541F0}" type="datetimeFigureOut">
               <a:rPr lang="ko-KR" altLang="en-US" smtClean="0"/>
-              <a:t>2023-07-27</a:t>
+              <a:t>2023-07-31</a:t>
             </a:fld>
             <a:endParaRPr lang="ko-KR" altLang="en-US"/>
           </a:p>
@@ -7066,7 +7066,7 @@
           <a:p>
             <a:fld id="{5143E54F-8ACC-4DA1-BB0C-0330AB3541F0}" type="datetimeFigureOut">
               <a:rPr lang="ko-KR" altLang="en-US" smtClean="0"/>
-              <a:t>2023-07-27</a:t>
+              <a:t>2023-07-31</a:t>
             </a:fld>
             <a:endParaRPr lang="ko-KR" altLang="en-US"/>
           </a:p>
@@ -7550,7 +7550,15 @@
           <a:p>
             <a:r>
               <a:rPr lang="ko-KR" altLang="en-US" dirty="0" smtClean="0"/>
-              <a:t>나만의 게임 홈페이지 만들기</a:t>
+              <a:t>나만의 </a:t>
+            </a:r>
+            <a:r>
+              <a:rPr lang="ko-KR" altLang="en-US" dirty="0" smtClean="0"/>
+              <a:t>게임 </a:t>
+            </a:r>
+            <a:r>
+              <a:rPr lang="ko-KR" altLang="en-US" dirty="0" smtClean="0"/>
+              <a:t>홈페이지 만들기</a:t>
             </a:r>
             <a:r>
               <a:rPr lang="en-US" altLang="ko-KR" dirty="0" smtClean="0"/>
@@ -7559,6 +7567,37 @@
             <a:r>
               <a:rPr lang="ko-KR" altLang="en-US" dirty="0" err="1" smtClean="0"/>
               <a:t>배포목표</a:t>
+            </a:r>
+            <a:r>
+              <a:rPr lang="en-US" altLang="ko-KR" dirty="0" smtClean="0"/>
+              <a:t>,</a:t>
+            </a:r>
+            <a:br>
+              <a:rPr lang="en-US" altLang="ko-KR" dirty="0" smtClean="0"/>
+            </a:br>
+            <a:r>
+              <a:rPr lang="en-US" altLang="ko-KR" dirty="0" smtClean="0"/>
+              <a:t>-</a:t>
+            </a:r>
+            <a:r>
+              <a:rPr lang="ko-KR" altLang="en-US" dirty="0" smtClean="0"/>
+              <a:t>수정 </a:t>
+            </a:r>
+            <a:r>
+              <a:rPr lang="en-US" altLang="ko-KR" dirty="0" smtClean="0"/>
+              <a:t>23/7/31 : </a:t>
+            </a:r>
+            <a:r>
+              <a:rPr lang="ko-KR" altLang="en-US" dirty="0" smtClean="0"/>
+              <a:t>가계부 </a:t>
+            </a:r>
+            <a:r>
+              <a:rPr lang="ko-KR" altLang="en-US" smtClean="0"/>
+              <a:t>관리 사이트</a:t>
+            </a:r>
+            <a:r>
+              <a:rPr lang="ko-KR" altLang="en-US"/>
+              <a:t>로</a:t>
             </a:r>
             <a:endParaRPr lang="ko-KR" altLang="en-US" dirty="0"/>
           </a:p>

--- a/홈페이지를 만들어보자.pptx
+++ b/홈페이지를 만들어보자.pptx
@@ -900,7 +900,7 @@
         <a:p>
           <a:pPr latinLnBrk="1"/>
           <a:r>
-            <a:rPr lang="en-US" altLang="ko-KR" dirty="0" smtClean="0"/>
+            <a:rPr lang="en-US" altLang="ko-KR" dirty="0"/>
             <a:t>forum</a:t>
           </a:r>
           <a:endParaRPr lang="ko-KR" altLang="en-US" dirty="0"/>
@@ -940,7 +940,7 @@
         <a:p>
           <a:pPr latinLnBrk="1"/>
           <a:r>
-            <a:rPr lang="en-US" altLang="ko-KR" dirty="0" smtClean="0"/>
+            <a:rPr lang="en-US" altLang="ko-KR" dirty="0"/>
             <a:t>Site</a:t>
           </a:r>
           <a:endParaRPr lang="ko-KR" altLang="en-US" dirty="0"/>
@@ -980,7 +980,7 @@
         <a:p>
           <a:pPr latinLnBrk="1"/>
           <a:r>
-            <a:rPr lang="en-US" altLang="ko-KR" dirty="0" smtClean="0"/>
+            <a:rPr lang="en-US" altLang="ko-KR" dirty="0"/>
             <a:t>main</a:t>
           </a:r>
           <a:endParaRPr lang="ko-KR" altLang="en-US" dirty="0"/>
@@ -1020,7 +1020,7 @@
         <a:p>
           <a:pPr latinLnBrk="1"/>
           <a:r>
-            <a:rPr lang="en-US" altLang="ko-KR" dirty="0" err="1" smtClean="0"/>
+            <a:rPr lang="en-US" altLang="ko-KR" dirty="0" err="1"/>
             <a:t>Sain</a:t>
           </a:r>
           <a:endParaRPr lang="ko-KR" altLang="en-US" dirty="0"/>
@@ -1060,7 +1060,7 @@
         <a:p>
           <a:pPr latinLnBrk="1"/>
           <a:r>
-            <a:rPr lang="en-US" altLang="ko-KR" dirty="0" smtClean="0"/>
+            <a:rPr lang="en-US" altLang="ko-KR" dirty="0"/>
             <a:t>Lore</a:t>
           </a:r>
           <a:endParaRPr lang="ko-KR" altLang="en-US" dirty="0"/>
@@ -1102,14 +1102,6 @@
         </dgm:presLayoutVars>
       </dgm:prSet>
       <dgm:spPr/>
-      <dgm:t>
-        <a:bodyPr/>
-        <a:lstStyle/>
-        <a:p>
-          <a:pPr latinLnBrk="1"/>
-          <a:endParaRPr lang="ko-KR" altLang="en-US"/>
-        </a:p>
-      </dgm:t>
     </dgm:pt>
     <dgm:pt modelId="{3B0D8D73-4557-49E3-BE3D-0DF2216E6D90}" type="pres">
       <dgm:prSet presAssocID="{26C51E81-3C59-4C93-B2B5-8C7140D36207}" presName="root" presStyleCnt="0"/>
@@ -1122,26 +1114,10 @@
     <dgm:pt modelId="{D807363C-D193-4BF3-8CE9-A3C3E8B876D6}" type="pres">
       <dgm:prSet presAssocID="{26C51E81-3C59-4C93-B2B5-8C7140D36207}" presName="rootText" presStyleLbl="node1" presStyleIdx="0" presStyleCnt="1"/>
       <dgm:spPr/>
-      <dgm:t>
-        <a:bodyPr/>
-        <a:lstStyle/>
-        <a:p>
-          <a:pPr latinLnBrk="1"/>
-          <a:endParaRPr lang="ko-KR" altLang="en-US"/>
-        </a:p>
-      </dgm:t>
     </dgm:pt>
     <dgm:pt modelId="{9E380A39-F9A8-48FA-8E7F-67CA71DC6996}" type="pres">
       <dgm:prSet presAssocID="{26C51E81-3C59-4C93-B2B5-8C7140D36207}" presName="rootConnector" presStyleLbl="node1" presStyleIdx="0" presStyleCnt="1"/>
       <dgm:spPr/>
-      <dgm:t>
-        <a:bodyPr/>
-        <a:lstStyle/>
-        <a:p>
-          <a:pPr latinLnBrk="1"/>
-          <a:endParaRPr lang="ko-KR" altLang="en-US"/>
-        </a:p>
-      </dgm:t>
     </dgm:pt>
     <dgm:pt modelId="{5BAF37E5-B7AD-4D47-9DC2-BF207F3F01C5}" type="pres">
       <dgm:prSet presAssocID="{26C51E81-3C59-4C93-B2B5-8C7140D36207}" presName="childShape" presStyleCnt="0"/>
@@ -1150,14 +1126,6 @@
     <dgm:pt modelId="{1612D043-CA22-4F62-BC24-044D24D75C7D}" type="pres">
       <dgm:prSet presAssocID="{18D0C1C1-E032-4E47-B022-2A7B3F0F9E1E}" presName="Name13" presStyleLbl="parChTrans1D2" presStyleIdx="0" presStyleCnt="2"/>
       <dgm:spPr/>
-      <dgm:t>
-        <a:bodyPr/>
-        <a:lstStyle/>
-        <a:p>
-          <a:pPr latinLnBrk="1"/>
-          <a:endParaRPr lang="ko-KR" altLang="en-US"/>
-        </a:p>
-      </dgm:t>
     </dgm:pt>
     <dgm:pt modelId="{43F0D6FF-E254-4B85-A272-9C96C0EF603D}" type="pres">
       <dgm:prSet presAssocID="{D6B39920-7C4C-47E5-8D09-49517F58CA43}" presName="childText" presStyleLbl="bgAcc1" presStyleIdx="0" presStyleCnt="2">
@@ -1166,26 +1134,10 @@
         </dgm:presLayoutVars>
       </dgm:prSet>
       <dgm:spPr/>
-      <dgm:t>
-        <a:bodyPr/>
-        <a:lstStyle/>
-        <a:p>
-          <a:pPr latinLnBrk="1"/>
-          <a:endParaRPr lang="ko-KR" altLang="en-US"/>
-        </a:p>
-      </dgm:t>
     </dgm:pt>
     <dgm:pt modelId="{FAF10C6D-8979-492D-961C-8A6D3FE77800}" type="pres">
       <dgm:prSet presAssocID="{73621A8A-6844-4E28-B8B0-7E827F1E9EC4}" presName="Name13" presStyleLbl="parChTrans1D2" presStyleIdx="1" presStyleCnt="2"/>
       <dgm:spPr/>
-      <dgm:t>
-        <a:bodyPr/>
-        <a:lstStyle/>
-        <a:p>
-          <a:pPr latinLnBrk="1"/>
-          <a:endParaRPr lang="ko-KR" altLang="en-US"/>
-        </a:p>
-      </dgm:t>
     </dgm:pt>
     <dgm:pt modelId="{0E2504B1-2C70-414E-A677-1546D08BE142}" type="pres">
       <dgm:prSet presAssocID="{20591E0D-8299-40F4-9C39-FDCD3D4A670A}" presName="childText" presStyleLbl="bgAcc1" presStyleIdx="1" presStyleCnt="2">
@@ -1194,31 +1146,23 @@
         </dgm:presLayoutVars>
       </dgm:prSet>
       <dgm:spPr/>
-      <dgm:t>
-        <a:bodyPr/>
-        <a:lstStyle/>
-        <a:p>
-          <a:pPr latinLnBrk="1"/>
-          <a:endParaRPr lang="ko-KR" altLang="en-US"/>
-        </a:p>
-      </dgm:t>
     </dgm:pt>
   </dgm:ptLst>
   <dgm:cxnLst>
+    <dgm:cxn modelId="{9D0B361B-A8B5-4917-8E4A-3D4EE704FCD4}" srcId="{20591E0D-8299-40F4-9C39-FDCD3D4A670A}" destId="{F2F595DA-0CB8-4832-AB5C-25AE276679B5}" srcOrd="0" destOrd="0" parTransId="{A0AFE9A6-D331-4B37-8E82-8031E3433E3B}" sibTransId="{524A2FB4-8741-4624-8315-ECDBAF42D40D}"/>
+    <dgm:cxn modelId="{B8F4D825-36D5-4F2C-B86A-2F1CD087F4D1}" type="presOf" srcId="{26C51E81-3C59-4C93-B2B5-8C7140D36207}" destId="{D807363C-D193-4BF3-8CE9-A3C3E8B876D6}" srcOrd="0" destOrd="0" presId="urn:microsoft.com/office/officeart/2005/8/layout/hierarchy3"/>
+    <dgm:cxn modelId="{C1EF2F2B-6859-4527-835C-6F752635BF72}" srcId="{FB01C86F-6492-4A64-93B6-83E02F34B955}" destId="{26C51E81-3C59-4C93-B2B5-8C7140D36207}" srcOrd="0" destOrd="0" parTransId="{BB4065B5-8DC8-4E4D-9BF2-01C1D4350B43}" sibTransId="{AAD29430-EDEA-496A-878B-B5637AD1B982}"/>
+    <dgm:cxn modelId="{88351E61-6EB9-4E90-9F85-6068C2C6AEB3}" srcId="{D6B39920-7C4C-47E5-8D09-49517F58CA43}" destId="{379B4E6D-D854-4A0A-9F4F-AD3D7B1FEFB2}" srcOrd="0" destOrd="0" parTransId="{7F8BA15F-FAFD-4B03-BB42-9FD2C61D79A0}" sibTransId="{6DA13ACE-4F07-4AEE-87A8-26E5F0211A20}"/>
+    <dgm:cxn modelId="{0CB55749-7A3F-4A20-ACAB-7446746F00C8}" type="presOf" srcId="{26C51E81-3C59-4C93-B2B5-8C7140D36207}" destId="{9E380A39-F9A8-48FA-8E7F-67CA71DC6996}" srcOrd="1" destOrd="0" presId="urn:microsoft.com/office/officeart/2005/8/layout/hierarchy3"/>
+    <dgm:cxn modelId="{A96D7E4B-396A-433F-9A04-9792FB1B58CB}" srcId="{26C51E81-3C59-4C93-B2B5-8C7140D36207}" destId="{20591E0D-8299-40F4-9C39-FDCD3D4A670A}" srcOrd="1" destOrd="0" parTransId="{73621A8A-6844-4E28-B8B0-7E827F1E9EC4}" sibTransId="{AA07EA14-21CC-4AB2-8666-9ABE12CEFB9E}"/>
+    <dgm:cxn modelId="{011EB358-0CF1-4DD1-8CFA-64CE3E8529A9}" type="presOf" srcId="{20591E0D-8299-40F4-9C39-FDCD3D4A670A}" destId="{0E2504B1-2C70-414E-A677-1546D08BE142}" srcOrd="0" destOrd="0" presId="urn:microsoft.com/office/officeart/2005/8/layout/hierarchy3"/>
     <dgm:cxn modelId="{12FD0380-3670-4F2F-85F8-DA275163EC11}" srcId="{26C51E81-3C59-4C93-B2B5-8C7140D36207}" destId="{D6B39920-7C4C-47E5-8D09-49517F58CA43}" srcOrd="0" destOrd="0" parTransId="{18D0C1C1-E032-4E47-B022-2A7B3F0F9E1E}" sibTransId="{77CD7A4A-6503-400A-8738-6E94C6B17655}"/>
+    <dgm:cxn modelId="{B9685292-F7FB-4A5A-AA23-8BB515D8EC3F}" type="presOf" srcId="{F2F595DA-0CB8-4832-AB5C-25AE276679B5}" destId="{0E2504B1-2C70-414E-A677-1546D08BE142}" srcOrd="0" destOrd="1" presId="urn:microsoft.com/office/officeart/2005/8/layout/hierarchy3"/>
+    <dgm:cxn modelId="{80B9F4B1-5B5A-4DD5-8EDB-FAF825E90EE9}" type="presOf" srcId="{73621A8A-6844-4E28-B8B0-7E827F1E9EC4}" destId="{FAF10C6D-8979-492D-961C-8A6D3FE77800}" srcOrd="0" destOrd="0" presId="urn:microsoft.com/office/officeart/2005/8/layout/hierarchy3"/>
+    <dgm:cxn modelId="{813723C8-068B-48B3-B8FB-103904E50102}" type="presOf" srcId="{379B4E6D-D854-4A0A-9F4F-AD3D7B1FEFB2}" destId="{43F0D6FF-E254-4B85-A272-9C96C0EF603D}" srcOrd="0" destOrd="1" presId="urn:microsoft.com/office/officeart/2005/8/layout/hierarchy3"/>
+    <dgm:cxn modelId="{3A6E1BD4-1D93-472A-A28F-CDCBE2451FB2}" type="presOf" srcId="{18D0C1C1-E032-4E47-B022-2A7B3F0F9E1E}" destId="{1612D043-CA22-4F62-BC24-044D24D75C7D}" srcOrd="0" destOrd="0" presId="urn:microsoft.com/office/officeart/2005/8/layout/hierarchy3"/>
     <dgm:cxn modelId="{05BA32D9-8432-49D4-A96F-CEBAC318805C}" type="presOf" srcId="{FB01C86F-6492-4A64-93B6-83E02F34B955}" destId="{D7FF4A1D-2AF8-45C4-83FC-0649F3F4C5F2}" srcOrd="0" destOrd="0" presId="urn:microsoft.com/office/officeart/2005/8/layout/hierarchy3"/>
-    <dgm:cxn modelId="{3A6E1BD4-1D93-472A-A28F-CDCBE2451FB2}" type="presOf" srcId="{18D0C1C1-E032-4E47-B022-2A7B3F0F9E1E}" destId="{1612D043-CA22-4F62-BC24-044D24D75C7D}" srcOrd="0" destOrd="0" presId="urn:microsoft.com/office/officeart/2005/8/layout/hierarchy3"/>
-    <dgm:cxn modelId="{813723C8-068B-48B3-B8FB-103904E50102}" type="presOf" srcId="{379B4E6D-D854-4A0A-9F4F-AD3D7B1FEFB2}" destId="{43F0D6FF-E254-4B85-A272-9C96C0EF603D}" srcOrd="0" destOrd="1" presId="urn:microsoft.com/office/officeart/2005/8/layout/hierarchy3"/>
-    <dgm:cxn modelId="{C1EF2F2B-6859-4527-835C-6F752635BF72}" srcId="{FB01C86F-6492-4A64-93B6-83E02F34B955}" destId="{26C51E81-3C59-4C93-B2B5-8C7140D36207}" srcOrd="0" destOrd="0" parTransId="{BB4065B5-8DC8-4E4D-9BF2-01C1D4350B43}" sibTransId="{AAD29430-EDEA-496A-878B-B5637AD1B982}"/>
-    <dgm:cxn modelId="{80B9F4B1-5B5A-4DD5-8EDB-FAF825E90EE9}" type="presOf" srcId="{73621A8A-6844-4E28-B8B0-7E827F1E9EC4}" destId="{FAF10C6D-8979-492D-961C-8A6D3FE77800}" srcOrd="0" destOrd="0" presId="urn:microsoft.com/office/officeart/2005/8/layout/hierarchy3"/>
-    <dgm:cxn modelId="{0CB55749-7A3F-4A20-ACAB-7446746F00C8}" type="presOf" srcId="{26C51E81-3C59-4C93-B2B5-8C7140D36207}" destId="{9E380A39-F9A8-48FA-8E7F-67CA71DC6996}" srcOrd="1" destOrd="0" presId="urn:microsoft.com/office/officeart/2005/8/layout/hierarchy3"/>
-    <dgm:cxn modelId="{B8F4D825-36D5-4F2C-B86A-2F1CD087F4D1}" type="presOf" srcId="{26C51E81-3C59-4C93-B2B5-8C7140D36207}" destId="{D807363C-D193-4BF3-8CE9-A3C3E8B876D6}" srcOrd="0" destOrd="0" presId="urn:microsoft.com/office/officeart/2005/8/layout/hierarchy3"/>
     <dgm:cxn modelId="{1EE9E0F2-4450-4BD5-BDDC-A22B663444CB}" type="presOf" srcId="{D6B39920-7C4C-47E5-8D09-49517F58CA43}" destId="{43F0D6FF-E254-4B85-A272-9C96C0EF603D}" srcOrd="0" destOrd="0" presId="urn:microsoft.com/office/officeart/2005/8/layout/hierarchy3"/>
-    <dgm:cxn modelId="{011EB358-0CF1-4DD1-8CFA-64CE3E8529A9}" type="presOf" srcId="{20591E0D-8299-40F4-9C39-FDCD3D4A670A}" destId="{0E2504B1-2C70-414E-A677-1546D08BE142}" srcOrd="0" destOrd="0" presId="urn:microsoft.com/office/officeart/2005/8/layout/hierarchy3"/>
-    <dgm:cxn modelId="{88351E61-6EB9-4E90-9F85-6068C2C6AEB3}" srcId="{D6B39920-7C4C-47E5-8D09-49517F58CA43}" destId="{379B4E6D-D854-4A0A-9F4F-AD3D7B1FEFB2}" srcOrd="0" destOrd="0" parTransId="{7F8BA15F-FAFD-4B03-BB42-9FD2C61D79A0}" sibTransId="{6DA13ACE-4F07-4AEE-87A8-26E5F0211A20}"/>
-    <dgm:cxn modelId="{A96D7E4B-396A-433F-9A04-9792FB1B58CB}" srcId="{26C51E81-3C59-4C93-B2B5-8C7140D36207}" destId="{20591E0D-8299-40F4-9C39-FDCD3D4A670A}" srcOrd="1" destOrd="0" parTransId="{73621A8A-6844-4E28-B8B0-7E827F1E9EC4}" sibTransId="{AA07EA14-21CC-4AB2-8666-9ABE12CEFB9E}"/>
-    <dgm:cxn modelId="{B9685292-F7FB-4A5A-AA23-8BB515D8EC3F}" type="presOf" srcId="{F2F595DA-0CB8-4832-AB5C-25AE276679B5}" destId="{0E2504B1-2C70-414E-A677-1546D08BE142}" srcOrd="0" destOrd="1" presId="urn:microsoft.com/office/officeart/2005/8/layout/hierarchy3"/>
-    <dgm:cxn modelId="{9D0B361B-A8B5-4917-8E4A-3D4EE704FCD4}" srcId="{20591E0D-8299-40F4-9C39-FDCD3D4A670A}" destId="{F2F595DA-0CB8-4832-AB5C-25AE276679B5}" srcOrd="0" destOrd="0" parTransId="{A0AFE9A6-D331-4B37-8E82-8031E3433E3B}" sibTransId="{524A2FB4-8741-4624-8315-ECDBAF42D40D}"/>
     <dgm:cxn modelId="{B1DA4389-2781-482F-B457-86DE979611FE}" type="presParOf" srcId="{D7FF4A1D-2AF8-45C4-83FC-0649F3F4C5F2}" destId="{3B0D8D73-4557-49E3-BE3D-0DF2216E6D90}" srcOrd="0" destOrd="0" presId="urn:microsoft.com/office/officeart/2005/8/layout/hierarchy3"/>
     <dgm:cxn modelId="{97BF97D6-B91F-40B8-A2D4-E371F54E5D94}" type="presParOf" srcId="{3B0D8D73-4557-49E3-BE3D-0DF2216E6D90}" destId="{ED5C28C0-8762-4F50-8D53-BDC1AA490C60}" srcOrd="0" destOrd="0" presId="urn:microsoft.com/office/officeart/2005/8/layout/hierarchy3"/>
     <dgm:cxn modelId="{89131B43-5249-40FE-818D-4543F6DCCB3A}" type="presParOf" srcId="{ED5C28C0-8762-4F50-8D53-BDC1AA490C60}" destId="{D807363C-D193-4BF3-8CE9-A3C3E8B876D6}" srcOrd="0" destOrd="0" presId="urn:microsoft.com/office/officeart/2005/8/layout/hierarchy3"/>
@@ -1303,7 +1247,7 @@
         </a:bodyPr>
         <a:lstStyle/>
         <a:p>
-          <a:pPr lvl="0" algn="ctr" defTabSz="2889250" latinLnBrk="1">
+          <a:pPr marL="0" lvl="0" indent="0" algn="ctr" defTabSz="2889250" latinLnBrk="1">
             <a:lnSpc>
               <a:spcPct val="90000"/>
             </a:lnSpc>
@@ -1313,9 +1257,10 @@
             <a:spcAft>
               <a:spcPct val="35000"/>
             </a:spcAft>
+            <a:buNone/>
           </a:pPr>
           <a:r>
-            <a:rPr lang="en-US" altLang="ko-KR" sz="6500" kern="1200" dirty="0" smtClean="0"/>
+            <a:rPr lang="en-US" altLang="ko-KR" sz="6500" kern="1200" dirty="0"/>
             <a:t>forum</a:t>
           </a:r>
           <a:endParaRPr lang="ko-KR" altLang="en-US" sz="6500" kern="1200" dirty="0"/>
@@ -1439,7 +1384,7 @@
         </a:bodyPr>
         <a:lstStyle/>
         <a:p>
-          <a:pPr lvl="0" algn="l" defTabSz="1689100" latinLnBrk="1">
+          <a:pPr marL="0" lvl="0" indent="0" algn="l" defTabSz="1689100" latinLnBrk="1">
             <a:lnSpc>
               <a:spcPct val="90000"/>
             </a:lnSpc>
@@ -1449,9 +1394,10 @@
             <a:spcAft>
               <a:spcPct val="35000"/>
             </a:spcAft>
+            <a:buNone/>
           </a:pPr>
           <a:r>
-            <a:rPr lang="en-US" altLang="ko-KR" sz="3800" kern="1200" dirty="0" smtClean="0"/>
+            <a:rPr lang="en-US" altLang="ko-KR" sz="3800" kern="1200" dirty="0"/>
             <a:t>Site</a:t>
           </a:r>
           <a:endParaRPr lang="ko-KR" altLang="en-US" sz="3800" kern="1200" dirty="0"/>
@@ -1467,10 +1413,10 @@
             <a:spcAft>
               <a:spcPct val="15000"/>
             </a:spcAft>
-            <a:buChar char="••"/>
+            <a:buChar char="•"/>
           </a:pPr>
           <a:r>
-            <a:rPr lang="en-US" altLang="ko-KR" sz="3000" kern="1200" dirty="0" smtClean="0"/>
+            <a:rPr lang="en-US" altLang="ko-KR" sz="3000" kern="1200" dirty="0"/>
             <a:t>main</a:t>
           </a:r>
           <a:endParaRPr lang="ko-KR" altLang="en-US" sz="3000" kern="1200" dirty="0"/>
@@ -1594,7 +1540,7 @@
         </a:bodyPr>
         <a:lstStyle/>
         <a:p>
-          <a:pPr lvl="0" algn="l" defTabSz="1689100" latinLnBrk="1">
+          <a:pPr marL="0" lvl="0" indent="0" algn="l" defTabSz="1689100" latinLnBrk="1">
             <a:lnSpc>
               <a:spcPct val="90000"/>
             </a:lnSpc>
@@ -1604,9 +1550,10 @@
             <a:spcAft>
               <a:spcPct val="35000"/>
             </a:spcAft>
+            <a:buNone/>
           </a:pPr>
           <a:r>
-            <a:rPr lang="en-US" altLang="ko-KR" sz="3800" kern="1200" dirty="0" err="1" smtClean="0"/>
+            <a:rPr lang="en-US" altLang="ko-KR" sz="3800" kern="1200" dirty="0" err="1"/>
             <a:t>Sain</a:t>
           </a:r>
           <a:endParaRPr lang="ko-KR" altLang="en-US" sz="3800" kern="1200" dirty="0"/>
@@ -1622,10 +1569,10 @@
             <a:spcAft>
               <a:spcPct val="15000"/>
             </a:spcAft>
-            <a:buChar char="••"/>
+            <a:buChar char="•"/>
           </a:pPr>
           <a:r>
-            <a:rPr lang="en-US" altLang="ko-KR" sz="3000" kern="1200" dirty="0" smtClean="0"/>
+            <a:rPr lang="en-US" altLang="ko-KR" sz="3000" kern="1200" dirty="0"/>
             <a:t>Lore</a:t>
           </a:r>
           <a:endParaRPr lang="ko-KR" altLang="en-US" sz="3000" kern="1200" dirty="0"/>
@@ -3219,7 +3166,7 @@
           </a:lstStyle>
           <a:p>
             <a:r>
-              <a:rPr lang="ko-KR" altLang="en-US" smtClean="0"/>
+              <a:rPr lang="ko-KR" altLang="en-US"/>
               <a:t>마스터 제목 스타일 편집</a:t>
             </a:r>
             <a:endParaRPr lang="en-US"/>
@@ -3349,7 +3296,7 @@
           </a:lstStyle>
           <a:p>
             <a:r>
-              <a:rPr lang="ko-KR" altLang="en-US" smtClean="0"/>
+              <a:rPr lang="ko-KR" altLang="en-US"/>
               <a:t>클릭하여 마스터 부제목 스타일 편집</a:t>
             </a:r>
             <a:endParaRPr lang="en-US"/>
@@ -3373,7 +3320,7 @@
           <a:p>
             <a:fld id="{5143E54F-8ACC-4DA1-BB0C-0330AB3541F0}" type="datetimeFigureOut">
               <a:rPr lang="ko-KR" altLang="en-US" smtClean="0"/>
-              <a:t>2023-07-31</a:t>
+              <a:t>2023-08-07</a:t>
             </a:fld>
             <a:endParaRPr lang="ko-KR" altLang="en-US"/>
           </a:p>
@@ -3467,7 +3414,7 @@
           <a:lstStyle/>
           <a:p>
             <a:r>
-              <a:rPr lang="ko-KR" altLang="en-US" smtClean="0"/>
+              <a:rPr lang="ko-KR" altLang="en-US"/>
               <a:t>마스터 제목 스타일 편집</a:t>
             </a:r>
             <a:endParaRPr lang="en-US"/>
@@ -3496,35 +3443,35 @@
           <a:p>
             <a:pPr lvl="0"/>
             <a:r>
-              <a:rPr lang="ko-KR" altLang="en-US" smtClean="0"/>
+              <a:rPr lang="ko-KR" altLang="en-US"/>
               <a:t>마스터 텍스트 스타일 편집</a:t>
             </a:r>
           </a:p>
           <a:p>
             <a:pPr lvl="1"/>
             <a:r>
-              <a:rPr lang="ko-KR" altLang="en-US" smtClean="0"/>
+              <a:rPr lang="ko-KR" altLang="en-US"/>
               <a:t>둘째 수준</a:t>
             </a:r>
           </a:p>
           <a:p>
             <a:pPr lvl="2"/>
             <a:r>
-              <a:rPr lang="ko-KR" altLang="en-US" smtClean="0"/>
+              <a:rPr lang="ko-KR" altLang="en-US"/>
               <a:t>셋째 수준</a:t>
             </a:r>
           </a:p>
           <a:p>
             <a:pPr lvl="3"/>
             <a:r>
-              <a:rPr lang="ko-KR" altLang="en-US" smtClean="0"/>
+              <a:rPr lang="ko-KR" altLang="en-US"/>
               <a:t>넷째 수준</a:t>
             </a:r>
           </a:p>
           <a:p>
             <a:pPr lvl="4"/>
             <a:r>
-              <a:rPr lang="ko-KR" altLang="en-US" smtClean="0"/>
+              <a:rPr lang="ko-KR" altLang="en-US"/>
               <a:t>다섯째 수준</a:t>
             </a:r>
             <a:endParaRPr lang="en-US"/>
@@ -3548,7 +3495,7 @@
           <a:p>
             <a:fld id="{5143E54F-8ACC-4DA1-BB0C-0330AB3541F0}" type="datetimeFigureOut">
               <a:rPr lang="ko-KR" altLang="en-US" smtClean="0"/>
-              <a:t>2023-07-31</a:t>
+              <a:t>2023-08-07</a:t>
             </a:fld>
             <a:endParaRPr lang="ko-KR" altLang="en-US"/>
           </a:p>
@@ -3845,7 +3792,7 @@
           <a:lstStyle/>
           <a:p>
             <a:r>
-              <a:rPr lang="ko-KR" altLang="en-US" smtClean="0"/>
+              <a:rPr lang="ko-KR" altLang="en-US"/>
               <a:t>마스터 제목 스타일 편집</a:t>
             </a:r>
             <a:endParaRPr lang="en-US"/>
@@ -3874,35 +3821,35 @@
           <a:p>
             <a:pPr lvl="0"/>
             <a:r>
-              <a:rPr lang="ko-KR" altLang="en-US" smtClean="0"/>
+              <a:rPr lang="ko-KR" altLang="en-US"/>
               <a:t>마스터 텍스트 스타일 편집</a:t>
             </a:r>
           </a:p>
           <a:p>
             <a:pPr lvl="1"/>
             <a:r>
-              <a:rPr lang="ko-KR" altLang="en-US" smtClean="0"/>
+              <a:rPr lang="ko-KR" altLang="en-US"/>
               <a:t>둘째 수준</a:t>
             </a:r>
           </a:p>
           <a:p>
             <a:pPr lvl="2"/>
             <a:r>
-              <a:rPr lang="ko-KR" altLang="en-US" smtClean="0"/>
+              <a:rPr lang="ko-KR" altLang="en-US"/>
               <a:t>셋째 수준</a:t>
             </a:r>
           </a:p>
           <a:p>
             <a:pPr lvl="3"/>
             <a:r>
-              <a:rPr lang="ko-KR" altLang="en-US" smtClean="0"/>
+              <a:rPr lang="ko-KR" altLang="en-US"/>
               <a:t>넷째 수준</a:t>
             </a:r>
           </a:p>
           <a:p>
             <a:pPr lvl="4"/>
             <a:r>
-              <a:rPr lang="ko-KR" altLang="en-US" smtClean="0"/>
+              <a:rPr lang="ko-KR" altLang="en-US"/>
               <a:t>다섯째 수준</a:t>
             </a:r>
             <a:endParaRPr lang="en-US"/>
@@ -3926,7 +3873,7 @@
           <a:p>
             <a:fld id="{5143E54F-8ACC-4DA1-BB0C-0330AB3541F0}" type="datetimeFigureOut">
               <a:rPr lang="ko-KR" altLang="en-US" smtClean="0"/>
-              <a:t>2023-07-31</a:t>
+              <a:t>2023-08-07</a:t>
             </a:fld>
             <a:endParaRPr lang="ko-KR" altLang="en-US"/>
           </a:p>
@@ -4020,7 +3967,7 @@
           <a:lstStyle/>
           <a:p>
             <a:r>
-              <a:rPr lang="ko-KR" altLang="en-US" smtClean="0"/>
+              <a:rPr lang="ko-KR" altLang="en-US"/>
               <a:t>마스터 제목 스타일 편집</a:t>
             </a:r>
             <a:endParaRPr lang="en-US"/>
@@ -4044,35 +3991,35 @@
           <a:p>
             <a:pPr lvl="0"/>
             <a:r>
-              <a:rPr lang="ko-KR" altLang="en-US" smtClean="0"/>
+              <a:rPr lang="ko-KR" altLang="en-US"/>
               <a:t>마스터 텍스트 스타일 편집</a:t>
             </a:r>
           </a:p>
           <a:p>
             <a:pPr lvl="1"/>
             <a:r>
-              <a:rPr lang="ko-KR" altLang="en-US" smtClean="0"/>
+              <a:rPr lang="ko-KR" altLang="en-US"/>
               <a:t>둘째 수준</a:t>
             </a:r>
           </a:p>
           <a:p>
             <a:pPr lvl="2"/>
             <a:r>
-              <a:rPr lang="ko-KR" altLang="en-US" smtClean="0"/>
+              <a:rPr lang="ko-KR" altLang="en-US"/>
               <a:t>셋째 수준</a:t>
             </a:r>
           </a:p>
           <a:p>
             <a:pPr lvl="3"/>
             <a:r>
-              <a:rPr lang="ko-KR" altLang="en-US" smtClean="0"/>
+              <a:rPr lang="ko-KR" altLang="en-US"/>
               <a:t>넷째 수준</a:t>
             </a:r>
           </a:p>
           <a:p>
             <a:pPr lvl="4"/>
             <a:r>
-              <a:rPr lang="ko-KR" altLang="en-US" smtClean="0"/>
+              <a:rPr lang="ko-KR" altLang="en-US"/>
               <a:t>다섯째 수준</a:t>
             </a:r>
             <a:endParaRPr lang="en-US"/>
@@ -4096,7 +4043,7 @@
           <a:p>
             <a:fld id="{5143E54F-8ACC-4DA1-BB0C-0330AB3541F0}" type="datetimeFigureOut">
               <a:rPr lang="ko-KR" altLang="en-US" smtClean="0"/>
-              <a:t>2023-07-31</a:t>
+              <a:t>2023-08-07</a:t>
             </a:fld>
             <a:endParaRPr lang="ko-KR" altLang="en-US"/>
           </a:p>
@@ -4300,7 +4247,7 @@
               <a:buNone/>
             </a:pPr>
             <a:r>
-              <a:rPr lang="ko-KR" altLang="en-US" smtClean="0"/>
+              <a:rPr lang="ko-KR" altLang="en-US"/>
               <a:t>마스터 텍스트 스타일 편집</a:t>
             </a:r>
           </a:p>
@@ -4323,7 +4270,7 @@
           <a:p>
             <a:fld id="{5143E54F-8ACC-4DA1-BB0C-0330AB3541F0}" type="datetimeFigureOut">
               <a:rPr lang="ko-KR" altLang="en-US" smtClean="0"/>
-              <a:t>2023-07-31</a:t>
+              <a:t>2023-08-07</a:t>
             </a:fld>
             <a:endParaRPr lang="ko-KR" altLang="en-US"/>
           </a:p>
@@ -4607,7 +4554,7 @@
           </a:lstStyle>
           <a:p>
             <a:r>
-              <a:rPr lang="ko-KR" altLang="en-US" smtClean="0"/>
+              <a:rPr lang="ko-KR" altLang="en-US"/>
               <a:t>마스터 제목 스타일 편집</a:t>
             </a:r>
             <a:endParaRPr lang="en-US"/>
@@ -4660,7 +4607,7 @@
           <a:lstStyle/>
           <a:p>
             <a:r>
-              <a:rPr lang="ko-KR" altLang="en-US" smtClean="0"/>
+              <a:rPr lang="ko-KR" altLang="en-US"/>
               <a:t>마스터 제목 스타일 편집</a:t>
             </a:r>
             <a:endParaRPr lang="en-US"/>
@@ -4717,35 +4664,35 @@
           <a:p>
             <a:pPr lvl="0"/>
             <a:r>
-              <a:rPr lang="ko-KR" altLang="en-US" smtClean="0"/>
+              <a:rPr lang="ko-KR" altLang="en-US"/>
               <a:t>마스터 텍스트 스타일 편집</a:t>
             </a:r>
           </a:p>
           <a:p>
             <a:pPr lvl="1"/>
             <a:r>
-              <a:rPr lang="ko-KR" altLang="en-US" smtClean="0"/>
+              <a:rPr lang="ko-KR" altLang="en-US"/>
               <a:t>둘째 수준</a:t>
             </a:r>
           </a:p>
           <a:p>
             <a:pPr lvl="2"/>
             <a:r>
-              <a:rPr lang="ko-KR" altLang="en-US" smtClean="0"/>
+              <a:rPr lang="ko-KR" altLang="en-US"/>
               <a:t>셋째 수준</a:t>
             </a:r>
           </a:p>
           <a:p>
             <a:pPr lvl="3"/>
             <a:r>
-              <a:rPr lang="ko-KR" altLang="en-US" smtClean="0"/>
+              <a:rPr lang="ko-KR" altLang="en-US"/>
               <a:t>넷째 수준</a:t>
             </a:r>
           </a:p>
           <a:p>
             <a:pPr lvl="4"/>
             <a:r>
-              <a:rPr lang="ko-KR" altLang="en-US" smtClean="0"/>
+              <a:rPr lang="ko-KR" altLang="en-US"/>
               <a:t>다섯째 수준</a:t>
             </a:r>
             <a:endParaRPr lang="en-US"/>
@@ -4802,35 +4749,35 @@
           <a:p>
             <a:pPr lvl="0"/>
             <a:r>
-              <a:rPr lang="ko-KR" altLang="en-US" smtClean="0"/>
+              <a:rPr lang="ko-KR" altLang="en-US"/>
               <a:t>마스터 텍스트 스타일 편집</a:t>
             </a:r>
           </a:p>
           <a:p>
             <a:pPr lvl="1"/>
             <a:r>
-              <a:rPr lang="ko-KR" altLang="en-US" smtClean="0"/>
+              <a:rPr lang="ko-KR" altLang="en-US"/>
               <a:t>둘째 수준</a:t>
             </a:r>
           </a:p>
           <a:p>
             <a:pPr lvl="2"/>
             <a:r>
-              <a:rPr lang="ko-KR" altLang="en-US" smtClean="0"/>
+              <a:rPr lang="ko-KR" altLang="en-US"/>
               <a:t>셋째 수준</a:t>
             </a:r>
           </a:p>
           <a:p>
             <a:pPr lvl="3"/>
             <a:r>
-              <a:rPr lang="ko-KR" altLang="en-US" smtClean="0"/>
+              <a:rPr lang="ko-KR" altLang="en-US"/>
               <a:t>넷째 수준</a:t>
             </a:r>
           </a:p>
           <a:p>
             <a:pPr lvl="4"/>
             <a:r>
-              <a:rPr lang="ko-KR" altLang="en-US" smtClean="0"/>
+              <a:rPr lang="ko-KR" altLang="en-US"/>
               <a:t>다섯째 수준</a:t>
             </a:r>
             <a:endParaRPr lang="en-US"/>
@@ -4854,7 +4801,7 @@
           <a:p>
             <a:fld id="{5143E54F-8ACC-4DA1-BB0C-0330AB3541F0}" type="datetimeFigureOut">
               <a:rPr lang="ko-KR" altLang="en-US" smtClean="0"/>
-              <a:t>2023-07-31</a:t>
+              <a:t>2023-08-07</a:t>
             </a:fld>
             <a:endParaRPr lang="ko-KR" altLang="en-US"/>
           </a:p>
@@ -4952,7 +4899,7 @@
           </a:lstStyle>
           <a:p>
             <a:r>
-              <a:rPr lang="ko-KR" altLang="en-US" smtClean="0"/>
+              <a:rPr lang="ko-KR" altLang="en-US"/>
               <a:t>마스터 제목 스타일 편집</a:t>
             </a:r>
             <a:endParaRPr lang="en-US"/>
@@ -5055,7 +5002,7 @@
               <a:buNone/>
             </a:pPr>
             <a:r>
-              <a:rPr lang="ko-KR" altLang="en-US" smtClean="0"/>
+              <a:rPr lang="ko-KR" altLang="en-US"/>
               <a:t>마스터 텍스트 스타일 편집</a:t>
             </a:r>
           </a:p>
@@ -5111,35 +5058,35 @@
           <a:p>
             <a:pPr lvl="0"/>
             <a:r>
-              <a:rPr lang="ko-KR" altLang="en-US" smtClean="0"/>
+              <a:rPr lang="ko-KR" altLang="en-US"/>
               <a:t>마스터 텍스트 스타일 편집</a:t>
             </a:r>
           </a:p>
           <a:p>
             <a:pPr lvl="1"/>
             <a:r>
-              <a:rPr lang="ko-KR" altLang="en-US" smtClean="0"/>
+              <a:rPr lang="ko-KR" altLang="en-US"/>
               <a:t>둘째 수준</a:t>
             </a:r>
           </a:p>
           <a:p>
             <a:pPr lvl="2"/>
             <a:r>
-              <a:rPr lang="ko-KR" altLang="en-US" smtClean="0"/>
+              <a:rPr lang="ko-KR" altLang="en-US"/>
               <a:t>셋째 수준</a:t>
             </a:r>
           </a:p>
           <a:p>
             <a:pPr lvl="3"/>
             <a:r>
-              <a:rPr lang="ko-KR" altLang="en-US" smtClean="0"/>
+              <a:rPr lang="ko-KR" altLang="en-US"/>
               <a:t>넷째 수준</a:t>
             </a:r>
           </a:p>
           <a:p>
             <a:pPr lvl="4"/>
             <a:r>
-              <a:rPr lang="ko-KR" altLang="en-US" smtClean="0"/>
+              <a:rPr lang="ko-KR" altLang="en-US"/>
               <a:t>다섯째 수준</a:t>
             </a:r>
             <a:endParaRPr lang="en-US"/>
@@ -5242,7 +5189,7 @@
               <a:buNone/>
             </a:pPr>
             <a:r>
-              <a:rPr lang="ko-KR" altLang="en-US" smtClean="0"/>
+              <a:rPr lang="ko-KR" altLang="en-US"/>
               <a:t>마스터 텍스트 스타일 편집</a:t>
             </a:r>
           </a:p>
@@ -5298,35 +5245,35 @@
           <a:p>
             <a:pPr lvl="0"/>
             <a:r>
-              <a:rPr lang="ko-KR" altLang="en-US" smtClean="0"/>
+              <a:rPr lang="ko-KR" altLang="en-US"/>
               <a:t>마스터 텍스트 스타일 편집</a:t>
             </a:r>
           </a:p>
           <a:p>
             <a:pPr lvl="1"/>
             <a:r>
-              <a:rPr lang="ko-KR" altLang="en-US" smtClean="0"/>
+              <a:rPr lang="ko-KR" altLang="en-US"/>
               <a:t>둘째 수준</a:t>
             </a:r>
           </a:p>
           <a:p>
             <a:pPr lvl="2"/>
             <a:r>
-              <a:rPr lang="ko-KR" altLang="en-US" smtClean="0"/>
+              <a:rPr lang="ko-KR" altLang="en-US"/>
               <a:t>셋째 수준</a:t>
             </a:r>
           </a:p>
           <a:p>
             <a:pPr lvl="3"/>
             <a:r>
-              <a:rPr lang="ko-KR" altLang="en-US" smtClean="0"/>
+              <a:rPr lang="ko-KR" altLang="en-US"/>
               <a:t>넷째 수준</a:t>
             </a:r>
           </a:p>
           <a:p>
             <a:pPr lvl="4"/>
             <a:r>
-              <a:rPr lang="ko-KR" altLang="en-US" smtClean="0"/>
+              <a:rPr lang="ko-KR" altLang="en-US"/>
               <a:t>다섯째 수준</a:t>
             </a:r>
             <a:endParaRPr lang="en-US"/>
@@ -5350,7 +5297,7 @@
           <a:p>
             <a:fld id="{5143E54F-8ACC-4DA1-BB0C-0330AB3541F0}" type="datetimeFigureOut">
               <a:rPr lang="ko-KR" altLang="en-US" smtClean="0"/>
-              <a:t>2023-07-31</a:t>
+              <a:t>2023-08-07</a:t>
             </a:fld>
             <a:endParaRPr lang="ko-KR" altLang="en-US"/>
           </a:p>
@@ -5659,7 +5606,7 @@
           </a:lstStyle>
           <a:p>
             <a:r>
-              <a:rPr lang="ko-KR" altLang="en-US" smtClean="0"/>
+              <a:rPr lang="ko-KR" altLang="en-US"/>
               <a:t>마스터 제목 스타일 편집</a:t>
             </a:r>
             <a:endParaRPr lang="en-US"/>
@@ -5683,7 +5630,7 @@
           <a:p>
             <a:fld id="{5143E54F-8ACC-4DA1-BB0C-0330AB3541F0}" type="datetimeFigureOut">
               <a:rPr lang="ko-KR" altLang="en-US" smtClean="0"/>
-              <a:t>2023-07-31</a:t>
+              <a:t>2023-08-07</a:t>
             </a:fld>
             <a:endParaRPr lang="ko-KR" altLang="en-US"/>
           </a:p>
@@ -6072,7 +6019,7 @@
           <a:p>
             <a:fld id="{5143E54F-8ACC-4DA1-BB0C-0330AB3541F0}" type="datetimeFigureOut">
               <a:rPr lang="ko-KR" altLang="en-US" smtClean="0"/>
-              <a:t>2023-07-31</a:t>
+              <a:t>2023-08-07</a:t>
             </a:fld>
             <a:endParaRPr lang="ko-KR" altLang="en-US"/>
           </a:p>
@@ -6188,7 +6135,7 @@
           </a:lstStyle>
           <a:p>
             <a:r>
-              <a:rPr lang="ko-KR" altLang="en-US" smtClean="0"/>
+              <a:rPr lang="ko-KR" altLang="en-US"/>
               <a:t>마스터 제목 스타일 편집</a:t>
             </a:r>
             <a:endParaRPr lang="en-US"/>
@@ -6273,7 +6220,7 @@
               <a:buNone/>
             </a:pPr>
             <a:r>
-              <a:rPr lang="ko-KR" altLang="en-US" smtClean="0"/>
+              <a:rPr lang="ko-KR" altLang="en-US"/>
               <a:t>마스터 텍스트 스타일 편집</a:t>
             </a:r>
           </a:p>
@@ -6296,7 +6243,7 @@
           <a:p>
             <a:fld id="{5143E54F-8ACC-4DA1-BB0C-0330AB3541F0}" type="datetimeFigureOut">
               <a:rPr lang="ko-KR" altLang="en-US" smtClean="0"/>
-              <a:t>2023-07-31</a:t>
+              <a:t>2023-08-07</a:t>
             </a:fld>
             <a:endParaRPr lang="ko-KR" altLang="en-US"/>
           </a:p>
@@ -6366,35 +6313,35 @@
           <a:p>
             <a:pPr lvl="0"/>
             <a:r>
-              <a:rPr lang="ko-KR" altLang="en-US" smtClean="0"/>
+              <a:rPr lang="ko-KR" altLang="en-US"/>
               <a:t>마스터 텍스트 스타일 편집</a:t>
             </a:r>
           </a:p>
           <a:p>
             <a:pPr lvl="1"/>
             <a:r>
-              <a:rPr lang="ko-KR" altLang="en-US" smtClean="0"/>
+              <a:rPr lang="ko-KR" altLang="en-US"/>
               <a:t>둘째 수준</a:t>
             </a:r>
           </a:p>
           <a:p>
             <a:pPr lvl="2"/>
             <a:r>
-              <a:rPr lang="ko-KR" altLang="en-US" smtClean="0"/>
+              <a:rPr lang="ko-KR" altLang="en-US"/>
               <a:t>셋째 수준</a:t>
             </a:r>
           </a:p>
           <a:p>
             <a:pPr lvl="3"/>
             <a:r>
-              <a:rPr lang="ko-KR" altLang="en-US" smtClean="0"/>
+              <a:rPr lang="ko-KR" altLang="en-US"/>
               <a:t>넷째 수준</a:t>
             </a:r>
           </a:p>
           <a:p>
             <a:pPr lvl="4"/>
             <a:r>
-              <a:rPr lang="ko-KR" altLang="en-US" smtClean="0"/>
+              <a:rPr lang="ko-KR" altLang="en-US"/>
               <a:t>다섯째 수준</a:t>
             </a:r>
             <a:endParaRPr lang="en-US"/>
@@ -6469,7 +6416,7 @@
           </a:lstStyle>
           <a:p>
             <a:r>
-              <a:rPr lang="ko-KR" altLang="en-US" smtClean="0"/>
+              <a:rPr lang="ko-KR" altLang="en-US"/>
               <a:t>마스터 제목 스타일 편집</a:t>
             </a:r>
             <a:endParaRPr lang="en-US"/>
@@ -6566,7 +6513,7 @@
           </a:lstStyle>
           <a:p>
             <a:r>
-              <a:rPr lang="ko-KR" altLang="en-US" smtClean="0"/>
+              <a:rPr lang="ko-KR" altLang="en-US"/>
               <a:t>그림을 추가하려면 아이콘을 클릭하십시오</a:t>
             </a:r>
             <a:endParaRPr lang="en-US"/>
@@ -6632,7 +6579,7 @@
           <a:p>
             <a:pPr lvl="0"/>
             <a:r>
-              <a:rPr lang="ko-KR" altLang="en-US" smtClean="0"/>
+              <a:rPr lang="ko-KR" altLang="en-US"/>
               <a:t>마스터 텍스트 스타일 편집</a:t>
             </a:r>
           </a:p>
@@ -6655,7 +6602,7 @@
           <a:p>
             <a:fld id="{5143E54F-8ACC-4DA1-BB0C-0330AB3541F0}" type="datetimeFigureOut">
               <a:rPr lang="ko-KR" altLang="en-US" smtClean="0"/>
-              <a:t>2023-07-31</a:t>
+              <a:t>2023-08-07</a:t>
             </a:fld>
             <a:endParaRPr lang="ko-KR" altLang="en-US"/>
           </a:p>
@@ -6962,7 +6909,7 @@
           <a:lstStyle/>
           <a:p>
             <a:r>
-              <a:rPr lang="ko-KR" altLang="en-US" smtClean="0"/>
+              <a:rPr lang="ko-KR" altLang="en-US"/>
               <a:t>마스터 제목 스타일 편집</a:t>
             </a:r>
             <a:endParaRPr lang="en-US"/>
@@ -6996,35 +6943,35 @@
           <a:p>
             <a:pPr lvl="0"/>
             <a:r>
-              <a:rPr lang="ko-KR" altLang="en-US" smtClean="0"/>
+              <a:rPr lang="ko-KR" altLang="en-US"/>
               <a:t>마스터 텍스트 스타일 편집</a:t>
             </a:r>
           </a:p>
           <a:p>
             <a:pPr lvl="1"/>
             <a:r>
-              <a:rPr lang="ko-KR" altLang="en-US" smtClean="0"/>
+              <a:rPr lang="ko-KR" altLang="en-US"/>
               <a:t>둘째 수준</a:t>
             </a:r>
           </a:p>
           <a:p>
             <a:pPr lvl="2"/>
             <a:r>
-              <a:rPr lang="ko-KR" altLang="en-US" smtClean="0"/>
+              <a:rPr lang="ko-KR" altLang="en-US"/>
               <a:t>셋째 수준</a:t>
             </a:r>
           </a:p>
           <a:p>
             <a:pPr lvl="3"/>
             <a:r>
-              <a:rPr lang="ko-KR" altLang="en-US" smtClean="0"/>
+              <a:rPr lang="ko-KR" altLang="en-US"/>
               <a:t>넷째 수준</a:t>
             </a:r>
           </a:p>
           <a:p>
             <a:pPr lvl="4"/>
             <a:r>
-              <a:rPr lang="ko-KR" altLang="en-US" smtClean="0"/>
+              <a:rPr lang="ko-KR" altLang="en-US"/>
               <a:t>다섯째 수준</a:t>
             </a:r>
             <a:endParaRPr lang="en-US"/>
@@ -7066,7 +7013,7 @@
           <a:p>
             <a:fld id="{5143E54F-8ACC-4DA1-BB0C-0330AB3541F0}" type="datetimeFigureOut">
               <a:rPr lang="ko-KR" altLang="en-US" smtClean="0"/>
-              <a:t>2023-07-31</a:t>
+              <a:t>2023-08-07</a:t>
             </a:fld>
             <a:endParaRPr lang="ko-KR" altLang="en-US"/>
           </a:p>
@@ -7549,57 +7496,40 @@
           <a:lstStyle/>
           <a:p>
             <a:r>
-              <a:rPr lang="ko-KR" altLang="en-US" dirty="0" smtClean="0"/>
-              <a:t>나만의 </a:t>
-            </a:r>
-            <a:r>
-              <a:rPr lang="ko-KR" altLang="en-US" dirty="0" smtClean="0"/>
-              <a:t>게임 </a:t>
-            </a:r>
-            <a:r>
-              <a:rPr lang="ko-KR" altLang="en-US" dirty="0" smtClean="0"/>
-              <a:t>홈페이지 만들기</a:t>
-            </a:r>
-            <a:r>
-              <a:rPr lang="en-US" altLang="ko-KR" dirty="0" smtClean="0"/>
+              <a:rPr lang="ko-KR" altLang="en-US" dirty="0"/>
+              <a:t>나만의 게임 홈페이지 만들기</a:t>
+            </a:r>
+            <a:r>
+              <a:rPr lang="en-US" altLang="ko-KR" dirty="0"/>
               <a:t>! +</a:t>
             </a:r>
             <a:r>
-              <a:rPr lang="ko-KR" altLang="en-US" dirty="0" err="1" smtClean="0"/>
+              <a:rPr lang="ko-KR" altLang="en-US" dirty="0" err="1"/>
               <a:t>배포목표</a:t>
             </a:r>
             <a:r>
-              <a:rPr lang="en-US" altLang="ko-KR" dirty="0" smtClean="0"/>
+              <a:rPr lang="en-US" altLang="ko-KR" dirty="0"/>
               <a:t>,</a:t>
             </a:r>
             <a:br>
-              <a:rPr lang="en-US" altLang="ko-KR" dirty="0" smtClean="0"/>
+              <a:rPr lang="en-US" altLang="ko-KR" dirty="0"/>
             </a:br>
             <a:r>
-              <a:rPr lang="en-US" altLang="ko-KR" dirty="0" smtClean="0"/>
+              <a:rPr lang="en-US" altLang="ko-KR" dirty="0"/>
               <a:t>-</a:t>
             </a:r>
             <a:r>
-              <a:rPr lang="ko-KR" altLang="en-US" dirty="0" smtClean="0"/>
+              <a:rPr lang="ko-KR" altLang="en-US" dirty="0"/>
               <a:t>수정 </a:t>
             </a:r>
             <a:r>
-              <a:rPr lang="en-US" altLang="ko-KR" dirty="0" smtClean="0"/>
+              <a:rPr lang="en-US" altLang="ko-KR" dirty="0"/>
               <a:t>23/7/31 : </a:t>
             </a:r>
             <a:r>
-              <a:rPr lang="ko-KR" altLang="en-US" dirty="0" smtClean="0"/>
-              <a:t>가계부 </a:t>
-            </a:r>
-            <a:r>
-              <a:rPr lang="ko-KR" altLang="en-US" smtClean="0"/>
-              <a:t>관리 사이트</a:t>
-            </a:r>
-            <a:r>
-              <a:rPr lang="ko-KR" altLang="en-US"/>
-              <a:t>로</a:t>
-            </a:r>
-            <a:endParaRPr lang="ko-KR" altLang="en-US" dirty="0"/>
+              <a:rPr lang="ko-KR" altLang="en-US" dirty="0"/>
+              <a:t>가계부 관리 사이트로</a:t>
+            </a:r>
           </a:p>
         </p:txBody>
       </p:sp>
@@ -7621,7 +7551,7 @@
           <a:lstStyle/>
           <a:p>
             <a:r>
-              <a:rPr lang="ko-KR" altLang="en-US" dirty="0" smtClean="0"/>
+              <a:rPr lang="ko-KR" altLang="en-US" dirty="0"/>
               <a:t>게임소개</a:t>
             </a:r>
             <a:r>
@@ -7629,15 +7559,11 @@
               <a:t> </a:t>
             </a:r>
             <a:r>
-              <a:rPr lang="ko-KR" altLang="en-US" dirty="0" smtClean="0"/>
+              <a:rPr lang="ko-KR" altLang="en-US" dirty="0"/>
               <a:t>홈페이지</a:t>
             </a:r>
-            <a:r>
-              <a:rPr lang="en-US" altLang="ko-KR" dirty="0" smtClean="0"/>
-              <a:t/>
-            </a:r>
             <a:br>
-              <a:rPr lang="en-US" altLang="ko-KR" dirty="0" smtClean="0"/>
+              <a:rPr lang="en-US" altLang="ko-KR" dirty="0"/>
             </a:br>
             <a:endParaRPr lang="ko-KR" altLang="en-US" dirty="0"/>
           </a:p>
@@ -7653,13 +7579,6 @@
   <p:clrMapOvr>
     <a:masterClrMapping/>
   </p:clrMapOvr>
-  <p:timing>
-    <p:tnLst>
-      <p:par>
-        <p:cTn id="1" dur="indefinite" restart="never" nodeType="tmRoot"/>
-      </p:par>
-    </p:tnLst>
-  </p:timing>
 </p:sld>
 </file>
 
@@ -7696,10 +7615,9 @@
           <a:lstStyle/>
           <a:p>
             <a:r>
-              <a:rPr lang="ko-KR" altLang="en-US" dirty="0" smtClean="0"/>
+              <a:rPr lang="ko-KR" altLang="en-US" dirty="0"/>
               <a:t>프로젝트 의의</a:t>
             </a:r>
-            <a:endParaRPr lang="ko-KR" altLang="en-US" dirty="0"/>
           </a:p>
         </p:txBody>
       </p:sp>
@@ -7719,75 +7637,71 @@
           <a:lstStyle/>
           <a:p>
             <a:r>
-              <a:rPr lang="ko-KR" altLang="en-US" dirty="0" smtClean="0"/>
+              <a:rPr lang="ko-KR" altLang="en-US" dirty="0"/>
               <a:t>스프링 부트 익히기</a:t>
             </a:r>
-            <a:endParaRPr lang="en-US" altLang="ko-KR" dirty="0" smtClean="0"/>
-          </a:p>
-          <a:p>
-            <a:r>
-              <a:rPr lang="en-US" altLang="ko-KR" dirty="0" smtClean="0"/>
+            <a:endParaRPr lang="en-US" altLang="ko-KR" dirty="0"/>
+          </a:p>
+          <a:p>
+            <a:r>
+              <a:rPr lang="en-US" altLang="ko-KR" dirty="0"/>
               <a:t>PostgreSQL </a:t>
             </a:r>
             <a:r>
-              <a:rPr lang="ko-KR" altLang="en-US" dirty="0" smtClean="0"/>
+              <a:rPr lang="ko-KR" altLang="en-US" dirty="0"/>
               <a:t>익히기 </a:t>
             </a:r>
             <a:r>
-              <a:rPr lang="en-US" altLang="ko-KR" dirty="0" smtClean="0"/>
+              <a:rPr lang="en-US" altLang="ko-KR" dirty="0"/>
               <a:t>+ </a:t>
             </a:r>
             <a:r>
-              <a:rPr lang="ko-KR" altLang="en-US" dirty="0" smtClean="0"/>
+              <a:rPr lang="ko-KR" altLang="en-US" dirty="0"/>
               <a:t>연동</a:t>
             </a:r>
-            <a:endParaRPr lang="en-US" altLang="ko-KR" dirty="0" smtClean="0"/>
-          </a:p>
-          <a:p>
-            <a:r>
-              <a:rPr lang="ko-KR" altLang="en-US" dirty="0" smtClean="0"/>
+            <a:endParaRPr lang="en-US" altLang="ko-KR" dirty="0"/>
+          </a:p>
+          <a:p>
+            <a:r>
+              <a:rPr lang="ko-KR" altLang="en-US" dirty="0"/>
               <a:t>게시판 및 </a:t>
             </a:r>
             <a:r>
-              <a:rPr lang="ko-KR" altLang="en-US" dirty="0" err="1" smtClean="0"/>
+              <a:rPr lang="ko-KR" altLang="en-US" dirty="0" err="1"/>
               <a:t>백엔드</a:t>
             </a:r>
             <a:r>
-              <a:rPr lang="ko-KR" altLang="en-US" dirty="0" smtClean="0"/>
+              <a:rPr lang="ko-KR" altLang="en-US" dirty="0"/>
               <a:t> 개념 익히기</a:t>
             </a:r>
-            <a:endParaRPr lang="en-US" altLang="ko-KR" dirty="0" smtClean="0"/>
-          </a:p>
-          <a:p>
-            <a:r>
-              <a:rPr lang="ko-KR" altLang="en-US" dirty="0" err="1" smtClean="0"/>
+            <a:endParaRPr lang="en-US" altLang="ko-KR" dirty="0"/>
+          </a:p>
+          <a:p>
+            <a:r>
+              <a:rPr lang="ko-KR" altLang="en-US" dirty="0" err="1"/>
               <a:t>트렌잭션</a:t>
             </a:r>
             <a:r>
-              <a:rPr lang="ko-KR" altLang="en-US" dirty="0" smtClean="0"/>
+              <a:rPr lang="ko-KR" altLang="en-US" dirty="0"/>
               <a:t> 제어 및 </a:t>
             </a:r>
             <a:r>
-              <a:rPr lang="en-US" altLang="ko-KR" dirty="0" smtClean="0"/>
+              <a:rPr lang="en-US" altLang="ko-KR" dirty="0"/>
               <a:t>SSO</a:t>
             </a:r>
             <a:r>
-              <a:rPr lang="ko-KR" altLang="en-US" dirty="0" smtClean="0"/>
+              <a:rPr lang="ko-KR" altLang="en-US" dirty="0"/>
               <a:t>기능 익히기</a:t>
             </a:r>
-            <a:endParaRPr lang="en-US" altLang="ko-KR" dirty="0" smtClean="0"/>
-          </a:p>
-          <a:p>
-            <a:r>
-              <a:rPr lang="ko-KR" altLang="en-US" dirty="0" smtClean="0"/>
+            <a:endParaRPr lang="en-US" altLang="ko-KR" dirty="0"/>
+          </a:p>
+          <a:p>
+            <a:r>
+              <a:rPr lang="ko-KR" altLang="en-US" dirty="0"/>
               <a:t>보안기능 익히기</a:t>
             </a:r>
-            <a:r>
-              <a:rPr lang="en-US" altLang="ko-KR" dirty="0" smtClean="0"/>
-              <a:t/>
-            </a:r>
             <a:br>
-              <a:rPr lang="en-US" altLang="ko-KR" dirty="0" smtClean="0"/>
+              <a:rPr lang="en-US" altLang="ko-KR" dirty="0"/>
             </a:br>
             <a:endParaRPr lang="ko-KR" altLang="en-US" dirty="0"/>
           </a:p>
@@ -7803,13 +7717,6 @@
   <p:clrMapOvr>
     <a:masterClrMapping/>
   </p:clrMapOvr>
-  <p:timing>
-    <p:tnLst>
-      <p:par>
-        <p:cTn id="1" dur="indefinite" restart="never" nodeType="tmRoot"/>
-      </p:par>
-    </p:tnLst>
-  </p:timing>
 </p:sld>
 </file>
 
@@ -7846,10 +7753,9 @@
           <a:lstStyle/>
           <a:p>
             <a:r>
-              <a:rPr lang="ko-KR" altLang="en-US" dirty="0" smtClean="0"/>
+              <a:rPr lang="ko-KR" altLang="en-US" dirty="0"/>
               <a:t>프로젝트 소개</a:t>
             </a:r>
-            <a:endParaRPr lang="ko-KR" altLang="en-US" dirty="0"/>
           </a:p>
         </p:txBody>
       </p:sp>
@@ -7869,45 +7775,61 @@
           <a:lstStyle/>
           <a:p>
             <a:r>
-              <a:rPr lang="ko-KR" altLang="en-US" dirty="0" smtClean="0"/>
+              <a:rPr lang="ko-KR" altLang="en-US" dirty="0"/>
               <a:t>분야 </a:t>
             </a:r>
             <a:r>
-              <a:rPr lang="en-US" altLang="ko-KR" dirty="0" smtClean="0"/>
+              <a:rPr lang="en-US" altLang="ko-KR" dirty="0"/>
               <a:t>: </a:t>
             </a:r>
             <a:r>
-              <a:rPr lang="ko-KR" altLang="en-US" dirty="0" smtClean="0"/>
-              <a:t>게임</a:t>
+              <a:rPr lang="ko-KR" altLang="en-US" dirty="0"/>
+              <a:t>위치정보저장게시판</a:t>
             </a:r>
             <a:endParaRPr lang="en-US" altLang="ko-KR" dirty="0"/>
           </a:p>
           <a:p>
             <a:r>
-              <a:rPr lang="ko-KR" altLang="en-US" dirty="0" smtClean="0"/>
+              <a:rPr lang="ko-KR" altLang="en-US" dirty="0"/>
               <a:t>기능 </a:t>
             </a:r>
             <a:r>
-              <a:rPr lang="en-US" altLang="ko-KR" dirty="0" smtClean="0"/>
+              <a:rPr lang="en-US" altLang="ko-KR" dirty="0"/>
               <a:t>: </a:t>
             </a:r>
             <a:r>
-              <a:rPr lang="ko-KR" altLang="en-US" dirty="0" smtClean="0"/>
+              <a:rPr lang="ko-KR" altLang="en-US" dirty="0"/>
               <a:t>일정 소개</a:t>
             </a:r>
             <a:r>
-              <a:rPr lang="en-US" altLang="ko-KR" dirty="0" smtClean="0"/>
+              <a:rPr lang="en-US" altLang="ko-KR" dirty="0"/>
               <a:t>, </a:t>
             </a:r>
             <a:r>
-              <a:rPr lang="ko-KR" altLang="en-US" dirty="0" smtClean="0"/>
+              <a:rPr lang="ko-KR" altLang="en-US" dirty="0"/>
               <a:t>게시판</a:t>
             </a:r>
-            <a:endParaRPr lang="en-US" altLang="ko-KR" dirty="0" smtClean="0"/>
-          </a:p>
-          <a:p>
-            <a:r>
-              <a:rPr lang="ko-KR" altLang="en-US" dirty="0" err="1" smtClean="0"/>
+            <a:r>
+              <a:rPr lang="en-US" altLang="ko-KR" dirty="0"/>
+              <a:t>(</a:t>
+            </a:r>
+            <a:r>
+              <a:rPr lang="ko-KR" altLang="en-US" dirty="0"/>
+              <a:t>사진</a:t>
+            </a:r>
+            <a:r>
+              <a:rPr lang="en-US" altLang="ko-KR" dirty="0"/>
+              <a:t>), </a:t>
+            </a:r>
+            <a:r>
+              <a:rPr lang="ko-KR" altLang="en-US" dirty="0"/>
+              <a:t>메모저장 및 표시</a:t>
+            </a:r>
+            <a:endParaRPr lang="en-US" altLang="ko-KR" dirty="0"/>
+          </a:p>
+          <a:p>
+            <a:r>
+              <a:rPr lang="ko-KR" altLang="en-US" dirty="0" err="1"/>
               <a:t>세부기능</a:t>
             </a:r>
             <a:endParaRPr lang="en-US" altLang="ko-KR" dirty="0"/>
@@ -7915,42 +7837,66 @@
           <a:p>
             <a:pPr lvl="1"/>
             <a:r>
-              <a:rPr lang="ko-KR" altLang="en-US" dirty="0" smtClean="0"/>
+              <a:rPr lang="ko-KR" altLang="en-US" dirty="0"/>
               <a:t>로그인 </a:t>
             </a:r>
             <a:r>
-              <a:rPr lang="en-US" altLang="ko-KR" dirty="0" smtClean="0"/>
-              <a:t>&amp; Security </a:t>
-            </a:r>
-            <a:r>
-              <a:rPr lang="ko-KR" altLang="en-US" dirty="0" smtClean="0"/>
+              <a:rPr lang="en-US" altLang="ko-KR" dirty="0"/>
+              <a:t>&amp; Spring Security </a:t>
+            </a:r>
+            <a:r>
+              <a:rPr lang="ko-KR" altLang="en-US" dirty="0"/>
               <a:t>적용</a:t>
             </a:r>
-            <a:endParaRPr lang="en-US" altLang="ko-KR" dirty="0" smtClean="0"/>
+            <a:endParaRPr lang="en-US" altLang="ko-KR" dirty="0"/>
           </a:p>
           <a:p>
             <a:pPr lvl="1"/>
             <a:r>
-              <a:rPr lang="ko-KR" altLang="en-US" dirty="0" smtClean="0"/>
+              <a:rPr lang="ko-KR" altLang="en-US" dirty="0"/>
               <a:t>달력</a:t>
             </a:r>
-            <a:endParaRPr lang="en-US" altLang="ko-KR" dirty="0" smtClean="0"/>
+            <a:endParaRPr lang="en-US" altLang="ko-KR" dirty="0"/>
           </a:p>
           <a:p>
             <a:pPr lvl="1"/>
             <a:r>
-              <a:rPr lang="ko-KR" altLang="en-US" dirty="0" smtClean="0"/>
-              <a:t>사용자 별 게시판 조작</a:t>
-            </a:r>
-            <a:r>
-              <a:rPr lang="en-US" altLang="ko-KR" dirty="0" smtClean="0"/>
+              <a:rPr lang="ko-KR" altLang="en-US" dirty="0"/>
+              <a:t>사용자 </a:t>
+            </a:r>
+            <a:r>
+              <a:rPr lang="en-US" altLang="ko-KR" dirty="0"/>
+              <a:t>IP</a:t>
+            </a:r>
+            <a:r>
+              <a:rPr lang="ko-KR" altLang="en-US" dirty="0"/>
+              <a:t>위치기반 </a:t>
+            </a:r>
+            <a:r>
+              <a:rPr lang="ko-KR" altLang="en-US" dirty="0" err="1"/>
+              <a:t>게시글작성</a:t>
+            </a:r>
+            <a:r>
+              <a:rPr lang="ko-KR" altLang="en-US" dirty="0"/>
+              <a:t> 및 조작</a:t>
+            </a:r>
+            <a:r>
+              <a:rPr lang="en-US" altLang="ko-KR" dirty="0"/>
               <a:t>, </a:t>
             </a:r>
             <a:r>
-              <a:rPr lang="ko-KR" altLang="en-US" dirty="0" smtClean="0"/>
+              <a:rPr lang="ko-KR" altLang="en-US" dirty="0"/>
               <a:t>뷰 적용</a:t>
             </a:r>
-            <a:endParaRPr lang="en-US" altLang="ko-KR" dirty="0" smtClean="0"/>
+            <a:endParaRPr lang="en-US" altLang="ko-KR" dirty="0"/>
+          </a:p>
+          <a:p>
+            <a:pPr lvl="1"/>
+            <a:r>
+              <a:rPr lang="ko-KR" altLang="en-US"/>
+              <a:t>위치기반 메모 및 공유기능</a:t>
+            </a:r>
+            <a:endParaRPr lang="en-US" altLang="ko-KR" dirty="0"/>
           </a:p>
         </p:txBody>
       </p:sp>
@@ -7964,13 +7910,6 @@
   <p:clrMapOvr>
     <a:masterClrMapping/>
   </p:clrMapOvr>
-  <p:timing>
-    <p:tnLst>
-      <p:par>
-        <p:cTn id="1" dur="indefinite" restart="never" nodeType="tmRoot"/>
-      </p:par>
-    </p:tnLst>
-  </p:timing>
 </p:sld>
 </file>
 
@@ -8009,10 +7948,9 @@
           <a:lstStyle/>
           <a:p>
             <a:r>
-              <a:rPr lang="ko-KR" altLang="en-US" dirty="0" smtClean="0"/>
+              <a:rPr lang="ko-KR" altLang="en-US" dirty="0"/>
               <a:t>참고 사이트</a:t>
             </a:r>
-            <a:endParaRPr lang="ko-KR" altLang="en-US" dirty="0"/>
           </a:p>
         </p:txBody>
       </p:sp>
@@ -8035,46 +7973,33 @@
               <a:rPr lang="en-US" altLang="ko-KR" dirty="0">
                 <a:hlinkClick r:id="rId2"/>
               </a:rPr>
-              <a:t>https://nikke-kr.com</a:t>
-            </a:r>
-            <a:r>
-              <a:rPr lang="en-US" altLang="ko-KR" dirty="0" smtClean="0">
-                <a:hlinkClick r:id="rId2"/>
-              </a:rPr>
-              <a:t>/</a:t>
-            </a:r>
-            <a:r>
-              <a:rPr lang="en-US" altLang="ko-KR" dirty="0" smtClean="0"/>
+              <a:t>https://nikke-kr.com/</a:t>
+            </a:r>
+            <a:r>
+              <a:rPr lang="en-US" altLang="ko-KR" dirty="0"/>
               <a:t>  </a:t>
             </a:r>
             <a:r>
-              <a:rPr lang="ko-KR" altLang="en-US" dirty="0" err="1" smtClean="0"/>
+              <a:rPr lang="ko-KR" altLang="en-US" dirty="0" err="1"/>
               <a:t>니케</a:t>
             </a:r>
-            <a:endParaRPr lang="en-US" altLang="ko-KR" dirty="0" smtClean="0"/>
+            <a:endParaRPr lang="en-US" altLang="ko-KR" dirty="0"/>
           </a:p>
           <a:p>
             <a:r>
               <a:rPr lang="en-US" altLang="ko-KR" dirty="0">
                 <a:hlinkClick r:id="rId3"/>
               </a:rPr>
-              <a:t>https://</a:t>
-            </a:r>
-            <a:r>
-              <a:rPr lang="en-US" altLang="ko-KR" dirty="0" smtClean="0">
-                <a:hlinkClick r:id="rId3"/>
-              </a:rPr>
-              <a:t>forum.nexon.com/bluearchive/main</a:t>
-            </a:r>
-            <a:r>
-              <a:rPr lang="en-US" altLang="ko-KR" dirty="0" smtClean="0"/>
+              <a:t>https://forum.nexon.com/bluearchive/main</a:t>
+            </a:r>
+            <a:r>
+              <a:rPr lang="en-US" altLang="ko-KR" dirty="0"/>
               <a:t> </a:t>
             </a:r>
             <a:r>
-              <a:rPr lang="ko-KR" altLang="en-US" dirty="0" smtClean="0"/>
+              <a:rPr lang="ko-KR" altLang="en-US" dirty="0"/>
               <a:t>블루아카이브</a:t>
             </a:r>
-            <a:endParaRPr lang="ko-KR" altLang="en-US" dirty="0"/>
           </a:p>
         </p:txBody>
       </p:sp>
@@ -8088,13 +8013,6 @@
   <p:clrMapOvr>
     <a:masterClrMapping/>
   </p:clrMapOvr>
-  <p:timing>
-    <p:tnLst>
-      <p:par>
-        <p:cTn id="1" dur="indefinite" restart="never" nodeType="tmRoot"/>
-      </p:par>
-    </p:tnLst>
-  </p:timing>
 </p:sld>
 </file>
 
@@ -8131,11 +8049,11 @@
           <a:lstStyle/>
           <a:p>
             <a:r>
-              <a:rPr lang="ko-KR" altLang="en-US" dirty="0" smtClean="0"/>
+              <a:rPr lang="ko-KR" altLang="en-US" dirty="0"/>
               <a:t>홈페이지 </a:t>
             </a:r>
             <a:r>
-              <a:rPr lang="en-US" altLang="ko-KR" dirty="0" smtClean="0"/>
+              <a:rPr lang="en-US" altLang="ko-KR" dirty="0"/>
               <a:t>URL</a:t>
             </a:r>
             <a:endParaRPr lang="ko-KR" altLang="en-US" dirty="0"/>
@@ -8158,25 +8076,25 @@
           <a:lstStyle/>
           <a:p>
             <a:r>
-              <a:rPr lang="ko-KR" altLang="en-US" dirty="0" smtClean="0"/>
+              <a:rPr lang="ko-KR" altLang="en-US" dirty="0"/>
               <a:t>테스트 포트번호 </a:t>
             </a:r>
             <a:r>
-              <a:rPr lang="en-US" altLang="ko-KR" dirty="0" smtClean="0"/>
+              <a:rPr lang="en-US" altLang="ko-KR" dirty="0"/>
               <a:t>: 5500</a:t>
             </a:r>
           </a:p>
           <a:p>
             <a:r>
-              <a:rPr lang="ko-KR" altLang="en-US" dirty="0" smtClean="0"/>
+              <a:rPr lang="ko-KR" altLang="en-US" dirty="0"/>
               <a:t>패키지 </a:t>
             </a:r>
             <a:r>
-              <a:rPr lang="en-US" altLang="ko-KR" dirty="0" smtClean="0"/>
+              <a:rPr lang="en-US" altLang="ko-KR" dirty="0"/>
               <a:t>ROOT </a:t>
             </a:r>
             <a:r>
-              <a:rPr lang="ko-KR" altLang="en-US" dirty="0" smtClean="0"/>
+              <a:rPr lang="ko-KR" altLang="en-US" dirty="0"/>
               <a:t>계층 </a:t>
             </a:r>
             <a:endParaRPr lang="en-US" altLang="ko-KR" dirty="0"/>
@@ -8218,13 +8136,6 @@
   <p:clrMapOvr>
     <a:masterClrMapping/>
   </p:clrMapOvr>
-  <p:timing>
-    <p:tnLst>
-      <p:par>
-        <p:cTn id="1" dur="indefinite" restart="never" nodeType="tmRoot"/>
-      </p:par>
-    </p:tnLst>
-  </p:timing>
 </p:sld>
 </file>
 

--- a/홈페이지를 만들어보자.pptx
+++ b/홈페이지를 만들어보자.pptx
@@ -10,6 +10,9 @@
     <p:sldId id="258" r:id="rId4"/>
     <p:sldId id="259" r:id="rId5"/>
     <p:sldId id="260" r:id="rId6"/>
+    <p:sldId id="261" r:id="rId7"/>
+    <p:sldId id="263" r:id="rId8"/>
+    <p:sldId id="264" r:id="rId9"/>
   </p:sldIdLst>
   <p:sldSz cx="12192000" cy="6858000"/>
   <p:notesSz cx="6858000" cy="9144000"/>
@@ -118,6 +121,9 @@
             <p14:sldId id="258"/>
             <p14:sldId id="259"/>
             <p14:sldId id="260"/>
+            <p14:sldId id="261"/>
+            <p14:sldId id="263"/>
+            <p14:sldId id="264"/>
           </p14:sldIdLst>
         </p14:section>
       </p14:sectionLst>
@@ -1102,6 +1108,14 @@
         </dgm:presLayoutVars>
       </dgm:prSet>
       <dgm:spPr/>
+      <dgm:t>
+        <a:bodyPr/>
+        <a:lstStyle/>
+        <a:p>
+          <a:pPr latinLnBrk="1"/>
+          <a:endParaRPr lang="ko-KR" altLang="en-US"/>
+        </a:p>
+      </dgm:t>
     </dgm:pt>
     <dgm:pt modelId="{3B0D8D73-4557-49E3-BE3D-0DF2216E6D90}" type="pres">
       <dgm:prSet presAssocID="{26C51E81-3C59-4C93-B2B5-8C7140D36207}" presName="root" presStyleCnt="0"/>
@@ -1114,10 +1128,26 @@
     <dgm:pt modelId="{D807363C-D193-4BF3-8CE9-A3C3E8B876D6}" type="pres">
       <dgm:prSet presAssocID="{26C51E81-3C59-4C93-B2B5-8C7140D36207}" presName="rootText" presStyleLbl="node1" presStyleIdx="0" presStyleCnt="1"/>
       <dgm:spPr/>
+      <dgm:t>
+        <a:bodyPr/>
+        <a:lstStyle/>
+        <a:p>
+          <a:pPr latinLnBrk="1"/>
+          <a:endParaRPr lang="ko-KR" altLang="en-US"/>
+        </a:p>
+      </dgm:t>
     </dgm:pt>
     <dgm:pt modelId="{9E380A39-F9A8-48FA-8E7F-67CA71DC6996}" type="pres">
       <dgm:prSet presAssocID="{26C51E81-3C59-4C93-B2B5-8C7140D36207}" presName="rootConnector" presStyleLbl="node1" presStyleIdx="0" presStyleCnt="1"/>
       <dgm:spPr/>
+      <dgm:t>
+        <a:bodyPr/>
+        <a:lstStyle/>
+        <a:p>
+          <a:pPr latinLnBrk="1"/>
+          <a:endParaRPr lang="ko-KR" altLang="en-US"/>
+        </a:p>
+      </dgm:t>
     </dgm:pt>
     <dgm:pt modelId="{5BAF37E5-B7AD-4D47-9DC2-BF207F3F01C5}" type="pres">
       <dgm:prSet presAssocID="{26C51E81-3C59-4C93-B2B5-8C7140D36207}" presName="childShape" presStyleCnt="0"/>
@@ -1126,6 +1156,14 @@
     <dgm:pt modelId="{1612D043-CA22-4F62-BC24-044D24D75C7D}" type="pres">
       <dgm:prSet presAssocID="{18D0C1C1-E032-4E47-B022-2A7B3F0F9E1E}" presName="Name13" presStyleLbl="parChTrans1D2" presStyleIdx="0" presStyleCnt="2"/>
       <dgm:spPr/>
+      <dgm:t>
+        <a:bodyPr/>
+        <a:lstStyle/>
+        <a:p>
+          <a:pPr latinLnBrk="1"/>
+          <a:endParaRPr lang="ko-KR" altLang="en-US"/>
+        </a:p>
+      </dgm:t>
     </dgm:pt>
     <dgm:pt modelId="{43F0D6FF-E254-4B85-A272-9C96C0EF603D}" type="pres">
       <dgm:prSet presAssocID="{D6B39920-7C4C-47E5-8D09-49517F58CA43}" presName="childText" presStyleLbl="bgAcc1" presStyleIdx="0" presStyleCnt="2">
@@ -1134,10 +1172,26 @@
         </dgm:presLayoutVars>
       </dgm:prSet>
       <dgm:spPr/>
+      <dgm:t>
+        <a:bodyPr/>
+        <a:lstStyle/>
+        <a:p>
+          <a:pPr latinLnBrk="1"/>
+          <a:endParaRPr lang="ko-KR" altLang="en-US"/>
+        </a:p>
+      </dgm:t>
     </dgm:pt>
     <dgm:pt modelId="{FAF10C6D-8979-492D-961C-8A6D3FE77800}" type="pres">
       <dgm:prSet presAssocID="{73621A8A-6844-4E28-B8B0-7E827F1E9EC4}" presName="Name13" presStyleLbl="parChTrans1D2" presStyleIdx="1" presStyleCnt="2"/>
       <dgm:spPr/>
+      <dgm:t>
+        <a:bodyPr/>
+        <a:lstStyle/>
+        <a:p>
+          <a:pPr latinLnBrk="1"/>
+          <a:endParaRPr lang="ko-KR" altLang="en-US"/>
+        </a:p>
+      </dgm:t>
     </dgm:pt>
     <dgm:pt modelId="{0E2504B1-2C70-414E-A677-1546D08BE142}" type="pres">
       <dgm:prSet presAssocID="{20591E0D-8299-40F4-9C39-FDCD3D4A670A}" presName="childText" presStyleLbl="bgAcc1" presStyleIdx="1" presStyleCnt="2">
@@ -1146,23 +1200,31 @@
         </dgm:presLayoutVars>
       </dgm:prSet>
       <dgm:spPr/>
+      <dgm:t>
+        <a:bodyPr/>
+        <a:lstStyle/>
+        <a:p>
+          <a:pPr latinLnBrk="1"/>
+          <a:endParaRPr lang="ko-KR" altLang="en-US"/>
+        </a:p>
+      </dgm:t>
     </dgm:pt>
   </dgm:ptLst>
   <dgm:cxnLst>
+    <dgm:cxn modelId="{12FD0380-3670-4F2F-85F8-DA275163EC11}" srcId="{26C51E81-3C59-4C93-B2B5-8C7140D36207}" destId="{D6B39920-7C4C-47E5-8D09-49517F58CA43}" srcOrd="0" destOrd="0" parTransId="{18D0C1C1-E032-4E47-B022-2A7B3F0F9E1E}" sibTransId="{77CD7A4A-6503-400A-8738-6E94C6B17655}"/>
+    <dgm:cxn modelId="{05BA32D9-8432-49D4-A96F-CEBAC318805C}" type="presOf" srcId="{FB01C86F-6492-4A64-93B6-83E02F34B955}" destId="{D7FF4A1D-2AF8-45C4-83FC-0649F3F4C5F2}" srcOrd="0" destOrd="0" presId="urn:microsoft.com/office/officeart/2005/8/layout/hierarchy3"/>
+    <dgm:cxn modelId="{3A6E1BD4-1D93-472A-A28F-CDCBE2451FB2}" type="presOf" srcId="{18D0C1C1-E032-4E47-B022-2A7B3F0F9E1E}" destId="{1612D043-CA22-4F62-BC24-044D24D75C7D}" srcOrd="0" destOrd="0" presId="urn:microsoft.com/office/officeart/2005/8/layout/hierarchy3"/>
+    <dgm:cxn modelId="{813723C8-068B-48B3-B8FB-103904E50102}" type="presOf" srcId="{379B4E6D-D854-4A0A-9F4F-AD3D7B1FEFB2}" destId="{43F0D6FF-E254-4B85-A272-9C96C0EF603D}" srcOrd="0" destOrd="1" presId="urn:microsoft.com/office/officeart/2005/8/layout/hierarchy3"/>
+    <dgm:cxn modelId="{C1EF2F2B-6859-4527-835C-6F752635BF72}" srcId="{FB01C86F-6492-4A64-93B6-83E02F34B955}" destId="{26C51E81-3C59-4C93-B2B5-8C7140D36207}" srcOrd="0" destOrd="0" parTransId="{BB4065B5-8DC8-4E4D-9BF2-01C1D4350B43}" sibTransId="{AAD29430-EDEA-496A-878B-B5637AD1B982}"/>
+    <dgm:cxn modelId="{80B9F4B1-5B5A-4DD5-8EDB-FAF825E90EE9}" type="presOf" srcId="{73621A8A-6844-4E28-B8B0-7E827F1E9EC4}" destId="{FAF10C6D-8979-492D-961C-8A6D3FE77800}" srcOrd="0" destOrd="0" presId="urn:microsoft.com/office/officeart/2005/8/layout/hierarchy3"/>
+    <dgm:cxn modelId="{0CB55749-7A3F-4A20-ACAB-7446746F00C8}" type="presOf" srcId="{26C51E81-3C59-4C93-B2B5-8C7140D36207}" destId="{9E380A39-F9A8-48FA-8E7F-67CA71DC6996}" srcOrd="1" destOrd="0" presId="urn:microsoft.com/office/officeart/2005/8/layout/hierarchy3"/>
+    <dgm:cxn modelId="{B8F4D825-36D5-4F2C-B86A-2F1CD087F4D1}" type="presOf" srcId="{26C51E81-3C59-4C93-B2B5-8C7140D36207}" destId="{D807363C-D193-4BF3-8CE9-A3C3E8B876D6}" srcOrd="0" destOrd="0" presId="urn:microsoft.com/office/officeart/2005/8/layout/hierarchy3"/>
+    <dgm:cxn modelId="{1EE9E0F2-4450-4BD5-BDDC-A22B663444CB}" type="presOf" srcId="{D6B39920-7C4C-47E5-8D09-49517F58CA43}" destId="{43F0D6FF-E254-4B85-A272-9C96C0EF603D}" srcOrd="0" destOrd="0" presId="urn:microsoft.com/office/officeart/2005/8/layout/hierarchy3"/>
+    <dgm:cxn modelId="{011EB358-0CF1-4DD1-8CFA-64CE3E8529A9}" type="presOf" srcId="{20591E0D-8299-40F4-9C39-FDCD3D4A670A}" destId="{0E2504B1-2C70-414E-A677-1546D08BE142}" srcOrd="0" destOrd="0" presId="urn:microsoft.com/office/officeart/2005/8/layout/hierarchy3"/>
+    <dgm:cxn modelId="{88351E61-6EB9-4E90-9F85-6068C2C6AEB3}" srcId="{D6B39920-7C4C-47E5-8D09-49517F58CA43}" destId="{379B4E6D-D854-4A0A-9F4F-AD3D7B1FEFB2}" srcOrd="0" destOrd="0" parTransId="{7F8BA15F-FAFD-4B03-BB42-9FD2C61D79A0}" sibTransId="{6DA13ACE-4F07-4AEE-87A8-26E5F0211A20}"/>
+    <dgm:cxn modelId="{A96D7E4B-396A-433F-9A04-9792FB1B58CB}" srcId="{26C51E81-3C59-4C93-B2B5-8C7140D36207}" destId="{20591E0D-8299-40F4-9C39-FDCD3D4A670A}" srcOrd="1" destOrd="0" parTransId="{73621A8A-6844-4E28-B8B0-7E827F1E9EC4}" sibTransId="{AA07EA14-21CC-4AB2-8666-9ABE12CEFB9E}"/>
+    <dgm:cxn modelId="{B9685292-F7FB-4A5A-AA23-8BB515D8EC3F}" type="presOf" srcId="{F2F595DA-0CB8-4832-AB5C-25AE276679B5}" destId="{0E2504B1-2C70-414E-A677-1546D08BE142}" srcOrd="0" destOrd="1" presId="urn:microsoft.com/office/officeart/2005/8/layout/hierarchy3"/>
     <dgm:cxn modelId="{9D0B361B-A8B5-4917-8E4A-3D4EE704FCD4}" srcId="{20591E0D-8299-40F4-9C39-FDCD3D4A670A}" destId="{F2F595DA-0CB8-4832-AB5C-25AE276679B5}" srcOrd="0" destOrd="0" parTransId="{A0AFE9A6-D331-4B37-8E82-8031E3433E3B}" sibTransId="{524A2FB4-8741-4624-8315-ECDBAF42D40D}"/>
-    <dgm:cxn modelId="{B8F4D825-36D5-4F2C-B86A-2F1CD087F4D1}" type="presOf" srcId="{26C51E81-3C59-4C93-B2B5-8C7140D36207}" destId="{D807363C-D193-4BF3-8CE9-A3C3E8B876D6}" srcOrd="0" destOrd="0" presId="urn:microsoft.com/office/officeart/2005/8/layout/hierarchy3"/>
-    <dgm:cxn modelId="{C1EF2F2B-6859-4527-835C-6F752635BF72}" srcId="{FB01C86F-6492-4A64-93B6-83E02F34B955}" destId="{26C51E81-3C59-4C93-B2B5-8C7140D36207}" srcOrd="0" destOrd="0" parTransId="{BB4065B5-8DC8-4E4D-9BF2-01C1D4350B43}" sibTransId="{AAD29430-EDEA-496A-878B-B5637AD1B982}"/>
-    <dgm:cxn modelId="{88351E61-6EB9-4E90-9F85-6068C2C6AEB3}" srcId="{D6B39920-7C4C-47E5-8D09-49517F58CA43}" destId="{379B4E6D-D854-4A0A-9F4F-AD3D7B1FEFB2}" srcOrd="0" destOrd="0" parTransId="{7F8BA15F-FAFD-4B03-BB42-9FD2C61D79A0}" sibTransId="{6DA13ACE-4F07-4AEE-87A8-26E5F0211A20}"/>
-    <dgm:cxn modelId="{0CB55749-7A3F-4A20-ACAB-7446746F00C8}" type="presOf" srcId="{26C51E81-3C59-4C93-B2B5-8C7140D36207}" destId="{9E380A39-F9A8-48FA-8E7F-67CA71DC6996}" srcOrd="1" destOrd="0" presId="urn:microsoft.com/office/officeart/2005/8/layout/hierarchy3"/>
-    <dgm:cxn modelId="{A96D7E4B-396A-433F-9A04-9792FB1B58CB}" srcId="{26C51E81-3C59-4C93-B2B5-8C7140D36207}" destId="{20591E0D-8299-40F4-9C39-FDCD3D4A670A}" srcOrd="1" destOrd="0" parTransId="{73621A8A-6844-4E28-B8B0-7E827F1E9EC4}" sibTransId="{AA07EA14-21CC-4AB2-8666-9ABE12CEFB9E}"/>
-    <dgm:cxn modelId="{011EB358-0CF1-4DD1-8CFA-64CE3E8529A9}" type="presOf" srcId="{20591E0D-8299-40F4-9C39-FDCD3D4A670A}" destId="{0E2504B1-2C70-414E-A677-1546D08BE142}" srcOrd="0" destOrd="0" presId="urn:microsoft.com/office/officeart/2005/8/layout/hierarchy3"/>
-    <dgm:cxn modelId="{12FD0380-3670-4F2F-85F8-DA275163EC11}" srcId="{26C51E81-3C59-4C93-B2B5-8C7140D36207}" destId="{D6B39920-7C4C-47E5-8D09-49517F58CA43}" srcOrd="0" destOrd="0" parTransId="{18D0C1C1-E032-4E47-B022-2A7B3F0F9E1E}" sibTransId="{77CD7A4A-6503-400A-8738-6E94C6B17655}"/>
-    <dgm:cxn modelId="{B9685292-F7FB-4A5A-AA23-8BB515D8EC3F}" type="presOf" srcId="{F2F595DA-0CB8-4832-AB5C-25AE276679B5}" destId="{0E2504B1-2C70-414E-A677-1546D08BE142}" srcOrd="0" destOrd="1" presId="urn:microsoft.com/office/officeart/2005/8/layout/hierarchy3"/>
-    <dgm:cxn modelId="{80B9F4B1-5B5A-4DD5-8EDB-FAF825E90EE9}" type="presOf" srcId="{73621A8A-6844-4E28-B8B0-7E827F1E9EC4}" destId="{FAF10C6D-8979-492D-961C-8A6D3FE77800}" srcOrd="0" destOrd="0" presId="urn:microsoft.com/office/officeart/2005/8/layout/hierarchy3"/>
-    <dgm:cxn modelId="{813723C8-068B-48B3-B8FB-103904E50102}" type="presOf" srcId="{379B4E6D-D854-4A0A-9F4F-AD3D7B1FEFB2}" destId="{43F0D6FF-E254-4B85-A272-9C96C0EF603D}" srcOrd="0" destOrd="1" presId="urn:microsoft.com/office/officeart/2005/8/layout/hierarchy3"/>
-    <dgm:cxn modelId="{3A6E1BD4-1D93-472A-A28F-CDCBE2451FB2}" type="presOf" srcId="{18D0C1C1-E032-4E47-B022-2A7B3F0F9E1E}" destId="{1612D043-CA22-4F62-BC24-044D24D75C7D}" srcOrd="0" destOrd="0" presId="urn:microsoft.com/office/officeart/2005/8/layout/hierarchy3"/>
-    <dgm:cxn modelId="{05BA32D9-8432-49D4-A96F-CEBAC318805C}" type="presOf" srcId="{FB01C86F-6492-4A64-93B6-83E02F34B955}" destId="{D7FF4A1D-2AF8-45C4-83FC-0649F3F4C5F2}" srcOrd="0" destOrd="0" presId="urn:microsoft.com/office/officeart/2005/8/layout/hierarchy3"/>
-    <dgm:cxn modelId="{1EE9E0F2-4450-4BD5-BDDC-A22B663444CB}" type="presOf" srcId="{D6B39920-7C4C-47E5-8D09-49517F58CA43}" destId="{43F0D6FF-E254-4B85-A272-9C96C0EF603D}" srcOrd="0" destOrd="0" presId="urn:microsoft.com/office/officeart/2005/8/layout/hierarchy3"/>
     <dgm:cxn modelId="{B1DA4389-2781-482F-B457-86DE979611FE}" type="presParOf" srcId="{D7FF4A1D-2AF8-45C4-83FC-0649F3F4C5F2}" destId="{3B0D8D73-4557-49E3-BE3D-0DF2216E6D90}" srcOrd="0" destOrd="0" presId="urn:microsoft.com/office/officeart/2005/8/layout/hierarchy3"/>
     <dgm:cxn modelId="{97BF97D6-B91F-40B8-A2D4-E371F54E5D94}" type="presParOf" srcId="{3B0D8D73-4557-49E3-BE3D-0DF2216E6D90}" destId="{ED5C28C0-8762-4F50-8D53-BDC1AA490C60}" srcOrd="0" destOrd="0" presId="urn:microsoft.com/office/officeart/2005/8/layout/hierarchy3"/>
     <dgm:cxn modelId="{89131B43-5249-40FE-818D-4543F6DCCB3A}" type="presParOf" srcId="{ED5C28C0-8762-4F50-8D53-BDC1AA490C60}" destId="{D807363C-D193-4BF3-8CE9-A3C3E8B876D6}" srcOrd="0" destOrd="0" presId="urn:microsoft.com/office/officeart/2005/8/layout/hierarchy3"/>
@@ -1247,7 +1309,7 @@
         </a:bodyPr>
         <a:lstStyle/>
         <a:p>
-          <a:pPr marL="0" lvl="0" indent="0" algn="ctr" defTabSz="2889250" latinLnBrk="1">
+          <a:pPr lvl="0" algn="ctr" defTabSz="2889250" latinLnBrk="1">
             <a:lnSpc>
               <a:spcPct val="90000"/>
             </a:lnSpc>
@@ -1257,7 +1319,6 @@
             <a:spcAft>
               <a:spcPct val="35000"/>
             </a:spcAft>
-            <a:buNone/>
           </a:pPr>
           <a:r>
             <a:rPr lang="en-US" altLang="ko-KR" sz="6500" kern="1200" dirty="0"/>
@@ -1384,7 +1445,7 @@
         </a:bodyPr>
         <a:lstStyle/>
         <a:p>
-          <a:pPr marL="0" lvl="0" indent="0" algn="l" defTabSz="1689100" latinLnBrk="1">
+          <a:pPr lvl="0" algn="l" defTabSz="1689100" latinLnBrk="1">
             <a:lnSpc>
               <a:spcPct val="90000"/>
             </a:lnSpc>
@@ -1394,7 +1455,6 @@
             <a:spcAft>
               <a:spcPct val="35000"/>
             </a:spcAft>
-            <a:buNone/>
           </a:pPr>
           <a:r>
             <a:rPr lang="en-US" altLang="ko-KR" sz="3800" kern="1200" dirty="0"/>
@@ -1413,7 +1473,7 @@
             <a:spcAft>
               <a:spcPct val="15000"/>
             </a:spcAft>
-            <a:buChar char="•"/>
+            <a:buChar char="••"/>
           </a:pPr>
           <a:r>
             <a:rPr lang="en-US" altLang="ko-KR" sz="3000" kern="1200" dirty="0"/>
@@ -1540,7 +1600,7 @@
         </a:bodyPr>
         <a:lstStyle/>
         <a:p>
-          <a:pPr marL="0" lvl="0" indent="0" algn="l" defTabSz="1689100" latinLnBrk="1">
+          <a:pPr lvl="0" algn="l" defTabSz="1689100" latinLnBrk="1">
             <a:lnSpc>
               <a:spcPct val="90000"/>
             </a:lnSpc>
@@ -1550,7 +1610,6 @@
             <a:spcAft>
               <a:spcPct val="35000"/>
             </a:spcAft>
-            <a:buNone/>
           </a:pPr>
           <a:r>
             <a:rPr lang="en-US" altLang="ko-KR" sz="3800" kern="1200" dirty="0" err="1"/>
@@ -1569,7 +1628,7 @@
             <a:spcAft>
               <a:spcPct val="15000"/>
             </a:spcAft>
-            <a:buChar char="•"/>
+            <a:buChar char="••"/>
           </a:pPr>
           <a:r>
             <a:rPr lang="en-US" altLang="ko-KR" sz="3000" kern="1200" dirty="0"/>
@@ -3320,7 +3379,7 @@
           <a:p>
             <a:fld id="{5143E54F-8ACC-4DA1-BB0C-0330AB3541F0}" type="datetimeFigureOut">
               <a:rPr lang="ko-KR" altLang="en-US" smtClean="0"/>
-              <a:t>2023-08-07</a:t>
+              <a:t>2023-09-14</a:t>
             </a:fld>
             <a:endParaRPr lang="ko-KR" altLang="en-US"/>
           </a:p>
@@ -3495,7 +3554,7 @@
           <a:p>
             <a:fld id="{5143E54F-8ACC-4DA1-BB0C-0330AB3541F0}" type="datetimeFigureOut">
               <a:rPr lang="ko-KR" altLang="en-US" smtClean="0"/>
-              <a:t>2023-08-07</a:t>
+              <a:t>2023-09-14</a:t>
             </a:fld>
             <a:endParaRPr lang="ko-KR" altLang="en-US"/>
           </a:p>
@@ -3873,7 +3932,7 @@
           <a:p>
             <a:fld id="{5143E54F-8ACC-4DA1-BB0C-0330AB3541F0}" type="datetimeFigureOut">
               <a:rPr lang="ko-KR" altLang="en-US" smtClean="0"/>
-              <a:t>2023-08-07</a:t>
+              <a:t>2023-09-14</a:t>
             </a:fld>
             <a:endParaRPr lang="ko-KR" altLang="en-US"/>
           </a:p>
@@ -4043,7 +4102,7 @@
           <a:p>
             <a:fld id="{5143E54F-8ACC-4DA1-BB0C-0330AB3541F0}" type="datetimeFigureOut">
               <a:rPr lang="ko-KR" altLang="en-US" smtClean="0"/>
-              <a:t>2023-08-07</a:t>
+              <a:t>2023-09-14</a:t>
             </a:fld>
             <a:endParaRPr lang="ko-KR" altLang="en-US"/>
           </a:p>
@@ -4270,7 +4329,7 @@
           <a:p>
             <a:fld id="{5143E54F-8ACC-4DA1-BB0C-0330AB3541F0}" type="datetimeFigureOut">
               <a:rPr lang="ko-KR" altLang="en-US" smtClean="0"/>
-              <a:t>2023-08-07</a:t>
+              <a:t>2023-09-14</a:t>
             </a:fld>
             <a:endParaRPr lang="ko-KR" altLang="en-US"/>
           </a:p>
@@ -4801,7 +4860,7 @@
           <a:p>
             <a:fld id="{5143E54F-8ACC-4DA1-BB0C-0330AB3541F0}" type="datetimeFigureOut">
               <a:rPr lang="ko-KR" altLang="en-US" smtClean="0"/>
-              <a:t>2023-08-07</a:t>
+              <a:t>2023-09-14</a:t>
             </a:fld>
             <a:endParaRPr lang="ko-KR" altLang="en-US"/>
           </a:p>
@@ -5297,7 +5356,7 @@
           <a:p>
             <a:fld id="{5143E54F-8ACC-4DA1-BB0C-0330AB3541F0}" type="datetimeFigureOut">
               <a:rPr lang="ko-KR" altLang="en-US" smtClean="0"/>
-              <a:t>2023-08-07</a:t>
+              <a:t>2023-09-14</a:t>
             </a:fld>
             <a:endParaRPr lang="ko-KR" altLang="en-US"/>
           </a:p>
@@ -5630,7 +5689,7 @@
           <a:p>
             <a:fld id="{5143E54F-8ACC-4DA1-BB0C-0330AB3541F0}" type="datetimeFigureOut">
               <a:rPr lang="ko-KR" altLang="en-US" smtClean="0"/>
-              <a:t>2023-08-07</a:t>
+              <a:t>2023-09-14</a:t>
             </a:fld>
             <a:endParaRPr lang="ko-KR" altLang="en-US"/>
           </a:p>
@@ -6019,7 +6078,7 @@
           <a:p>
             <a:fld id="{5143E54F-8ACC-4DA1-BB0C-0330AB3541F0}" type="datetimeFigureOut">
               <a:rPr lang="ko-KR" altLang="en-US" smtClean="0"/>
-              <a:t>2023-08-07</a:t>
+              <a:t>2023-09-14</a:t>
             </a:fld>
             <a:endParaRPr lang="ko-KR" altLang="en-US"/>
           </a:p>
@@ -6243,7 +6302,7 @@
           <a:p>
             <a:fld id="{5143E54F-8ACC-4DA1-BB0C-0330AB3541F0}" type="datetimeFigureOut">
               <a:rPr lang="ko-KR" altLang="en-US" smtClean="0"/>
-              <a:t>2023-08-07</a:t>
+              <a:t>2023-09-14</a:t>
             </a:fld>
             <a:endParaRPr lang="ko-KR" altLang="en-US"/>
           </a:p>
@@ -6602,7 +6661,7 @@
           <a:p>
             <a:fld id="{5143E54F-8ACC-4DA1-BB0C-0330AB3541F0}" type="datetimeFigureOut">
               <a:rPr lang="ko-KR" altLang="en-US" smtClean="0"/>
-              <a:t>2023-08-07</a:t>
+              <a:t>2023-09-14</a:t>
             </a:fld>
             <a:endParaRPr lang="ko-KR" altLang="en-US"/>
           </a:p>
@@ -7013,7 +7072,7 @@
           <a:p>
             <a:fld id="{5143E54F-8ACC-4DA1-BB0C-0330AB3541F0}" type="datetimeFigureOut">
               <a:rPr lang="ko-KR" altLang="en-US" smtClean="0"/>
-              <a:t>2023-08-07</a:t>
+              <a:t>2023-09-14</a:t>
             </a:fld>
             <a:endParaRPr lang="ko-KR" altLang="en-US"/>
           </a:p>
@@ -7562,6 +7621,10 @@
               <a:rPr lang="ko-KR" altLang="en-US" dirty="0"/>
               <a:t>홈페이지</a:t>
             </a:r>
+            <a:r>
+              <a:rPr lang="en-US" altLang="ko-KR" dirty="0"/>
+              <a:t/>
+            </a:r>
             <a:br>
               <a:rPr lang="en-US" altLang="ko-KR" dirty="0"/>
             </a:br>
@@ -7579,6 +7642,13 @@
   <p:clrMapOvr>
     <a:masterClrMapping/>
   </p:clrMapOvr>
+  <p:timing>
+    <p:tnLst>
+      <p:par>
+        <p:cTn id="1" dur="indefinite" restart="never" nodeType="tmRoot"/>
+      </p:par>
+    </p:tnLst>
+  </p:timing>
 </p:sld>
 </file>
 
@@ -7699,6 +7769,10 @@
             <a:r>
               <a:rPr lang="ko-KR" altLang="en-US" dirty="0"/>
               <a:t>보안기능 익히기</a:t>
+            </a:r>
+            <a:r>
+              <a:rPr lang="en-US" altLang="ko-KR" dirty="0"/>
+              <a:t/>
             </a:r>
             <a:br>
               <a:rPr lang="en-US" altLang="ko-KR" dirty="0"/>
@@ -7910,6 +7984,13 @@
   <p:clrMapOvr>
     <a:masterClrMapping/>
   </p:clrMapOvr>
+  <p:timing>
+    <p:tnLst>
+      <p:par>
+        <p:cTn id="1" dur="indefinite" restart="never" nodeType="tmRoot"/>
+      </p:par>
+    </p:tnLst>
+  </p:timing>
 </p:sld>
 </file>
 
@@ -8013,6 +8094,13 @@
   <p:clrMapOvr>
     <a:masterClrMapping/>
   </p:clrMapOvr>
+  <p:timing>
+    <p:tnLst>
+      <p:par>
+        <p:cTn id="1" dur="indefinite" restart="never" nodeType="tmRoot"/>
+      </p:par>
+    </p:tnLst>
+  </p:timing>
 </p:sld>
 </file>
 
@@ -8136,6 +8224,760 @@
   <p:clrMapOvr>
     <a:masterClrMapping/>
   </p:clrMapOvr>
+  <p:timing>
+    <p:tnLst>
+      <p:par>
+        <p:cTn id="1" dur="indefinite" restart="never" nodeType="tmRoot"/>
+      </p:par>
+    </p:tnLst>
+  </p:timing>
+</p:sld>
+</file>
+
+<file path=ppt/slides/slide6.xml><?xml version="1.0" encoding="utf-8"?>
+<p:sld xmlns:a="http://schemas.openxmlformats.org/drawingml/2006/main" xmlns:r="http://schemas.openxmlformats.org/officeDocument/2006/relationships" xmlns:p="http://schemas.openxmlformats.org/presentationml/2006/main">
+  <p:cSld>
+    <p:spTree>
+      <p:nvGrpSpPr>
+        <p:cNvPr id="1" name=""/>
+        <p:cNvGrpSpPr/>
+        <p:nvPr/>
+      </p:nvGrpSpPr>
+      <p:grpSpPr>
+        <a:xfrm>
+          <a:off x="0" y="0"/>
+          <a:ext cx="0" cy="0"/>
+          <a:chOff x="0" y="0"/>
+          <a:chExt cx="0" cy="0"/>
+        </a:xfrm>
+      </p:grpSpPr>
+      <p:sp>
+        <p:nvSpPr>
+          <p:cNvPr id="2" name="제목 1"/>
+          <p:cNvSpPr>
+            <a:spLocks noGrp="1"/>
+          </p:cNvSpPr>
+          <p:nvPr>
+            <p:ph type="title"/>
+          </p:nvPr>
+        </p:nvSpPr>
+        <p:spPr/>
+        <p:txBody>
+          <a:bodyPr/>
+          <a:lstStyle/>
+          <a:p>
+            <a:r>
+              <a:rPr lang="ko-KR" altLang="en-US" dirty="0" smtClean="0"/>
+              <a:t>기능</a:t>
+            </a:r>
+            <a:endParaRPr lang="ko-KR" altLang="en-US" dirty="0"/>
+          </a:p>
+        </p:txBody>
+      </p:sp>
+      <p:sp>
+        <p:nvSpPr>
+          <p:cNvPr id="3" name="내용 개체 틀 2"/>
+          <p:cNvSpPr>
+            <a:spLocks noGrp="1"/>
+          </p:cNvSpPr>
+          <p:nvPr>
+            <p:ph idx="1"/>
+          </p:nvPr>
+        </p:nvSpPr>
+        <p:spPr/>
+        <p:txBody>
+          <a:bodyPr/>
+          <a:lstStyle/>
+          <a:p>
+            <a:r>
+              <a:rPr lang="ko-KR" altLang="en-US" dirty="0" smtClean="0"/>
+              <a:t>게시판</a:t>
+            </a:r>
+            <a:endParaRPr lang="en-US" altLang="ko-KR" dirty="0" smtClean="0"/>
+          </a:p>
+          <a:p>
+            <a:pPr lvl="1"/>
+            <a:r>
+              <a:rPr lang="ko-KR" altLang="en-US" dirty="0" err="1" smtClean="0"/>
+              <a:t>미리보기</a:t>
+            </a:r>
+            <a:r>
+              <a:rPr lang="ko-KR" altLang="en-US" dirty="0" smtClean="0"/>
+              <a:t> 사진</a:t>
+            </a:r>
+            <a:endParaRPr lang="en-US" altLang="ko-KR" dirty="0" smtClean="0"/>
+          </a:p>
+          <a:p>
+            <a:pPr lvl="1"/>
+            <a:r>
+              <a:rPr lang="ko-KR" altLang="en-US" dirty="0" smtClean="0"/>
+              <a:t>사용자 정보 </a:t>
+            </a:r>
+            <a:r>
+              <a:rPr lang="en-US" altLang="ko-KR" dirty="0" smtClean="0"/>
+              <a:t>validation &amp; </a:t>
+            </a:r>
+            <a:r>
+              <a:rPr lang="ko-KR" altLang="en-US" dirty="0" smtClean="0"/>
+              <a:t>글 </a:t>
+            </a:r>
+            <a:r>
+              <a:rPr lang="en-US" altLang="ko-KR" dirty="0" smtClean="0"/>
+              <a:t>CRUD</a:t>
+            </a:r>
+          </a:p>
+          <a:p>
+            <a:pPr lvl="1"/>
+            <a:r>
+              <a:rPr lang="ko-KR" altLang="en-US" dirty="0" smtClean="0"/>
+              <a:t>동영상 업로드 및 사진 업로드</a:t>
+            </a:r>
+            <a:endParaRPr lang="en-US" altLang="ko-KR" dirty="0" smtClean="0"/>
+          </a:p>
+          <a:p>
+            <a:pPr lvl="1"/>
+            <a:r>
+              <a:rPr lang="ko-KR" altLang="en-US" dirty="0" smtClean="0"/>
+              <a:t>동영상 및 사진 다운로드</a:t>
+            </a:r>
+            <a:endParaRPr lang="en-US" altLang="ko-KR" dirty="0"/>
+          </a:p>
+          <a:p>
+            <a:r>
+              <a:rPr lang="ko-KR" altLang="en-US" dirty="0" smtClean="0"/>
+              <a:t>로그인</a:t>
+            </a:r>
+            <a:endParaRPr lang="en-US" altLang="ko-KR" dirty="0" smtClean="0"/>
+          </a:p>
+        </p:txBody>
+      </p:sp>
+    </p:spTree>
+    <p:extLst>
+      <p:ext uri="{BB962C8B-B14F-4D97-AF65-F5344CB8AC3E}">
+        <p14:creationId xmlns:p14="http://schemas.microsoft.com/office/powerpoint/2010/main" val="3416787841"/>
+      </p:ext>
+    </p:extLst>
+  </p:cSld>
+  <p:clrMapOvr>
+    <a:masterClrMapping/>
+  </p:clrMapOvr>
+  <p:timing>
+    <p:tnLst>
+      <p:par>
+        <p:cTn id="1" dur="indefinite" restart="never" nodeType="tmRoot"/>
+      </p:par>
+    </p:tnLst>
+  </p:timing>
+</p:sld>
+</file>
+
+<file path=ppt/slides/slide7.xml><?xml version="1.0" encoding="utf-8"?>
+<p:sld xmlns:a="http://schemas.openxmlformats.org/drawingml/2006/main" xmlns:r="http://schemas.openxmlformats.org/officeDocument/2006/relationships" xmlns:p="http://schemas.openxmlformats.org/presentationml/2006/main">
+  <p:cSld>
+    <p:spTree>
+      <p:nvGrpSpPr>
+        <p:cNvPr id="1" name=""/>
+        <p:cNvGrpSpPr/>
+        <p:nvPr/>
+      </p:nvGrpSpPr>
+      <p:grpSpPr>
+        <a:xfrm>
+          <a:off x="0" y="0"/>
+          <a:ext cx="0" cy="0"/>
+          <a:chOff x="0" y="0"/>
+          <a:chExt cx="0" cy="0"/>
+        </a:xfrm>
+      </p:grpSpPr>
+      <p:pic>
+        <p:nvPicPr>
+          <p:cNvPr id="4" name="그림 3"/>
+          <p:cNvPicPr>
+            <a:picLocks noChangeAspect="1"/>
+          </p:cNvPicPr>
+          <p:nvPr/>
+        </p:nvPicPr>
+        <p:blipFill>
+          <a:blip r:embed="rId2">
+            <a:extLst>
+              <a:ext uri="{28A0092B-C50C-407E-A947-70E740481C1C}">
+                <a14:useLocalDpi xmlns:a14="http://schemas.microsoft.com/office/drawing/2010/main" val="0"/>
+              </a:ext>
+            </a:extLst>
+          </a:blip>
+          <a:stretch>
+            <a:fillRect/>
+          </a:stretch>
+        </p:blipFill>
+        <p:spPr>
+          <a:xfrm>
+            <a:off x="925640" y="2179433"/>
+            <a:ext cx="9088118" cy="1371791"/>
+          </a:xfrm>
+          <a:prstGeom prst="rect">
+            <a:avLst/>
+          </a:prstGeom>
+        </p:spPr>
+      </p:pic>
+      <p:sp>
+        <p:nvSpPr>
+          <p:cNvPr id="2" name="제목 1"/>
+          <p:cNvSpPr>
+            <a:spLocks noGrp="1"/>
+          </p:cNvSpPr>
+          <p:nvPr>
+            <p:ph type="title"/>
+          </p:nvPr>
+        </p:nvSpPr>
+        <p:spPr/>
+        <p:txBody>
+          <a:bodyPr/>
+          <a:lstStyle/>
+          <a:p>
+            <a:pPr algn="l"/>
+            <a:r>
+              <a:rPr lang="ko-KR" altLang="en-US" dirty="0" smtClean="0"/>
+              <a:t>게시판</a:t>
+            </a:r>
+            <a:endParaRPr lang="ko-KR" altLang="en-US" dirty="0"/>
+          </a:p>
+        </p:txBody>
+      </p:sp>
+      <p:sp>
+        <p:nvSpPr>
+          <p:cNvPr id="3" name="내용 개체 틀 2"/>
+          <p:cNvSpPr>
+            <a:spLocks noGrp="1"/>
+          </p:cNvSpPr>
+          <p:nvPr>
+            <p:ph idx="1"/>
+          </p:nvPr>
+        </p:nvSpPr>
+        <p:spPr/>
+        <p:txBody>
+          <a:bodyPr/>
+          <a:lstStyle/>
+          <a:p>
+            <a:r>
+              <a:rPr lang="ko-KR" altLang="en-US" dirty="0" err="1" smtClean="0"/>
+              <a:t>아카라이브와</a:t>
+            </a:r>
+            <a:r>
+              <a:rPr lang="ko-KR" altLang="en-US" dirty="0" smtClean="0"/>
+              <a:t> 비슷한 </a:t>
+            </a:r>
+            <a:r>
+              <a:rPr lang="en-US" altLang="ko-KR" dirty="0" err="1" smtClean="0"/>
+              <a:t>ui</a:t>
+            </a:r>
+            <a:r>
+              <a:rPr lang="en-US" altLang="ko-KR" dirty="0" smtClean="0"/>
+              <a:t> </a:t>
+            </a:r>
+            <a:r>
+              <a:rPr lang="ko-KR" altLang="en-US" dirty="0" smtClean="0"/>
+              <a:t>구현</a:t>
+            </a:r>
+            <a:r>
+              <a:rPr lang="en-US" altLang="ko-KR" dirty="0" smtClean="0"/>
+              <a:t>.</a:t>
+            </a:r>
+          </a:p>
+          <a:p>
+            <a:endParaRPr lang="en-US" altLang="ko-KR" dirty="0"/>
+          </a:p>
+          <a:p>
+            <a:endParaRPr lang="en-US" altLang="ko-KR" dirty="0" smtClean="0"/>
+          </a:p>
+          <a:p>
+            <a:endParaRPr lang="en-US" altLang="ko-KR" dirty="0" smtClean="0"/>
+          </a:p>
+          <a:p>
+            <a:r>
+              <a:rPr lang="ko-KR" altLang="en-US" dirty="0" smtClean="0"/>
+              <a:t>조회수 및 추천수 기능은</a:t>
+            </a:r>
+            <a:r>
+              <a:rPr lang="en-US" altLang="ko-KR" dirty="0" smtClean="0"/>
+              <a:t/>
+            </a:r>
+            <a:br>
+              <a:rPr lang="en-US" altLang="ko-KR" dirty="0" smtClean="0"/>
+            </a:br>
+            <a:r>
+              <a:rPr lang="en-US" altLang="ko-KR" dirty="0" smtClean="0"/>
+              <a:t> </a:t>
+            </a:r>
+            <a:r>
+              <a:rPr lang="ko-KR" altLang="en-US" dirty="0" smtClean="0"/>
+              <a:t>추후에 추가하자</a:t>
+            </a:r>
+            <a:endParaRPr lang="en-US" altLang="ko-KR" dirty="0" smtClean="0"/>
+          </a:p>
+        </p:txBody>
+      </p:sp>
+      <p:sp>
+        <p:nvSpPr>
+          <p:cNvPr id="5" name="직사각형 4"/>
+          <p:cNvSpPr/>
+          <p:nvPr/>
+        </p:nvSpPr>
+        <p:spPr>
+          <a:xfrm>
+            <a:off x="6212910" y="3670126"/>
+            <a:ext cx="1703539" cy="475989"/>
+          </a:xfrm>
+          <a:prstGeom prst="rect">
+            <a:avLst/>
+          </a:prstGeom>
+        </p:spPr>
+        <p:style>
+          <a:lnRef idx="2">
+            <a:schemeClr val="accent1">
+              <a:shade val="50000"/>
+            </a:schemeClr>
+          </a:lnRef>
+          <a:fillRef idx="1">
+            <a:schemeClr val="accent1"/>
+          </a:fillRef>
+          <a:effectRef idx="0">
+            <a:schemeClr val="accent1"/>
+          </a:effectRef>
+          <a:fontRef idx="minor">
+            <a:schemeClr val="lt1"/>
+          </a:fontRef>
+        </p:style>
+        <p:txBody>
+          <a:bodyPr rtlCol="0" anchor="ctr"/>
+          <a:lstStyle/>
+          <a:p>
+            <a:pPr algn="ctr"/>
+            <a:r>
+              <a:rPr lang="en-US" altLang="ko-KR" dirty="0" smtClean="0"/>
+              <a:t>Writer(</a:t>
+            </a:r>
+            <a:r>
+              <a:rPr lang="ko-KR" altLang="en-US" dirty="0" smtClean="0"/>
+              <a:t>닉네임</a:t>
+            </a:r>
+            <a:r>
+              <a:rPr lang="en-US" altLang="ko-KR" dirty="0" smtClean="0"/>
+              <a:t>)</a:t>
+            </a:r>
+            <a:endParaRPr lang="ko-KR" altLang="en-US" dirty="0"/>
+          </a:p>
+        </p:txBody>
+      </p:sp>
+      <p:sp>
+        <p:nvSpPr>
+          <p:cNvPr id="6" name="직사각형 5"/>
+          <p:cNvSpPr/>
+          <p:nvPr/>
+        </p:nvSpPr>
+        <p:spPr>
+          <a:xfrm>
+            <a:off x="8054236" y="3670126"/>
+            <a:ext cx="1653435" cy="475989"/>
+          </a:xfrm>
+          <a:prstGeom prst="rect">
+            <a:avLst/>
+          </a:prstGeom>
+        </p:spPr>
+        <p:style>
+          <a:lnRef idx="2">
+            <a:schemeClr val="accent1">
+              <a:shade val="50000"/>
+            </a:schemeClr>
+          </a:lnRef>
+          <a:fillRef idx="1">
+            <a:schemeClr val="accent1"/>
+          </a:fillRef>
+          <a:effectRef idx="0">
+            <a:schemeClr val="accent1"/>
+          </a:effectRef>
+          <a:fontRef idx="minor">
+            <a:schemeClr val="lt1"/>
+          </a:fontRef>
+        </p:style>
+        <p:txBody>
+          <a:bodyPr rtlCol="0" anchor="ctr"/>
+          <a:lstStyle/>
+          <a:p>
+            <a:pPr algn="ctr"/>
+            <a:r>
+              <a:rPr lang="ko-KR" altLang="en-US" dirty="0" smtClean="0"/>
+              <a:t>등록일자</a:t>
+            </a:r>
+            <a:endParaRPr lang="ko-KR" altLang="en-US" dirty="0"/>
+          </a:p>
+        </p:txBody>
+      </p:sp>
+      <p:sp>
+        <p:nvSpPr>
+          <p:cNvPr id="7" name="직사각형 6"/>
+          <p:cNvSpPr/>
+          <p:nvPr/>
+        </p:nvSpPr>
+        <p:spPr>
+          <a:xfrm>
+            <a:off x="10013758" y="3551224"/>
+            <a:ext cx="1435031" cy="594891"/>
+          </a:xfrm>
+          <a:prstGeom prst="rect">
+            <a:avLst/>
+          </a:prstGeom>
+        </p:spPr>
+        <p:style>
+          <a:lnRef idx="2">
+            <a:schemeClr val="accent1">
+              <a:shade val="50000"/>
+            </a:schemeClr>
+          </a:lnRef>
+          <a:fillRef idx="1">
+            <a:schemeClr val="accent1"/>
+          </a:fillRef>
+          <a:effectRef idx="0">
+            <a:schemeClr val="accent1"/>
+          </a:effectRef>
+          <a:fontRef idx="minor">
+            <a:schemeClr val="lt1"/>
+          </a:fontRef>
+        </p:style>
+        <p:txBody>
+          <a:bodyPr rtlCol="0" anchor="ctr"/>
+          <a:lstStyle/>
+          <a:p>
+            <a:pPr algn="ctr"/>
+            <a:r>
+              <a:rPr lang="ko-KR" altLang="en-US" dirty="0" smtClean="0"/>
+              <a:t>조회수 및 추천수</a:t>
+            </a:r>
+            <a:endParaRPr lang="ko-KR" altLang="en-US" dirty="0"/>
+          </a:p>
+        </p:txBody>
+      </p:sp>
+    </p:spTree>
+    <p:extLst>
+      <p:ext uri="{BB962C8B-B14F-4D97-AF65-F5344CB8AC3E}">
+        <p14:creationId xmlns:p14="http://schemas.microsoft.com/office/powerpoint/2010/main" val="1527047150"/>
+      </p:ext>
+    </p:extLst>
+  </p:cSld>
+  <p:clrMapOvr>
+    <a:masterClrMapping/>
+  </p:clrMapOvr>
+  <p:timing>
+    <p:tnLst>
+      <p:par>
+        <p:cTn id="1" dur="indefinite" restart="never" nodeType="tmRoot"/>
+      </p:par>
+    </p:tnLst>
+  </p:timing>
+</p:sld>
+</file>
+
+<file path=ppt/slides/slide8.xml><?xml version="1.0" encoding="utf-8"?>
+<p:sld xmlns:a="http://schemas.openxmlformats.org/drawingml/2006/main" xmlns:r="http://schemas.openxmlformats.org/officeDocument/2006/relationships" xmlns:p="http://schemas.openxmlformats.org/presentationml/2006/main">
+  <p:cSld>
+    <p:spTree>
+      <p:nvGrpSpPr>
+        <p:cNvPr id="1" name=""/>
+        <p:cNvGrpSpPr/>
+        <p:nvPr/>
+      </p:nvGrpSpPr>
+      <p:grpSpPr>
+        <a:xfrm>
+          <a:off x="0" y="0"/>
+          <a:ext cx="0" cy="0"/>
+          <a:chOff x="0" y="0"/>
+          <a:chExt cx="0" cy="0"/>
+        </a:xfrm>
+      </p:grpSpPr>
+      <p:sp>
+        <p:nvSpPr>
+          <p:cNvPr id="2" name="제목 1"/>
+          <p:cNvSpPr>
+            <a:spLocks noGrp="1"/>
+          </p:cNvSpPr>
+          <p:nvPr>
+            <p:ph type="title"/>
+          </p:nvPr>
+        </p:nvSpPr>
+        <p:spPr/>
+        <p:txBody>
+          <a:bodyPr/>
+          <a:lstStyle/>
+          <a:p>
+            <a:pPr algn="l"/>
+            <a:r>
+              <a:rPr lang="ko-KR" altLang="en-US" dirty="0" smtClean="0"/>
+              <a:t>게시판</a:t>
+            </a:r>
+            <a:endParaRPr lang="ko-KR" altLang="en-US" dirty="0"/>
+          </a:p>
+        </p:txBody>
+      </p:sp>
+      <p:sp>
+        <p:nvSpPr>
+          <p:cNvPr id="3" name="내용 개체 틀 2"/>
+          <p:cNvSpPr>
+            <a:spLocks noGrp="1"/>
+          </p:cNvSpPr>
+          <p:nvPr>
+            <p:ph idx="1"/>
+          </p:nvPr>
+        </p:nvSpPr>
+        <p:spPr/>
+        <p:txBody>
+          <a:bodyPr/>
+          <a:lstStyle/>
+          <a:p>
+            <a:r>
+              <a:rPr lang="ko-KR" altLang="en-US" dirty="0" err="1" smtClean="0"/>
+              <a:t>커멘트기능</a:t>
+            </a:r>
+            <a:endParaRPr lang="en-US" altLang="ko-KR" dirty="0" smtClean="0"/>
+          </a:p>
+          <a:p>
+            <a:pPr lvl="1"/>
+            <a:r>
+              <a:rPr lang="ko-KR" altLang="en-US" dirty="0" smtClean="0"/>
+              <a:t>비동기로 매번 새로 가져오지 않고 실시간 </a:t>
+            </a:r>
+            <a:r>
+              <a:rPr lang="ko-KR" altLang="en-US" dirty="0" err="1" smtClean="0"/>
+              <a:t>요청시에만</a:t>
+            </a:r>
+            <a:r>
+              <a:rPr lang="ko-KR" altLang="en-US" dirty="0" smtClean="0"/>
+              <a:t> 로드</a:t>
+            </a:r>
+            <a:r>
+              <a:rPr lang="en-US" altLang="ko-KR" dirty="0"/>
+              <a:t> </a:t>
+            </a:r>
+            <a:r>
+              <a:rPr lang="en-US" altLang="ko-KR" dirty="0" smtClean="0"/>
+              <a:t>=&gt; </a:t>
+            </a:r>
+            <a:r>
+              <a:rPr lang="ko-KR" altLang="en-US" dirty="0" smtClean="0"/>
+              <a:t>트랜잭션 줄임</a:t>
+            </a:r>
+            <a:endParaRPr lang="en-US" altLang="ko-KR" dirty="0" smtClean="0"/>
+          </a:p>
+          <a:p>
+            <a:endParaRPr lang="en-US" altLang="ko-KR" dirty="0"/>
+          </a:p>
+          <a:p>
+            <a:endParaRPr lang="en-US" altLang="ko-KR" dirty="0" smtClean="0"/>
+          </a:p>
+          <a:p>
+            <a:pPr lvl="1"/>
+            <a:endParaRPr lang="en-US" altLang="ko-KR" dirty="0" smtClean="0"/>
+          </a:p>
+          <a:p>
+            <a:pPr lvl="1"/>
+            <a:r>
+              <a:rPr lang="ko-KR" altLang="en-US" dirty="0" err="1" smtClean="0"/>
+              <a:t>수정일자</a:t>
+            </a:r>
+            <a:r>
+              <a:rPr lang="en-US" altLang="ko-KR" dirty="0" smtClean="0"/>
+              <a:t>, </a:t>
+            </a:r>
+            <a:r>
+              <a:rPr lang="ko-KR" altLang="en-US" dirty="0" smtClean="0"/>
+              <a:t>신고</a:t>
+            </a:r>
+            <a:r>
+              <a:rPr lang="en-US" altLang="ko-KR" dirty="0" smtClean="0"/>
+              <a:t>, </a:t>
+            </a:r>
+            <a:r>
+              <a:rPr lang="ko-KR" altLang="en-US" dirty="0" smtClean="0"/>
+              <a:t>답글 구분은 </a:t>
+            </a:r>
+            <a:r>
+              <a:rPr lang="en-US" altLang="ko-KR" dirty="0" smtClean="0"/>
+              <a:t>::before </a:t>
+            </a:r>
+            <a:r>
+              <a:rPr lang="en-US" altLang="ko-KR" dirty="0" err="1" smtClean="0"/>
+              <a:t>css</a:t>
+            </a:r>
+            <a:r>
+              <a:rPr lang="ko-KR" altLang="en-US" dirty="0" smtClean="0"/>
+              <a:t>활용</a:t>
+            </a:r>
+            <a:r>
+              <a:rPr lang="en-US" altLang="ko-KR" smtClean="0"/>
+              <a:t>!</a:t>
+            </a:r>
+            <a:endParaRPr lang="ko-KR" altLang="en-US" dirty="0"/>
+          </a:p>
+        </p:txBody>
+      </p:sp>
+      <p:pic>
+        <p:nvPicPr>
+          <p:cNvPr id="4" name="그림 3"/>
+          <p:cNvPicPr>
+            <a:picLocks noChangeAspect="1"/>
+          </p:cNvPicPr>
+          <p:nvPr/>
+        </p:nvPicPr>
+        <p:blipFill>
+          <a:blip r:embed="rId2">
+            <a:extLst>
+              <a:ext uri="{28A0092B-C50C-407E-A947-70E740481C1C}">
+                <a14:useLocalDpi xmlns:a14="http://schemas.microsoft.com/office/drawing/2010/main" val="0"/>
+              </a:ext>
+            </a:extLst>
+          </a:blip>
+          <a:stretch>
+            <a:fillRect/>
+          </a:stretch>
+        </p:blipFill>
+        <p:spPr>
+          <a:xfrm>
+            <a:off x="1353633" y="3162263"/>
+            <a:ext cx="8783276" cy="533474"/>
+          </a:xfrm>
+          <a:prstGeom prst="rect">
+            <a:avLst/>
+          </a:prstGeom>
+        </p:spPr>
+      </p:pic>
+      <p:graphicFrame>
+        <p:nvGraphicFramePr>
+          <p:cNvPr id="5" name="표 4"/>
+          <p:cNvGraphicFramePr>
+            <a:graphicFrameLocks noGrp="1"/>
+          </p:cNvGraphicFramePr>
+          <p:nvPr>
+            <p:extLst>
+              <p:ext uri="{D42A27DB-BD31-4B8C-83A1-F6EECF244321}">
+                <p14:modId xmlns:p14="http://schemas.microsoft.com/office/powerpoint/2010/main" val="3413617884"/>
+              </p:ext>
+            </p:extLst>
+          </p:nvPr>
+        </p:nvGraphicFramePr>
+        <p:xfrm>
+          <a:off x="1353633" y="3976433"/>
+          <a:ext cx="8128000" cy="741680"/>
+        </p:xfrm>
+        <a:graphic>
+          <a:graphicData uri="http://schemas.openxmlformats.org/drawingml/2006/table">
+            <a:tbl>
+              <a:tblPr firstRow="1" bandRow="1">
+                <a:tableStyleId>{5C22544A-7EE6-4342-B048-85BDC9FD1C3A}</a:tableStyleId>
+              </a:tblPr>
+              <a:tblGrid>
+                <a:gridCol w="4057611">
+                  <a:extLst>
+                    <a:ext uri="{9D8B030D-6E8A-4147-A177-3AD203B41FA5}">
+                      <a16:colId xmlns:a16="http://schemas.microsoft.com/office/drawing/2014/main" val="771730410"/>
+                    </a:ext>
+                  </a:extLst>
+                </a:gridCol>
+                <a:gridCol w="4070389">
+                  <a:extLst>
+                    <a:ext uri="{9D8B030D-6E8A-4147-A177-3AD203B41FA5}">
+                      <a16:colId xmlns:a16="http://schemas.microsoft.com/office/drawing/2014/main" val="171325501"/>
+                    </a:ext>
+                  </a:extLst>
+                </a:gridCol>
+              </a:tblGrid>
+              <a:tr h="370840">
+                <a:tc>
+                  <a:txBody>
+                    <a:bodyPr/>
+                    <a:lstStyle/>
+                    <a:p>
+                      <a:pPr algn="l" latinLnBrk="1"/>
+                      <a:r>
+                        <a:rPr lang="ko-KR" altLang="en-US" dirty="0" smtClean="0"/>
+                        <a:t>이름</a:t>
+                      </a:r>
+                      <a:endParaRPr lang="ko-KR" altLang="en-US" dirty="0"/>
+                    </a:p>
+                  </a:txBody>
+                  <a:tcPr/>
+                </a:tc>
+                <a:tc>
+                  <a:txBody>
+                    <a:bodyPr/>
+                    <a:lstStyle/>
+                    <a:p>
+                      <a:pPr algn="r" latinLnBrk="1"/>
+                      <a:r>
+                        <a:rPr lang="ko-KR" altLang="en-US" dirty="0" err="1" smtClean="0"/>
+                        <a:t>수정일자</a:t>
+                      </a:r>
+                      <a:endParaRPr lang="ko-KR" altLang="en-US" dirty="0"/>
+                    </a:p>
+                  </a:txBody>
+                  <a:tcPr/>
+                </a:tc>
+                <a:extLst>
+                  <a:ext uri="{0D108BD9-81ED-4DB2-BD59-A6C34878D82A}">
+                    <a16:rowId xmlns:a16="http://schemas.microsoft.com/office/drawing/2014/main" val="750132225"/>
+                  </a:ext>
+                </a:extLst>
+              </a:tr>
+              <a:tr h="370840">
+                <a:tc gridSpan="2">
+                  <a:txBody>
+                    <a:bodyPr/>
+                    <a:lstStyle/>
+                    <a:p>
+                      <a:pPr algn="ctr" latinLnBrk="1"/>
+                      <a:r>
+                        <a:rPr lang="ko-KR" altLang="en-US" dirty="0" smtClean="0"/>
+                        <a:t>코멘트</a:t>
+                      </a:r>
+                      <a:endParaRPr lang="ko-KR" altLang="en-US" dirty="0"/>
+                    </a:p>
+                  </a:txBody>
+                  <a:tcPr/>
+                </a:tc>
+                <a:tc hMerge="1">
+                  <a:txBody>
+                    <a:bodyPr/>
+                    <a:lstStyle/>
+                    <a:p>
+                      <a:pPr latinLnBrk="1"/>
+                      <a:endParaRPr lang="ko-KR" altLang="en-US" dirty="0"/>
+                    </a:p>
+                  </a:txBody>
+                  <a:tcPr/>
+                </a:tc>
+                <a:extLst>
+                  <a:ext uri="{0D108BD9-81ED-4DB2-BD59-A6C34878D82A}">
+                    <a16:rowId xmlns:a16="http://schemas.microsoft.com/office/drawing/2014/main" val="2874812730"/>
+                  </a:ext>
+                </a:extLst>
+              </a:tr>
+            </a:tbl>
+          </a:graphicData>
+        </a:graphic>
+      </p:graphicFrame>
+    </p:spTree>
+    <p:extLst>
+      <p:ext uri="{BB962C8B-B14F-4D97-AF65-F5344CB8AC3E}">
+        <p14:creationId xmlns:p14="http://schemas.microsoft.com/office/powerpoint/2010/main" val="1393259768"/>
+      </p:ext>
+    </p:extLst>
+  </p:cSld>
+  <p:clrMapOvr>
+    <a:masterClrMapping/>
+  </p:clrMapOvr>
+  <p:timing>
+    <p:tnLst>
+      <p:par>
+        <p:cTn id="1" dur="indefinite" restart="never" nodeType="tmRoot"/>
+      </p:par>
+    </p:tnLst>
+  </p:timing>
 </p:sld>
 </file>
 

--- a/홈페이지를 만들어보자.pptx
+++ b/홈페이지를 만들어보자.pptx
@@ -1108,14 +1108,6 @@
         </dgm:presLayoutVars>
       </dgm:prSet>
       <dgm:spPr/>
-      <dgm:t>
-        <a:bodyPr/>
-        <a:lstStyle/>
-        <a:p>
-          <a:pPr latinLnBrk="1"/>
-          <a:endParaRPr lang="ko-KR" altLang="en-US"/>
-        </a:p>
-      </dgm:t>
     </dgm:pt>
     <dgm:pt modelId="{3B0D8D73-4557-49E3-BE3D-0DF2216E6D90}" type="pres">
       <dgm:prSet presAssocID="{26C51E81-3C59-4C93-B2B5-8C7140D36207}" presName="root" presStyleCnt="0"/>
@@ -1128,26 +1120,10 @@
     <dgm:pt modelId="{D807363C-D193-4BF3-8CE9-A3C3E8B876D6}" type="pres">
       <dgm:prSet presAssocID="{26C51E81-3C59-4C93-B2B5-8C7140D36207}" presName="rootText" presStyleLbl="node1" presStyleIdx="0" presStyleCnt="1"/>
       <dgm:spPr/>
-      <dgm:t>
-        <a:bodyPr/>
-        <a:lstStyle/>
-        <a:p>
-          <a:pPr latinLnBrk="1"/>
-          <a:endParaRPr lang="ko-KR" altLang="en-US"/>
-        </a:p>
-      </dgm:t>
     </dgm:pt>
     <dgm:pt modelId="{9E380A39-F9A8-48FA-8E7F-67CA71DC6996}" type="pres">
       <dgm:prSet presAssocID="{26C51E81-3C59-4C93-B2B5-8C7140D36207}" presName="rootConnector" presStyleLbl="node1" presStyleIdx="0" presStyleCnt="1"/>
       <dgm:spPr/>
-      <dgm:t>
-        <a:bodyPr/>
-        <a:lstStyle/>
-        <a:p>
-          <a:pPr latinLnBrk="1"/>
-          <a:endParaRPr lang="ko-KR" altLang="en-US"/>
-        </a:p>
-      </dgm:t>
     </dgm:pt>
     <dgm:pt modelId="{5BAF37E5-B7AD-4D47-9DC2-BF207F3F01C5}" type="pres">
       <dgm:prSet presAssocID="{26C51E81-3C59-4C93-B2B5-8C7140D36207}" presName="childShape" presStyleCnt="0"/>
@@ -1156,14 +1132,6 @@
     <dgm:pt modelId="{1612D043-CA22-4F62-BC24-044D24D75C7D}" type="pres">
       <dgm:prSet presAssocID="{18D0C1C1-E032-4E47-B022-2A7B3F0F9E1E}" presName="Name13" presStyleLbl="parChTrans1D2" presStyleIdx="0" presStyleCnt="2"/>
       <dgm:spPr/>
-      <dgm:t>
-        <a:bodyPr/>
-        <a:lstStyle/>
-        <a:p>
-          <a:pPr latinLnBrk="1"/>
-          <a:endParaRPr lang="ko-KR" altLang="en-US"/>
-        </a:p>
-      </dgm:t>
     </dgm:pt>
     <dgm:pt modelId="{43F0D6FF-E254-4B85-A272-9C96C0EF603D}" type="pres">
       <dgm:prSet presAssocID="{D6B39920-7C4C-47E5-8D09-49517F58CA43}" presName="childText" presStyleLbl="bgAcc1" presStyleIdx="0" presStyleCnt="2">
@@ -1172,26 +1140,10 @@
         </dgm:presLayoutVars>
       </dgm:prSet>
       <dgm:spPr/>
-      <dgm:t>
-        <a:bodyPr/>
-        <a:lstStyle/>
-        <a:p>
-          <a:pPr latinLnBrk="1"/>
-          <a:endParaRPr lang="ko-KR" altLang="en-US"/>
-        </a:p>
-      </dgm:t>
     </dgm:pt>
     <dgm:pt modelId="{FAF10C6D-8979-492D-961C-8A6D3FE77800}" type="pres">
       <dgm:prSet presAssocID="{73621A8A-6844-4E28-B8B0-7E827F1E9EC4}" presName="Name13" presStyleLbl="parChTrans1D2" presStyleIdx="1" presStyleCnt="2"/>
       <dgm:spPr/>
-      <dgm:t>
-        <a:bodyPr/>
-        <a:lstStyle/>
-        <a:p>
-          <a:pPr latinLnBrk="1"/>
-          <a:endParaRPr lang="ko-KR" altLang="en-US"/>
-        </a:p>
-      </dgm:t>
     </dgm:pt>
     <dgm:pt modelId="{0E2504B1-2C70-414E-A677-1546D08BE142}" type="pres">
       <dgm:prSet presAssocID="{20591E0D-8299-40F4-9C39-FDCD3D4A670A}" presName="childText" presStyleLbl="bgAcc1" presStyleIdx="1" presStyleCnt="2">
@@ -1200,31 +1152,23 @@
         </dgm:presLayoutVars>
       </dgm:prSet>
       <dgm:spPr/>
-      <dgm:t>
-        <a:bodyPr/>
-        <a:lstStyle/>
-        <a:p>
-          <a:pPr latinLnBrk="1"/>
-          <a:endParaRPr lang="ko-KR" altLang="en-US"/>
-        </a:p>
-      </dgm:t>
     </dgm:pt>
   </dgm:ptLst>
   <dgm:cxnLst>
+    <dgm:cxn modelId="{9D0B361B-A8B5-4917-8E4A-3D4EE704FCD4}" srcId="{20591E0D-8299-40F4-9C39-FDCD3D4A670A}" destId="{F2F595DA-0CB8-4832-AB5C-25AE276679B5}" srcOrd="0" destOrd="0" parTransId="{A0AFE9A6-D331-4B37-8E82-8031E3433E3B}" sibTransId="{524A2FB4-8741-4624-8315-ECDBAF42D40D}"/>
+    <dgm:cxn modelId="{B8F4D825-36D5-4F2C-B86A-2F1CD087F4D1}" type="presOf" srcId="{26C51E81-3C59-4C93-B2B5-8C7140D36207}" destId="{D807363C-D193-4BF3-8CE9-A3C3E8B876D6}" srcOrd="0" destOrd="0" presId="urn:microsoft.com/office/officeart/2005/8/layout/hierarchy3"/>
+    <dgm:cxn modelId="{C1EF2F2B-6859-4527-835C-6F752635BF72}" srcId="{FB01C86F-6492-4A64-93B6-83E02F34B955}" destId="{26C51E81-3C59-4C93-B2B5-8C7140D36207}" srcOrd="0" destOrd="0" parTransId="{BB4065B5-8DC8-4E4D-9BF2-01C1D4350B43}" sibTransId="{AAD29430-EDEA-496A-878B-B5637AD1B982}"/>
+    <dgm:cxn modelId="{88351E61-6EB9-4E90-9F85-6068C2C6AEB3}" srcId="{D6B39920-7C4C-47E5-8D09-49517F58CA43}" destId="{379B4E6D-D854-4A0A-9F4F-AD3D7B1FEFB2}" srcOrd="0" destOrd="0" parTransId="{7F8BA15F-FAFD-4B03-BB42-9FD2C61D79A0}" sibTransId="{6DA13ACE-4F07-4AEE-87A8-26E5F0211A20}"/>
+    <dgm:cxn modelId="{0CB55749-7A3F-4A20-ACAB-7446746F00C8}" type="presOf" srcId="{26C51E81-3C59-4C93-B2B5-8C7140D36207}" destId="{9E380A39-F9A8-48FA-8E7F-67CA71DC6996}" srcOrd="1" destOrd="0" presId="urn:microsoft.com/office/officeart/2005/8/layout/hierarchy3"/>
+    <dgm:cxn modelId="{A96D7E4B-396A-433F-9A04-9792FB1B58CB}" srcId="{26C51E81-3C59-4C93-B2B5-8C7140D36207}" destId="{20591E0D-8299-40F4-9C39-FDCD3D4A670A}" srcOrd="1" destOrd="0" parTransId="{73621A8A-6844-4E28-B8B0-7E827F1E9EC4}" sibTransId="{AA07EA14-21CC-4AB2-8666-9ABE12CEFB9E}"/>
+    <dgm:cxn modelId="{011EB358-0CF1-4DD1-8CFA-64CE3E8529A9}" type="presOf" srcId="{20591E0D-8299-40F4-9C39-FDCD3D4A670A}" destId="{0E2504B1-2C70-414E-A677-1546D08BE142}" srcOrd="0" destOrd="0" presId="urn:microsoft.com/office/officeart/2005/8/layout/hierarchy3"/>
     <dgm:cxn modelId="{12FD0380-3670-4F2F-85F8-DA275163EC11}" srcId="{26C51E81-3C59-4C93-B2B5-8C7140D36207}" destId="{D6B39920-7C4C-47E5-8D09-49517F58CA43}" srcOrd="0" destOrd="0" parTransId="{18D0C1C1-E032-4E47-B022-2A7B3F0F9E1E}" sibTransId="{77CD7A4A-6503-400A-8738-6E94C6B17655}"/>
+    <dgm:cxn modelId="{B9685292-F7FB-4A5A-AA23-8BB515D8EC3F}" type="presOf" srcId="{F2F595DA-0CB8-4832-AB5C-25AE276679B5}" destId="{0E2504B1-2C70-414E-A677-1546D08BE142}" srcOrd="0" destOrd="1" presId="urn:microsoft.com/office/officeart/2005/8/layout/hierarchy3"/>
+    <dgm:cxn modelId="{80B9F4B1-5B5A-4DD5-8EDB-FAF825E90EE9}" type="presOf" srcId="{73621A8A-6844-4E28-B8B0-7E827F1E9EC4}" destId="{FAF10C6D-8979-492D-961C-8A6D3FE77800}" srcOrd="0" destOrd="0" presId="urn:microsoft.com/office/officeart/2005/8/layout/hierarchy3"/>
+    <dgm:cxn modelId="{813723C8-068B-48B3-B8FB-103904E50102}" type="presOf" srcId="{379B4E6D-D854-4A0A-9F4F-AD3D7B1FEFB2}" destId="{43F0D6FF-E254-4B85-A272-9C96C0EF603D}" srcOrd="0" destOrd="1" presId="urn:microsoft.com/office/officeart/2005/8/layout/hierarchy3"/>
+    <dgm:cxn modelId="{3A6E1BD4-1D93-472A-A28F-CDCBE2451FB2}" type="presOf" srcId="{18D0C1C1-E032-4E47-B022-2A7B3F0F9E1E}" destId="{1612D043-CA22-4F62-BC24-044D24D75C7D}" srcOrd="0" destOrd="0" presId="urn:microsoft.com/office/officeart/2005/8/layout/hierarchy3"/>
     <dgm:cxn modelId="{05BA32D9-8432-49D4-A96F-CEBAC318805C}" type="presOf" srcId="{FB01C86F-6492-4A64-93B6-83E02F34B955}" destId="{D7FF4A1D-2AF8-45C4-83FC-0649F3F4C5F2}" srcOrd="0" destOrd="0" presId="urn:microsoft.com/office/officeart/2005/8/layout/hierarchy3"/>
-    <dgm:cxn modelId="{3A6E1BD4-1D93-472A-A28F-CDCBE2451FB2}" type="presOf" srcId="{18D0C1C1-E032-4E47-B022-2A7B3F0F9E1E}" destId="{1612D043-CA22-4F62-BC24-044D24D75C7D}" srcOrd="0" destOrd="0" presId="urn:microsoft.com/office/officeart/2005/8/layout/hierarchy3"/>
-    <dgm:cxn modelId="{813723C8-068B-48B3-B8FB-103904E50102}" type="presOf" srcId="{379B4E6D-D854-4A0A-9F4F-AD3D7B1FEFB2}" destId="{43F0D6FF-E254-4B85-A272-9C96C0EF603D}" srcOrd="0" destOrd="1" presId="urn:microsoft.com/office/officeart/2005/8/layout/hierarchy3"/>
-    <dgm:cxn modelId="{C1EF2F2B-6859-4527-835C-6F752635BF72}" srcId="{FB01C86F-6492-4A64-93B6-83E02F34B955}" destId="{26C51E81-3C59-4C93-B2B5-8C7140D36207}" srcOrd="0" destOrd="0" parTransId="{BB4065B5-8DC8-4E4D-9BF2-01C1D4350B43}" sibTransId="{AAD29430-EDEA-496A-878B-B5637AD1B982}"/>
-    <dgm:cxn modelId="{80B9F4B1-5B5A-4DD5-8EDB-FAF825E90EE9}" type="presOf" srcId="{73621A8A-6844-4E28-B8B0-7E827F1E9EC4}" destId="{FAF10C6D-8979-492D-961C-8A6D3FE77800}" srcOrd="0" destOrd="0" presId="urn:microsoft.com/office/officeart/2005/8/layout/hierarchy3"/>
-    <dgm:cxn modelId="{0CB55749-7A3F-4A20-ACAB-7446746F00C8}" type="presOf" srcId="{26C51E81-3C59-4C93-B2B5-8C7140D36207}" destId="{9E380A39-F9A8-48FA-8E7F-67CA71DC6996}" srcOrd="1" destOrd="0" presId="urn:microsoft.com/office/officeart/2005/8/layout/hierarchy3"/>
-    <dgm:cxn modelId="{B8F4D825-36D5-4F2C-B86A-2F1CD087F4D1}" type="presOf" srcId="{26C51E81-3C59-4C93-B2B5-8C7140D36207}" destId="{D807363C-D193-4BF3-8CE9-A3C3E8B876D6}" srcOrd="0" destOrd="0" presId="urn:microsoft.com/office/officeart/2005/8/layout/hierarchy3"/>
     <dgm:cxn modelId="{1EE9E0F2-4450-4BD5-BDDC-A22B663444CB}" type="presOf" srcId="{D6B39920-7C4C-47E5-8D09-49517F58CA43}" destId="{43F0D6FF-E254-4B85-A272-9C96C0EF603D}" srcOrd="0" destOrd="0" presId="urn:microsoft.com/office/officeart/2005/8/layout/hierarchy3"/>
-    <dgm:cxn modelId="{011EB358-0CF1-4DD1-8CFA-64CE3E8529A9}" type="presOf" srcId="{20591E0D-8299-40F4-9C39-FDCD3D4A670A}" destId="{0E2504B1-2C70-414E-A677-1546D08BE142}" srcOrd="0" destOrd="0" presId="urn:microsoft.com/office/officeart/2005/8/layout/hierarchy3"/>
-    <dgm:cxn modelId="{88351E61-6EB9-4E90-9F85-6068C2C6AEB3}" srcId="{D6B39920-7C4C-47E5-8D09-49517F58CA43}" destId="{379B4E6D-D854-4A0A-9F4F-AD3D7B1FEFB2}" srcOrd="0" destOrd="0" parTransId="{7F8BA15F-FAFD-4B03-BB42-9FD2C61D79A0}" sibTransId="{6DA13ACE-4F07-4AEE-87A8-26E5F0211A20}"/>
-    <dgm:cxn modelId="{A96D7E4B-396A-433F-9A04-9792FB1B58CB}" srcId="{26C51E81-3C59-4C93-B2B5-8C7140D36207}" destId="{20591E0D-8299-40F4-9C39-FDCD3D4A670A}" srcOrd="1" destOrd="0" parTransId="{73621A8A-6844-4E28-B8B0-7E827F1E9EC4}" sibTransId="{AA07EA14-21CC-4AB2-8666-9ABE12CEFB9E}"/>
-    <dgm:cxn modelId="{B9685292-F7FB-4A5A-AA23-8BB515D8EC3F}" type="presOf" srcId="{F2F595DA-0CB8-4832-AB5C-25AE276679B5}" destId="{0E2504B1-2C70-414E-A677-1546D08BE142}" srcOrd="0" destOrd="1" presId="urn:microsoft.com/office/officeart/2005/8/layout/hierarchy3"/>
-    <dgm:cxn modelId="{9D0B361B-A8B5-4917-8E4A-3D4EE704FCD4}" srcId="{20591E0D-8299-40F4-9C39-FDCD3D4A670A}" destId="{F2F595DA-0CB8-4832-AB5C-25AE276679B5}" srcOrd="0" destOrd="0" parTransId="{A0AFE9A6-D331-4B37-8E82-8031E3433E3B}" sibTransId="{524A2FB4-8741-4624-8315-ECDBAF42D40D}"/>
     <dgm:cxn modelId="{B1DA4389-2781-482F-B457-86DE979611FE}" type="presParOf" srcId="{D7FF4A1D-2AF8-45C4-83FC-0649F3F4C5F2}" destId="{3B0D8D73-4557-49E3-BE3D-0DF2216E6D90}" srcOrd="0" destOrd="0" presId="urn:microsoft.com/office/officeart/2005/8/layout/hierarchy3"/>
     <dgm:cxn modelId="{97BF97D6-B91F-40B8-A2D4-E371F54E5D94}" type="presParOf" srcId="{3B0D8D73-4557-49E3-BE3D-0DF2216E6D90}" destId="{ED5C28C0-8762-4F50-8D53-BDC1AA490C60}" srcOrd="0" destOrd="0" presId="urn:microsoft.com/office/officeart/2005/8/layout/hierarchy3"/>
     <dgm:cxn modelId="{89131B43-5249-40FE-818D-4543F6DCCB3A}" type="presParOf" srcId="{ED5C28C0-8762-4F50-8D53-BDC1AA490C60}" destId="{D807363C-D193-4BF3-8CE9-A3C3E8B876D6}" srcOrd="0" destOrd="0" presId="urn:microsoft.com/office/officeart/2005/8/layout/hierarchy3"/>
@@ -1309,7 +1253,7 @@
         </a:bodyPr>
         <a:lstStyle/>
         <a:p>
-          <a:pPr lvl="0" algn="ctr" defTabSz="2889250" latinLnBrk="1">
+          <a:pPr marL="0" lvl="0" indent="0" algn="ctr" defTabSz="2889250" latinLnBrk="1">
             <a:lnSpc>
               <a:spcPct val="90000"/>
             </a:lnSpc>
@@ -1319,6 +1263,7 @@
             <a:spcAft>
               <a:spcPct val="35000"/>
             </a:spcAft>
+            <a:buNone/>
           </a:pPr>
           <a:r>
             <a:rPr lang="en-US" altLang="ko-KR" sz="6500" kern="1200" dirty="0"/>
@@ -1445,7 +1390,7 @@
         </a:bodyPr>
         <a:lstStyle/>
         <a:p>
-          <a:pPr lvl="0" algn="l" defTabSz="1689100" latinLnBrk="1">
+          <a:pPr marL="0" lvl="0" indent="0" algn="l" defTabSz="1689100" latinLnBrk="1">
             <a:lnSpc>
               <a:spcPct val="90000"/>
             </a:lnSpc>
@@ -1455,6 +1400,7 @@
             <a:spcAft>
               <a:spcPct val="35000"/>
             </a:spcAft>
+            <a:buNone/>
           </a:pPr>
           <a:r>
             <a:rPr lang="en-US" altLang="ko-KR" sz="3800" kern="1200" dirty="0"/>
@@ -1473,7 +1419,7 @@
             <a:spcAft>
               <a:spcPct val="15000"/>
             </a:spcAft>
-            <a:buChar char="••"/>
+            <a:buChar char="•"/>
           </a:pPr>
           <a:r>
             <a:rPr lang="en-US" altLang="ko-KR" sz="3000" kern="1200" dirty="0"/>
@@ -1600,7 +1546,7 @@
         </a:bodyPr>
         <a:lstStyle/>
         <a:p>
-          <a:pPr lvl="0" algn="l" defTabSz="1689100" latinLnBrk="1">
+          <a:pPr marL="0" lvl="0" indent="0" algn="l" defTabSz="1689100" latinLnBrk="1">
             <a:lnSpc>
               <a:spcPct val="90000"/>
             </a:lnSpc>
@@ -1610,6 +1556,7 @@
             <a:spcAft>
               <a:spcPct val="35000"/>
             </a:spcAft>
+            <a:buNone/>
           </a:pPr>
           <a:r>
             <a:rPr lang="en-US" altLang="ko-KR" sz="3800" kern="1200" dirty="0" err="1"/>
@@ -1628,7 +1575,7 @@
             <a:spcAft>
               <a:spcPct val="15000"/>
             </a:spcAft>
-            <a:buChar char="••"/>
+            <a:buChar char="•"/>
           </a:pPr>
           <a:r>
             <a:rPr lang="en-US" altLang="ko-KR" sz="3000" kern="1200" dirty="0"/>
@@ -3379,7 +3326,7 @@
           <a:p>
             <a:fld id="{5143E54F-8ACC-4DA1-BB0C-0330AB3541F0}" type="datetimeFigureOut">
               <a:rPr lang="ko-KR" altLang="en-US" smtClean="0"/>
-              <a:t>2023-09-14</a:t>
+              <a:t>2023-10-27</a:t>
             </a:fld>
             <a:endParaRPr lang="ko-KR" altLang="en-US"/>
           </a:p>
@@ -3554,7 +3501,7 @@
           <a:p>
             <a:fld id="{5143E54F-8ACC-4DA1-BB0C-0330AB3541F0}" type="datetimeFigureOut">
               <a:rPr lang="ko-KR" altLang="en-US" smtClean="0"/>
-              <a:t>2023-09-14</a:t>
+              <a:t>2023-10-27</a:t>
             </a:fld>
             <a:endParaRPr lang="ko-KR" altLang="en-US"/>
           </a:p>
@@ -3932,7 +3879,7 @@
           <a:p>
             <a:fld id="{5143E54F-8ACC-4DA1-BB0C-0330AB3541F0}" type="datetimeFigureOut">
               <a:rPr lang="ko-KR" altLang="en-US" smtClean="0"/>
-              <a:t>2023-09-14</a:t>
+              <a:t>2023-10-27</a:t>
             </a:fld>
             <a:endParaRPr lang="ko-KR" altLang="en-US"/>
           </a:p>
@@ -4102,7 +4049,7 @@
           <a:p>
             <a:fld id="{5143E54F-8ACC-4DA1-BB0C-0330AB3541F0}" type="datetimeFigureOut">
               <a:rPr lang="ko-KR" altLang="en-US" smtClean="0"/>
-              <a:t>2023-09-14</a:t>
+              <a:t>2023-10-27</a:t>
             </a:fld>
             <a:endParaRPr lang="ko-KR" altLang="en-US"/>
           </a:p>
@@ -4329,7 +4276,7 @@
           <a:p>
             <a:fld id="{5143E54F-8ACC-4DA1-BB0C-0330AB3541F0}" type="datetimeFigureOut">
               <a:rPr lang="ko-KR" altLang="en-US" smtClean="0"/>
-              <a:t>2023-09-14</a:t>
+              <a:t>2023-10-27</a:t>
             </a:fld>
             <a:endParaRPr lang="ko-KR" altLang="en-US"/>
           </a:p>
@@ -4860,7 +4807,7 @@
           <a:p>
             <a:fld id="{5143E54F-8ACC-4DA1-BB0C-0330AB3541F0}" type="datetimeFigureOut">
               <a:rPr lang="ko-KR" altLang="en-US" smtClean="0"/>
-              <a:t>2023-09-14</a:t>
+              <a:t>2023-10-27</a:t>
             </a:fld>
             <a:endParaRPr lang="ko-KR" altLang="en-US"/>
           </a:p>
@@ -5356,7 +5303,7 @@
           <a:p>
             <a:fld id="{5143E54F-8ACC-4DA1-BB0C-0330AB3541F0}" type="datetimeFigureOut">
               <a:rPr lang="ko-KR" altLang="en-US" smtClean="0"/>
-              <a:t>2023-09-14</a:t>
+              <a:t>2023-10-27</a:t>
             </a:fld>
             <a:endParaRPr lang="ko-KR" altLang="en-US"/>
           </a:p>
@@ -5689,7 +5636,7 @@
           <a:p>
             <a:fld id="{5143E54F-8ACC-4DA1-BB0C-0330AB3541F0}" type="datetimeFigureOut">
               <a:rPr lang="ko-KR" altLang="en-US" smtClean="0"/>
-              <a:t>2023-09-14</a:t>
+              <a:t>2023-10-27</a:t>
             </a:fld>
             <a:endParaRPr lang="ko-KR" altLang="en-US"/>
           </a:p>
@@ -6078,7 +6025,7 @@
           <a:p>
             <a:fld id="{5143E54F-8ACC-4DA1-BB0C-0330AB3541F0}" type="datetimeFigureOut">
               <a:rPr lang="ko-KR" altLang="en-US" smtClean="0"/>
-              <a:t>2023-09-14</a:t>
+              <a:t>2023-10-27</a:t>
             </a:fld>
             <a:endParaRPr lang="ko-KR" altLang="en-US"/>
           </a:p>
@@ -6302,7 +6249,7 @@
           <a:p>
             <a:fld id="{5143E54F-8ACC-4DA1-BB0C-0330AB3541F0}" type="datetimeFigureOut">
               <a:rPr lang="ko-KR" altLang="en-US" smtClean="0"/>
-              <a:t>2023-09-14</a:t>
+              <a:t>2023-10-27</a:t>
             </a:fld>
             <a:endParaRPr lang="ko-KR" altLang="en-US"/>
           </a:p>
@@ -6661,7 +6608,7 @@
           <a:p>
             <a:fld id="{5143E54F-8ACC-4DA1-BB0C-0330AB3541F0}" type="datetimeFigureOut">
               <a:rPr lang="ko-KR" altLang="en-US" smtClean="0"/>
-              <a:t>2023-09-14</a:t>
+              <a:t>2023-10-27</a:t>
             </a:fld>
             <a:endParaRPr lang="ko-KR" altLang="en-US"/>
           </a:p>
@@ -7072,7 +7019,7 @@
           <a:p>
             <a:fld id="{5143E54F-8ACC-4DA1-BB0C-0330AB3541F0}" type="datetimeFigureOut">
               <a:rPr lang="ko-KR" altLang="en-US" smtClean="0"/>
-              <a:t>2023-09-14</a:t>
+              <a:t>2023-10-27</a:t>
             </a:fld>
             <a:endParaRPr lang="ko-KR" altLang="en-US"/>
           </a:p>
@@ -7621,10 +7568,6 @@
               <a:rPr lang="ko-KR" altLang="en-US" dirty="0"/>
               <a:t>홈페이지</a:t>
             </a:r>
-            <a:r>
-              <a:rPr lang="en-US" altLang="ko-KR" dirty="0"/>
-              <a:t/>
-            </a:r>
             <a:br>
               <a:rPr lang="en-US" altLang="ko-KR" dirty="0"/>
             </a:br>
@@ -7642,13 +7585,6 @@
   <p:clrMapOvr>
     <a:masterClrMapping/>
   </p:clrMapOvr>
-  <p:timing>
-    <p:tnLst>
-      <p:par>
-        <p:cTn id="1" dur="indefinite" restart="never" nodeType="tmRoot"/>
-      </p:par>
-    </p:tnLst>
-  </p:timing>
 </p:sld>
 </file>
 
@@ -7769,10 +7705,6 @@
             <a:r>
               <a:rPr lang="ko-KR" altLang="en-US" dirty="0"/>
               <a:t>보안기능 익히기</a:t>
-            </a:r>
-            <a:r>
-              <a:rPr lang="en-US" altLang="ko-KR" dirty="0"/>
-              <a:t/>
             </a:r>
             <a:br>
               <a:rPr lang="en-US" altLang="ko-KR" dirty="0"/>
@@ -7984,13 +7916,6 @@
   <p:clrMapOvr>
     <a:masterClrMapping/>
   </p:clrMapOvr>
-  <p:timing>
-    <p:tnLst>
-      <p:par>
-        <p:cTn id="1" dur="indefinite" restart="never" nodeType="tmRoot"/>
-      </p:par>
-    </p:tnLst>
-  </p:timing>
 </p:sld>
 </file>
 
@@ -8094,13 +8019,6 @@
   <p:clrMapOvr>
     <a:masterClrMapping/>
   </p:clrMapOvr>
-  <p:timing>
-    <p:tnLst>
-      <p:par>
-        <p:cTn id="1" dur="indefinite" restart="never" nodeType="tmRoot"/>
-      </p:par>
-    </p:tnLst>
-  </p:timing>
 </p:sld>
 </file>
 
@@ -8224,13 +8142,6 @@
   <p:clrMapOvr>
     <a:masterClrMapping/>
   </p:clrMapOvr>
-  <p:timing>
-    <p:tnLst>
-      <p:par>
-        <p:cTn id="1" dur="indefinite" restart="never" nodeType="tmRoot"/>
-      </p:par>
-    </p:tnLst>
-  </p:timing>
 </p:sld>
 </file>
 
@@ -8267,10 +8178,9 @@
           <a:lstStyle/>
           <a:p>
             <a:r>
-              <a:rPr lang="ko-KR" altLang="en-US" dirty="0" smtClean="0"/>
+              <a:rPr lang="ko-KR" altLang="en-US" dirty="0"/>
               <a:t>기능</a:t>
             </a:r>
-            <a:endParaRPr lang="ko-KR" altLang="en-US" dirty="0"/>
           </a:p>
         </p:txBody>
       </p:sp>
@@ -8286,68 +8196,107 @@
         </p:nvSpPr>
         <p:spPr/>
         <p:txBody>
-          <a:bodyPr/>
+          <a:bodyPr>
+            <a:normAutofit lnSpcReduction="10000"/>
+          </a:bodyPr>
           <a:lstStyle/>
           <a:p>
             <a:r>
-              <a:rPr lang="ko-KR" altLang="en-US" dirty="0" smtClean="0"/>
+              <a:rPr lang="ko-KR" altLang="en-US" dirty="0"/>
+              <a:t>커뮤니티</a:t>
+            </a:r>
+            <a:endParaRPr lang="en-US" altLang="ko-KR" dirty="0"/>
+          </a:p>
+          <a:p>
+            <a:pPr lvl="1"/>
+            <a:r>
+              <a:rPr lang="ko-KR" altLang="en-US" dirty="0"/>
               <a:t>게시판</a:t>
             </a:r>
-            <a:endParaRPr lang="en-US" altLang="ko-KR" dirty="0" smtClean="0"/>
+            <a:endParaRPr lang="en-US" altLang="ko-KR" dirty="0"/>
+          </a:p>
+          <a:p>
+            <a:pPr lvl="2"/>
+            <a:r>
+              <a:rPr lang="ko-KR" altLang="en-US" dirty="0" err="1"/>
+              <a:t>미리보기</a:t>
+            </a:r>
+            <a:r>
+              <a:rPr lang="ko-KR" altLang="en-US" dirty="0"/>
+              <a:t> 사진</a:t>
+            </a:r>
+            <a:endParaRPr lang="en-US" altLang="ko-KR" dirty="0"/>
+          </a:p>
+          <a:p>
+            <a:pPr lvl="2"/>
+            <a:r>
+              <a:rPr lang="ko-KR" altLang="en-US" dirty="0"/>
+              <a:t>사용자 정보 </a:t>
+            </a:r>
+            <a:r>
+              <a:rPr lang="en-US" altLang="ko-KR" dirty="0"/>
+              <a:t>validation &amp; </a:t>
+            </a:r>
+            <a:r>
+              <a:rPr lang="ko-KR" altLang="en-US" dirty="0"/>
+              <a:t>글 </a:t>
+            </a:r>
+            <a:r>
+              <a:rPr lang="en-US" altLang="ko-KR" dirty="0"/>
+              <a:t>CRUD</a:t>
+            </a:r>
+          </a:p>
+          <a:p>
+            <a:pPr lvl="2"/>
+            <a:r>
+              <a:rPr lang="ko-KR" altLang="en-US" dirty="0"/>
+              <a:t>동영상 업로드 및 사진 업로드</a:t>
+            </a:r>
+            <a:endParaRPr lang="en-US" altLang="ko-KR" dirty="0"/>
+          </a:p>
+          <a:p>
+            <a:pPr lvl="2"/>
+            <a:r>
+              <a:rPr lang="ko-KR" altLang="en-US" dirty="0"/>
+              <a:t>동영상 및 사진 다운로드</a:t>
+            </a:r>
+            <a:endParaRPr lang="en-US" altLang="ko-KR" dirty="0"/>
           </a:p>
           <a:p>
             <a:pPr lvl="1"/>
             <a:r>
-              <a:rPr lang="ko-KR" altLang="en-US" dirty="0" err="1" smtClean="0"/>
-              <a:t>미리보기</a:t>
-            </a:r>
-            <a:r>
-              <a:rPr lang="ko-KR" altLang="en-US" dirty="0" smtClean="0"/>
-              <a:t> 사진</a:t>
-            </a:r>
-            <a:endParaRPr lang="en-US" altLang="ko-KR" dirty="0" smtClean="0"/>
-          </a:p>
-          <a:p>
-            <a:pPr lvl="1"/>
-            <a:r>
-              <a:rPr lang="ko-KR" altLang="en-US" dirty="0" smtClean="0"/>
-              <a:t>사용자 정보 </a:t>
-            </a:r>
-            <a:r>
-              <a:rPr lang="en-US" altLang="ko-KR" dirty="0" smtClean="0"/>
-              <a:t>validation &amp; </a:t>
-            </a:r>
-            <a:r>
-              <a:rPr lang="ko-KR" altLang="en-US" dirty="0" smtClean="0"/>
-              <a:t>글 </a:t>
-            </a:r>
-            <a:r>
-              <a:rPr lang="en-US" altLang="ko-KR" dirty="0" smtClean="0"/>
-              <a:t>CRUD</a:t>
-            </a:r>
-          </a:p>
-          <a:p>
-            <a:pPr lvl="1"/>
-            <a:r>
-              <a:rPr lang="ko-KR" altLang="en-US" dirty="0" smtClean="0"/>
-              <a:t>동영상 업로드 및 사진 업로드</a:t>
-            </a:r>
-            <a:endParaRPr lang="en-US" altLang="ko-KR" dirty="0" smtClean="0"/>
-          </a:p>
-          <a:p>
-            <a:pPr lvl="1"/>
-            <a:r>
-              <a:rPr lang="ko-KR" altLang="en-US" dirty="0" smtClean="0"/>
-              <a:t>동영상 및 사진 다운로드</a:t>
+              <a:rPr lang="ko-KR" altLang="en-US" dirty="0"/>
+              <a:t>로그인</a:t>
             </a:r>
             <a:endParaRPr lang="en-US" altLang="ko-KR" dirty="0"/>
           </a:p>
           <a:p>
             <a:r>
-              <a:rPr lang="ko-KR" altLang="en-US" dirty="0" smtClean="0"/>
-              <a:t>로그인</a:t>
-            </a:r>
-            <a:endParaRPr lang="en-US" altLang="ko-KR" dirty="0" smtClean="0"/>
+              <a:rPr lang="ko-KR" altLang="en-US" dirty="0"/>
+              <a:t>목소리 녹음 및 재생</a:t>
+            </a:r>
+            <a:r>
+              <a:rPr lang="en-US" altLang="ko-KR" dirty="0"/>
+              <a:t>(30</a:t>
+            </a:r>
+            <a:r>
+              <a:rPr lang="ko-KR" altLang="en-US" dirty="0"/>
+              <a:t>초</a:t>
+            </a:r>
+            <a:r>
+              <a:rPr lang="en-US" altLang="ko-KR" dirty="0"/>
+              <a:t>)</a:t>
+            </a:r>
+          </a:p>
+          <a:p>
+            <a:r>
+              <a:rPr lang="ko-KR" altLang="en-US"/>
+              <a:t>자바스크립트 게임모음</a:t>
+            </a:r>
+            <a:endParaRPr lang="en-US" altLang="ko-KR" dirty="0"/>
+          </a:p>
+          <a:p>
+            <a:endParaRPr lang="en-US" altLang="ko-KR" dirty="0"/>
           </a:p>
         </p:txBody>
       </p:sp>
@@ -8361,13 +8310,6 @@
   <p:clrMapOvr>
     <a:masterClrMapping/>
   </p:clrMapOvr>
-  <p:timing>
-    <p:tnLst>
-      <p:par>
-        <p:cTn id="1" dur="indefinite" restart="never" nodeType="tmRoot"/>
-      </p:par>
-    </p:tnLst>
-  </p:timing>
 </p:sld>
 </file>
 
@@ -8435,10 +8377,9 @@
           <a:p>
             <a:pPr algn="l"/>
             <a:r>
-              <a:rPr lang="ko-KR" altLang="en-US" dirty="0" smtClean="0"/>
+              <a:rPr lang="ko-KR" altLang="en-US" dirty="0"/>
               <a:t>게시판</a:t>
             </a:r>
-            <a:endParaRPr lang="ko-KR" altLang="en-US" dirty="0"/>
           </a:p>
         </p:txBody>
       </p:sp>
@@ -8458,27 +8399,27 @@
           <a:lstStyle/>
           <a:p>
             <a:r>
-              <a:rPr lang="ko-KR" altLang="en-US" dirty="0" err="1" smtClean="0"/>
+              <a:rPr lang="ko-KR" altLang="en-US" dirty="0" err="1"/>
               <a:t>아카라이브와</a:t>
             </a:r>
             <a:r>
-              <a:rPr lang="ko-KR" altLang="en-US" dirty="0" smtClean="0"/>
+              <a:rPr lang="ko-KR" altLang="en-US" dirty="0"/>
               <a:t> 비슷한 </a:t>
             </a:r>
             <a:r>
-              <a:rPr lang="en-US" altLang="ko-KR" dirty="0" err="1" smtClean="0"/>
+              <a:rPr lang="en-US" altLang="ko-KR" dirty="0" err="1"/>
               <a:t>ui</a:t>
             </a:r>
             <a:r>
-              <a:rPr lang="en-US" altLang="ko-KR" dirty="0" smtClean="0"/>
+              <a:rPr lang="en-US" altLang="ko-KR" dirty="0"/>
               <a:t> </a:t>
             </a:r>
             <a:r>
-              <a:rPr lang="ko-KR" altLang="en-US" dirty="0" smtClean="0"/>
+              <a:rPr lang="ko-KR" altLang="en-US" dirty="0"/>
               <a:t>구현</a:t>
             </a:r>
             <a:r>
-              <a:rPr lang="en-US" altLang="ko-KR" dirty="0" smtClean="0"/>
+              <a:rPr lang="en-US" altLang="ko-KR" dirty="0"/>
               <a:t>.</a:t>
             </a:r>
           </a:p>
@@ -8486,32 +8427,28 @@
             <a:endParaRPr lang="en-US" altLang="ko-KR" dirty="0"/>
           </a:p>
           <a:p>
-            <a:endParaRPr lang="en-US" altLang="ko-KR" dirty="0" smtClean="0"/>
-          </a:p>
-          <a:p>
-            <a:endParaRPr lang="en-US" altLang="ko-KR" dirty="0" smtClean="0"/>
-          </a:p>
-          <a:p>
-            <a:r>
-              <a:rPr lang="ko-KR" altLang="en-US" dirty="0" smtClean="0"/>
+            <a:endParaRPr lang="en-US" altLang="ko-KR" dirty="0"/>
+          </a:p>
+          <a:p>
+            <a:endParaRPr lang="en-US" altLang="ko-KR" dirty="0"/>
+          </a:p>
+          <a:p>
+            <a:r>
+              <a:rPr lang="ko-KR" altLang="en-US" dirty="0"/>
               <a:t>조회수 및 추천수 기능은</a:t>
             </a:r>
-            <a:r>
-              <a:rPr lang="en-US" altLang="ko-KR" dirty="0" smtClean="0"/>
-              <a:t/>
-            </a:r>
             <a:br>
-              <a:rPr lang="en-US" altLang="ko-KR" dirty="0" smtClean="0"/>
+              <a:rPr lang="en-US" altLang="ko-KR" dirty="0"/>
             </a:br>
             <a:r>
-              <a:rPr lang="en-US" altLang="ko-KR" dirty="0" smtClean="0"/>
+              <a:rPr lang="en-US" altLang="ko-KR" dirty="0"/>
               <a:t> </a:t>
             </a:r>
             <a:r>
-              <a:rPr lang="ko-KR" altLang="en-US" dirty="0" smtClean="0"/>
+              <a:rPr lang="ko-KR" altLang="en-US" dirty="0"/>
               <a:t>추후에 추가하자</a:t>
             </a:r>
-            <a:endParaRPr lang="en-US" altLang="ko-KR" dirty="0" smtClean="0"/>
+            <a:endParaRPr lang="en-US" altLang="ko-KR" dirty="0"/>
           </a:p>
         </p:txBody>
       </p:sp>
@@ -8552,15 +8489,15 @@
           <a:p>
             <a:pPr algn="ctr"/>
             <a:r>
-              <a:rPr lang="en-US" altLang="ko-KR" dirty="0" smtClean="0"/>
+              <a:rPr lang="en-US" altLang="ko-KR" dirty="0"/>
               <a:t>Writer(</a:t>
             </a:r>
             <a:r>
-              <a:rPr lang="ko-KR" altLang="en-US" dirty="0" smtClean="0"/>
+              <a:rPr lang="ko-KR" altLang="en-US" dirty="0"/>
               <a:t>닉네임</a:t>
             </a:r>
             <a:r>
-              <a:rPr lang="en-US" altLang="ko-KR" dirty="0" smtClean="0"/>
+              <a:rPr lang="en-US" altLang="ko-KR" dirty="0"/>
               <a:t>)</a:t>
             </a:r>
             <a:endParaRPr lang="ko-KR" altLang="en-US" dirty="0"/>
@@ -8604,10 +8541,9 @@
           <a:p>
             <a:pPr algn="ctr"/>
             <a:r>
-              <a:rPr lang="ko-KR" altLang="en-US" dirty="0" smtClean="0"/>
+              <a:rPr lang="ko-KR" altLang="en-US" dirty="0"/>
               <a:t>등록일자</a:t>
             </a:r>
-            <a:endParaRPr lang="ko-KR" altLang="en-US" dirty="0"/>
           </a:p>
         </p:txBody>
       </p:sp>
@@ -8648,10 +8584,9 @@
           <a:p>
             <a:pPr algn="ctr"/>
             <a:r>
-              <a:rPr lang="ko-KR" altLang="en-US" dirty="0" smtClean="0"/>
+              <a:rPr lang="ko-KR" altLang="en-US" dirty="0"/>
               <a:t>조회수 및 추천수</a:t>
             </a:r>
-            <a:endParaRPr lang="ko-KR" altLang="en-US" dirty="0"/>
           </a:p>
         </p:txBody>
       </p:sp>
@@ -8665,13 +8600,6 @@
   <p:clrMapOvr>
     <a:masterClrMapping/>
   </p:clrMapOvr>
-  <p:timing>
-    <p:tnLst>
-      <p:par>
-        <p:cTn id="1" dur="indefinite" restart="never" nodeType="tmRoot"/>
-      </p:par>
-    </p:tnLst>
-  </p:timing>
 </p:sld>
 </file>
 
@@ -8709,10 +8637,9 @@
           <a:p>
             <a:pPr algn="l"/>
             <a:r>
-              <a:rPr lang="ko-KR" altLang="en-US" dirty="0" smtClean="0"/>
+              <a:rPr lang="ko-KR" altLang="en-US" dirty="0"/>
               <a:t>게시판</a:t>
             </a:r>
-            <a:endParaRPr lang="ko-KR" altLang="en-US" dirty="0"/>
           </a:p>
         </p:txBody>
       </p:sp>
@@ -8732,85 +8659,81 @@
           <a:lstStyle/>
           <a:p>
             <a:r>
-              <a:rPr lang="ko-KR" altLang="en-US" dirty="0" err="1" smtClean="0"/>
+              <a:rPr lang="ko-KR" altLang="en-US" dirty="0" err="1"/>
               <a:t>커멘트기능</a:t>
             </a:r>
-            <a:endParaRPr lang="en-US" altLang="ko-KR" dirty="0" smtClean="0"/>
+            <a:endParaRPr lang="en-US" altLang="ko-KR" dirty="0"/>
           </a:p>
           <a:p>
             <a:pPr lvl="1"/>
             <a:r>
-              <a:rPr lang="ko-KR" altLang="en-US" dirty="0" smtClean="0"/>
+              <a:rPr lang="ko-KR" altLang="en-US" dirty="0"/>
               <a:t>비동기로 매번 새로 가져오지 않고 실시간 </a:t>
             </a:r>
             <a:r>
-              <a:rPr lang="ko-KR" altLang="en-US" dirty="0" err="1" smtClean="0"/>
+              <a:rPr lang="ko-KR" altLang="en-US" dirty="0" err="1"/>
               <a:t>요청시에만</a:t>
             </a:r>
             <a:r>
-              <a:rPr lang="ko-KR" altLang="en-US" dirty="0" smtClean="0"/>
+              <a:rPr lang="ko-KR" altLang="en-US" dirty="0"/>
               <a:t> 로드</a:t>
             </a:r>
             <a:r>
               <a:rPr lang="en-US" altLang="ko-KR" dirty="0"/>
-              <a:t> </a:t>
-            </a:r>
-            <a:r>
-              <a:rPr lang="en-US" altLang="ko-KR" dirty="0" smtClean="0"/>
-              <a:t>=&gt; </a:t>
-            </a:r>
-            <a:r>
-              <a:rPr lang="ko-KR" altLang="en-US" dirty="0" smtClean="0"/>
+              <a:t> =&gt; </a:t>
+            </a:r>
+            <a:r>
+              <a:rPr lang="ko-KR" altLang="en-US" dirty="0"/>
               <a:t>트랜잭션 줄임</a:t>
             </a:r>
-            <a:endParaRPr lang="en-US" altLang="ko-KR" dirty="0" smtClean="0"/>
-          </a:p>
-          <a:p>
             <a:endParaRPr lang="en-US" altLang="ko-KR" dirty="0"/>
           </a:p>
           <a:p>
-            <a:endParaRPr lang="en-US" altLang="ko-KR" dirty="0" smtClean="0"/>
+            <a:endParaRPr lang="en-US" altLang="ko-KR" dirty="0"/>
+          </a:p>
+          <a:p>
+            <a:endParaRPr lang="en-US" altLang="ko-KR" dirty="0"/>
           </a:p>
           <a:p>
             <a:pPr lvl="1"/>
-            <a:endParaRPr lang="en-US" altLang="ko-KR" dirty="0" smtClean="0"/>
+            <a:endParaRPr lang="en-US" altLang="ko-KR" dirty="0"/>
           </a:p>
           <a:p>
             <a:pPr lvl="1"/>
             <a:r>
-              <a:rPr lang="ko-KR" altLang="en-US" dirty="0" err="1" smtClean="0"/>
+              <a:rPr lang="ko-KR" altLang="en-US" dirty="0" err="1"/>
               <a:t>수정일자</a:t>
             </a:r>
             <a:r>
-              <a:rPr lang="en-US" altLang="ko-KR" dirty="0" smtClean="0"/>
+              <a:rPr lang="en-US" altLang="ko-KR" dirty="0"/>
               <a:t>, </a:t>
             </a:r>
             <a:r>
-              <a:rPr lang="ko-KR" altLang="en-US" dirty="0" smtClean="0"/>
+              <a:rPr lang="ko-KR" altLang="en-US" dirty="0"/>
               <a:t>신고</a:t>
             </a:r>
             <a:r>
-              <a:rPr lang="en-US" altLang="ko-KR" dirty="0" smtClean="0"/>
+              <a:rPr lang="en-US" altLang="ko-KR" dirty="0"/>
               <a:t>, </a:t>
             </a:r>
             <a:r>
-              <a:rPr lang="ko-KR" altLang="en-US" dirty="0" smtClean="0"/>
+              <a:rPr lang="ko-KR" altLang="en-US" dirty="0"/>
               <a:t>답글 구분은 </a:t>
             </a:r>
             <a:r>
-              <a:rPr lang="en-US" altLang="ko-KR" dirty="0" smtClean="0"/>
+              <a:rPr lang="en-US" altLang="ko-KR" dirty="0"/>
               <a:t>::before </a:t>
             </a:r>
             <a:r>
-              <a:rPr lang="en-US" altLang="ko-KR" dirty="0" err="1" smtClean="0"/>
+              <a:rPr lang="en-US" altLang="ko-KR" dirty="0" err="1"/>
               <a:t>css</a:t>
             </a:r>
             <a:r>
-              <a:rPr lang="ko-KR" altLang="en-US" dirty="0" smtClean="0"/>
+              <a:rPr lang="ko-KR" altLang="en-US" dirty="0"/>
               <a:t>활용</a:t>
             </a:r>
             <a:r>
-              <a:rPr lang="en-US" altLang="ko-KR" smtClean="0"/>
+              <a:rPr lang="en-US" altLang="ko-KR"/>
               <a:t>!</a:t>
             </a:r>
             <a:endParaRPr lang="ko-KR" altLang="en-US" dirty="0"/>
@@ -8895,10 +8818,9 @@
                     <a:p>
                       <a:pPr algn="l" latinLnBrk="1"/>
                       <a:r>
-                        <a:rPr lang="ko-KR" altLang="en-US" dirty="0" smtClean="0"/>
+                        <a:rPr lang="ko-KR" altLang="en-US" dirty="0"/>
                         <a:t>이름</a:t>
                       </a:r>
-                      <a:endParaRPr lang="ko-KR" altLang="en-US" dirty="0"/>
                     </a:p>
                   </a:txBody>
                   <a:tcPr/>
@@ -8910,7 +8832,7 @@
                     <a:p>
                       <a:pPr algn="r" latinLnBrk="1"/>
                       <a:r>
-                        <a:rPr lang="ko-KR" altLang="en-US" dirty="0" err="1" smtClean="0"/>
+                        <a:rPr lang="ko-KR" altLang="en-US" dirty="0" err="1"/>
                         <a:t>수정일자</a:t>
                       </a:r>
                       <a:endParaRPr lang="ko-KR" altLang="en-US" dirty="0"/>
@@ -8932,10 +8854,9 @@
                     <a:p>
                       <a:pPr algn="ctr" latinLnBrk="1"/>
                       <a:r>
-                        <a:rPr lang="ko-KR" altLang="en-US" dirty="0" smtClean="0"/>
+                        <a:rPr lang="ko-KR" altLang="en-US" dirty="0"/>
                         <a:t>코멘트</a:t>
                       </a:r>
-                      <a:endParaRPr lang="ko-KR" altLang="en-US" dirty="0"/>
                     </a:p>
                   </a:txBody>
                   <a:tcPr/>
@@ -8971,13 +8892,6 @@
   <p:clrMapOvr>
     <a:masterClrMapping/>
   </p:clrMapOvr>
-  <p:timing>
-    <p:tnLst>
-      <p:par>
-        <p:cTn id="1" dur="indefinite" restart="never" nodeType="tmRoot"/>
-      </p:par>
-    </p:tnLst>
-  </p:timing>
 </p:sld>
 </file>
 

--- a/홈페이지를 만들어보자.pptx
+++ b/홈페이지를 만들어보자.pptx
@@ -13,6 +13,7 @@
     <p:sldId id="261" r:id="rId7"/>
     <p:sldId id="263" r:id="rId8"/>
     <p:sldId id="264" r:id="rId9"/>
+    <p:sldId id="265" r:id="rId10"/>
   </p:sldIdLst>
   <p:sldSz cx="12192000" cy="6858000"/>
   <p:notesSz cx="6858000" cy="9144000"/>
@@ -124,6 +125,7 @@
             <p14:sldId id="261"/>
             <p14:sldId id="263"/>
             <p14:sldId id="264"/>
+            <p14:sldId id="265"/>
           </p14:sldIdLst>
         </p14:section>
       </p14:sectionLst>
@@ -906,10 +908,10 @@
         <a:p>
           <a:pPr latinLnBrk="1"/>
           <a:r>
-            <a:rPr lang="en-US" altLang="ko-KR" dirty="0"/>
+            <a:rPr lang="en-US" altLang="ko-KR"/>
             <a:t>forum</a:t>
           </a:r>
-          <a:endParaRPr lang="ko-KR" altLang="en-US" dirty="0"/>
+          <a:endParaRPr lang="ko-KR" altLang="en-US"/>
         </a:p>
       </dgm:t>
     </dgm:pt>
@@ -946,10 +948,10 @@
         <a:p>
           <a:pPr latinLnBrk="1"/>
           <a:r>
-            <a:rPr lang="en-US" altLang="ko-KR" dirty="0"/>
+            <a:rPr lang="en-US" altLang="ko-KR"/>
             <a:t>Site</a:t>
           </a:r>
-          <a:endParaRPr lang="ko-KR" altLang="en-US" dirty="0"/>
+          <a:endParaRPr lang="ko-KR" altLang="en-US"/>
         </a:p>
       </dgm:t>
     </dgm:pt>
@@ -986,10 +988,10 @@
         <a:p>
           <a:pPr latinLnBrk="1"/>
           <a:r>
-            <a:rPr lang="en-US" altLang="ko-KR" dirty="0"/>
+            <a:rPr lang="en-US" altLang="ko-KR"/>
             <a:t>main</a:t>
           </a:r>
-          <a:endParaRPr lang="ko-KR" altLang="en-US" dirty="0"/>
+          <a:endParaRPr lang="ko-KR" altLang="en-US"/>
         </a:p>
       </dgm:t>
     </dgm:pt>
@@ -1026,10 +1028,10 @@
         <a:p>
           <a:pPr latinLnBrk="1"/>
           <a:r>
-            <a:rPr lang="en-US" altLang="ko-KR" dirty="0" err="1"/>
+            <a:rPr lang="en-US" altLang="ko-KR" err="1"/>
             <a:t>Sain</a:t>
           </a:r>
-          <a:endParaRPr lang="ko-KR" altLang="en-US" dirty="0"/>
+          <a:endParaRPr lang="ko-KR" altLang="en-US"/>
         </a:p>
       </dgm:t>
     </dgm:pt>
@@ -1066,10 +1068,10 @@
         <a:p>
           <a:pPr latinLnBrk="1"/>
           <a:r>
-            <a:rPr lang="en-US" altLang="ko-KR" dirty="0"/>
+            <a:rPr lang="en-US" altLang="ko-KR"/>
             <a:t>Lore</a:t>
           </a:r>
-          <a:endParaRPr lang="ko-KR" altLang="en-US" dirty="0"/>
+          <a:endParaRPr lang="ko-KR" altLang="en-US"/>
         </a:p>
       </dgm:t>
     </dgm:pt>
@@ -1266,10 +1268,10 @@
             <a:buNone/>
           </a:pPr>
           <a:r>
-            <a:rPr lang="en-US" altLang="ko-KR" sz="6500" kern="1200" dirty="0"/>
+            <a:rPr lang="en-US" altLang="ko-KR" sz="6500" kern="1200"/>
             <a:t>forum</a:t>
           </a:r>
-          <a:endParaRPr lang="ko-KR" altLang="en-US" sz="6500" kern="1200" dirty="0"/>
+          <a:endParaRPr lang="ko-KR" altLang="en-US" sz="6500" kern="1200"/>
         </a:p>
       </dsp:txBody>
       <dsp:txXfrm>
@@ -1403,10 +1405,10 @@
             <a:buNone/>
           </a:pPr>
           <a:r>
-            <a:rPr lang="en-US" altLang="ko-KR" sz="3800" kern="1200" dirty="0"/>
+            <a:rPr lang="en-US" altLang="ko-KR" sz="3800" kern="1200"/>
             <a:t>Site</a:t>
           </a:r>
-          <a:endParaRPr lang="ko-KR" altLang="en-US" sz="3800" kern="1200" dirty="0"/>
+          <a:endParaRPr lang="ko-KR" altLang="en-US" sz="3800" kern="1200"/>
         </a:p>
         <a:p>
           <a:pPr marL="285750" lvl="1" indent="-285750" algn="l" defTabSz="1333500" latinLnBrk="1">
@@ -1422,10 +1424,10 @@
             <a:buChar char="•"/>
           </a:pPr>
           <a:r>
-            <a:rPr lang="en-US" altLang="ko-KR" sz="3000" kern="1200" dirty="0"/>
+            <a:rPr lang="en-US" altLang="ko-KR" sz="3000" kern="1200"/>
             <a:t>main</a:t>
           </a:r>
-          <a:endParaRPr lang="ko-KR" altLang="en-US" sz="3000" kern="1200" dirty="0"/>
+          <a:endParaRPr lang="ko-KR" altLang="en-US" sz="3000" kern="1200"/>
         </a:p>
       </dsp:txBody>
       <dsp:txXfrm>
@@ -1559,10 +1561,10 @@
             <a:buNone/>
           </a:pPr>
           <a:r>
-            <a:rPr lang="en-US" altLang="ko-KR" sz="3800" kern="1200" dirty="0" err="1"/>
+            <a:rPr lang="en-US" altLang="ko-KR" sz="3800" kern="1200" err="1"/>
             <a:t>Sain</a:t>
           </a:r>
-          <a:endParaRPr lang="ko-KR" altLang="en-US" sz="3800" kern="1200" dirty="0"/>
+          <a:endParaRPr lang="ko-KR" altLang="en-US" sz="3800" kern="1200"/>
         </a:p>
         <a:p>
           <a:pPr marL="285750" lvl="1" indent="-285750" algn="l" defTabSz="1333500" latinLnBrk="1">
@@ -1578,10 +1580,10 @@
             <a:buChar char="•"/>
           </a:pPr>
           <a:r>
-            <a:rPr lang="en-US" altLang="ko-KR" sz="3000" kern="1200" dirty="0"/>
+            <a:rPr lang="en-US" altLang="ko-KR" sz="3000" kern="1200"/>
             <a:t>Lore</a:t>
           </a:r>
-          <a:endParaRPr lang="ko-KR" altLang="en-US" sz="3000" kern="1200" dirty="0"/>
+          <a:endParaRPr lang="ko-KR" altLang="en-US" sz="3000" kern="1200"/>
         </a:p>
       </dsp:txBody>
       <dsp:txXfrm>
@@ -3326,7 +3328,7 @@
           <a:p>
             <a:fld id="{5143E54F-8ACC-4DA1-BB0C-0330AB3541F0}" type="datetimeFigureOut">
               <a:rPr lang="ko-KR" altLang="en-US" smtClean="0"/>
-              <a:t>2023-10-27</a:t>
+              <a:t>2023-12-23</a:t>
             </a:fld>
             <a:endParaRPr lang="ko-KR" altLang="en-US"/>
           </a:p>
@@ -3501,7 +3503,7 @@
           <a:p>
             <a:fld id="{5143E54F-8ACC-4DA1-BB0C-0330AB3541F0}" type="datetimeFigureOut">
               <a:rPr lang="ko-KR" altLang="en-US" smtClean="0"/>
-              <a:t>2023-10-27</a:t>
+              <a:t>2023-12-23</a:t>
             </a:fld>
             <a:endParaRPr lang="ko-KR" altLang="en-US"/>
           </a:p>
@@ -3879,7 +3881,7 @@
           <a:p>
             <a:fld id="{5143E54F-8ACC-4DA1-BB0C-0330AB3541F0}" type="datetimeFigureOut">
               <a:rPr lang="ko-KR" altLang="en-US" smtClean="0"/>
-              <a:t>2023-10-27</a:t>
+              <a:t>2023-12-23</a:t>
             </a:fld>
             <a:endParaRPr lang="ko-KR" altLang="en-US"/>
           </a:p>
@@ -4049,7 +4051,7 @@
           <a:p>
             <a:fld id="{5143E54F-8ACC-4DA1-BB0C-0330AB3541F0}" type="datetimeFigureOut">
               <a:rPr lang="ko-KR" altLang="en-US" smtClean="0"/>
-              <a:t>2023-10-27</a:t>
+              <a:t>2023-12-23</a:t>
             </a:fld>
             <a:endParaRPr lang="ko-KR" altLang="en-US"/>
           </a:p>
@@ -4276,7 +4278,7 @@
           <a:p>
             <a:fld id="{5143E54F-8ACC-4DA1-BB0C-0330AB3541F0}" type="datetimeFigureOut">
               <a:rPr lang="ko-KR" altLang="en-US" smtClean="0"/>
-              <a:t>2023-10-27</a:t>
+              <a:t>2023-12-23</a:t>
             </a:fld>
             <a:endParaRPr lang="ko-KR" altLang="en-US"/>
           </a:p>
@@ -4807,7 +4809,7 @@
           <a:p>
             <a:fld id="{5143E54F-8ACC-4DA1-BB0C-0330AB3541F0}" type="datetimeFigureOut">
               <a:rPr lang="ko-KR" altLang="en-US" smtClean="0"/>
-              <a:t>2023-10-27</a:t>
+              <a:t>2023-12-23</a:t>
             </a:fld>
             <a:endParaRPr lang="ko-KR" altLang="en-US"/>
           </a:p>
@@ -5303,7 +5305,7 @@
           <a:p>
             <a:fld id="{5143E54F-8ACC-4DA1-BB0C-0330AB3541F0}" type="datetimeFigureOut">
               <a:rPr lang="ko-KR" altLang="en-US" smtClean="0"/>
-              <a:t>2023-10-27</a:t>
+              <a:t>2023-12-23</a:t>
             </a:fld>
             <a:endParaRPr lang="ko-KR" altLang="en-US"/>
           </a:p>
@@ -5636,7 +5638,7 @@
           <a:p>
             <a:fld id="{5143E54F-8ACC-4DA1-BB0C-0330AB3541F0}" type="datetimeFigureOut">
               <a:rPr lang="ko-KR" altLang="en-US" smtClean="0"/>
-              <a:t>2023-10-27</a:t>
+              <a:t>2023-12-23</a:t>
             </a:fld>
             <a:endParaRPr lang="ko-KR" altLang="en-US"/>
           </a:p>
@@ -6025,7 +6027,7 @@
           <a:p>
             <a:fld id="{5143E54F-8ACC-4DA1-BB0C-0330AB3541F0}" type="datetimeFigureOut">
               <a:rPr lang="ko-KR" altLang="en-US" smtClean="0"/>
-              <a:t>2023-10-27</a:t>
+              <a:t>2023-12-23</a:t>
             </a:fld>
             <a:endParaRPr lang="ko-KR" altLang="en-US"/>
           </a:p>
@@ -6249,7 +6251,7 @@
           <a:p>
             <a:fld id="{5143E54F-8ACC-4DA1-BB0C-0330AB3541F0}" type="datetimeFigureOut">
               <a:rPr lang="ko-KR" altLang="en-US" smtClean="0"/>
-              <a:t>2023-10-27</a:t>
+              <a:t>2023-12-23</a:t>
             </a:fld>
             <a:endParaRPr lang="ko-KR" altLang="en-US"/>
           </a:p>
@@ -6608,7 +6610,7 @@
           <a:p>
             <a:fld id="{5143E54F-8ACC-4DA1-BB0C-0330AB3541F0}" type="datetimeFigureOut">
               <a:rPr lang="ko-KR" altLang="en-US" smtClean="0"/>
-              <a:t>2023-10-27</a:t>
+              <a:t>2023-12-23</a:t>
             </a:fld>
             <a:endParaRPr lang="ko-KR" altLang="en-US"/>
           </a:p>
@@ -7019,7 +7021,7 @@
           <a:p>
             <a:fld id="{5143E54F-8ACC-4DA1-BB0C-0330AB3541F0}" type="datetimeFigureOut">
               <a:rPr lang="ko-KR" altLang="en-US" smtClean="0"/>
-              <a:t>2023-10-27</a:t>
+              <a:t>2023-12-23</a:t>
             </a:fld>
             <a:endParaRPr lang="ko-KR" altLang="en-US"/>
           </a:p>
@@ -7502,38 +7504,38 @@
           <a:lstStyle/>
           <a:p>
             <a:r>
-              <a:rPr lang="ko-KR" altLang="en-US" dirty="0"/>
+              <a:rPr lang="ko-KR" altLang="en-US"/>
               <a:t>나만의 게임 홈페이지 만들기</a:t>
             </a:r>
             <a:r>
-              <a:rPr lang="en-US" altLang="ko-KR" dirty="0"/>
+              <a:rPr lang="en-US" altLang="ko-KR"/>
               <a:t>! +</a:t>
             </a:r>
             <a:r>
-              <a:rPr lang="ko-KR" altLang="en-US" dirty="0" err="1"/>
+              <a:rPr lang="ko-KR" altLang="en-US" err="1"/>
               <a:t>배포목표</a:t>
             </a:r>
             <a:r>
-              <a:rPr lang="en-US" altLang="ko-KR" dirty="0"/>
+              <a:rPr lang="en-US" altLang="ko-KR"/>
               <a:t>,</a:t>
             </a:r>
             <a:br>
-              <a:rPr lang="en-US" altLang="ko-KR" dirty="0"/>
+              <a:rPr lang="en-US" altLang="ko-KR"/>
             </a:br>
             <a:r>
-              <a:rPr lang="en-US" altLang="ko-KR" dirty="0"/>
+              <a:rPr lang="en-US" altLang="ko-KR"/>
               <a:t>-</a:t>
             </a:r>
             <a:r>
-              <a:rPr lang="ko-KR" altLang="en-US" dirty="0"/>
+              <a:rPr lang="ko-KR" altLang="en-US"/>
               <a:t>수정 </a:t>
             </a:r>
             <a:r>
-              <a:rPr lang="en-US" altLang="ko-KR" dirty="0"/>
+              <a:rPr lang="en-US" altLang="ko-KR"/>
               <a:t>23/7/31 : </a:t>
             </a:r>
             <a:r>
-              <a:rPr lang="ko-KR" altLang="en-US" dirty="0"/>
+              <a:rPr lang="ko-KR" altLang="en-US"/>
               <a:t>가계부 관리 사이트로</a:t>
             </a:r>
           </a:p>
@@ -7557,21 +7559,21 @@
           <a:lstStyle/>
           <a:p>
             <a:r>
-              <a:rPr lang="ko-KR" altLang="en-US" dirty="0"/>
+              <a:rPr lang="ko-KR" altLang="en-US"/>
               <a:t>게임소개</a:t>
             </a:r>
             <a:r>
-              <a:rPr lang="en-US" altLang="ko-KR" dirty="0"/>
+              <a:rPr lang="en-US" altLang="ko-KR"/>
               <a:t> </a:t>
             </a:r>
             <a:r>
-              <a:rPr lang="ko-KR" altLang="en-US" dirty="0"/>
+              <a:rPr lang="ko-KR" altLang="en-US"/>
               <a:t>홈페이지</a:t>
             </a:r>
             <a:br>
-              <a:rPr lang="en-US" altLang="ko-KR" dirty="0"/>
+              <a:rPr lang="en-US" altLang="ko-KR"/>
             </a:br>
-            <a:endParaRPr lang="ko-KR" altLang="en-US" dirty="0"/>
+            <a:endParaRPr lang="ko-KR" altLang="en-US"/>
           </a:p>
         </p:txBody>
       </p:sp>
@@ -7621,7 +7623,7 @@
           <a:lstStyle/>
           <a:p>
             <a:r>
-              <a:rPr lang="ko-KR" altLang="en-US" dirty="0"/>
+              <a:rPr lang="ko-KR" altLang="en-US"/>
               <a:t>프로젝트 의의</a:t>
             </a:r>
           </a:p>
@@ -7643,73 +7645,73 @@
           <a:lstStyle/>
           <a:p>
             <a:r>
-              <a:rPr lang="ko-KR" altLang="en-US" dirty="0"/>
+              <a:rPr lang="ko-KR" altLang="en-US"/>
               <a:t>스프링 부트 익히기</a:t>
             </a:r>
-            <a:endParaRPr lang="en-US" altLang="ko-KR" dirty="0"/>
-          </a:p>
-          <a:p>
-            <a:r>
-              <a:rPr lang="en-US" altLang="ko-KR" dirty="0"/>
+            <a:endParaRPr lang="en-US" altLang="ko-KR"/>
+          </a:p>
+          <a:p>
+            <a:r>
+              <a:rPr lang="en-US" altLang="ko-KR"/>
               <a:t>PostgreSQL </a:t>
             </a:r>
             <a:r>
-              <a:rPr lang="ko-KR" altLang="en-US" dirty="0"/>
+              <a:rPr lang="ko-KR" altLang="en-US"/>
               <a:t>익히기 </a:t>
             </a:r>
             <a:r>
-              <a:rPr lang="en-US" altLang="ko-KR" dirty="0"/>
+              <a:rPr lang="en-US" altLang="ko-KR"/>
               <a:t>+ </a:t>
             </a:r>
             <a:r>
-              <a:rPr lang="ko-KR" altLang="en-US" dirty="0"/>
+              <a:rPr lang="ko-KR" altLang="en-US"/>
               <a:t>연동</a:t>
             </a:r>
-            <a:endParaRPr lang="en-US" altLang="ko-KR" dirty="0"/>
-          </a:p>
-          <a:p>
-            <a:r>
-              <a:rPr lang="ko-KR" altLang="en-US" dirty="0"/>
+            <a:endParaRPr lang="en-US" altLang="ko-KR"/>
+          </a:p>
+          <a:p>
+            <a:r>
+              <a:rPr lang="ko-KR" altLang="en-US"/>
               <a:t>게시판 및 </a:t>
             </a:r>
             <a:r>
-              <a:rPr lang="ko-KR" altLang="en-US" dirty="0" err="1"/>
+              <a:rPr lang="ko-KR" altLang="en-US" err="1"/>
               <a:t>백엔드</a:t>
             </a:r>
             <a:r>
-              <a:rPr lang="ko-KR" altLang="en-US" dirty="0"/>
+              <a:rPr lang="ko-KR" altLang="en-US"/>
               <a:t> 개념 익히기</a:t>
             </a:r>
-            <a:endParaRPr lang="en-US" altLang="ko-KR" dirty="0"/>
-          </a:p>
-          <a:p>
-            <a:r>
-              <a:rPr lang="ko-KR" altLang="en-US" dirty="0" err="1"/>
+            <a:endParaRPr lang="en-US" altLang="ko-KR"/>
+          </a:p>
+          <a:p>
+            <a:r>
+              <a:rPr lang="ko-KR" altLang="en-US" err="1"/>
               <a:t>트렌잭션</a:t>
             </a:r>
             <a:r>
-              <a:rPr lang="ko-KR" altLang="en-US" dirty="0"/>
+              <a:rPr lang="ko-KR" altLang="en-US"/>
               <a:t> 제어 및 </a:t>
             </a:r>
             <a:r>
-              <a:rPr lang="en-US" altLang="ko-KR" dirty="0"/>
+              <a:rPr lang="en-US" altLang="ko-KR"/>
               <a:t>SSO</a:t>
             </a:r>
             <a:r>
-              <a:rPr lang="ko-KR" altLang="en-US" dirty="0"/>
+              <a:rPr lang="ko-KR" altLang="en-US"/>
               <a:t>기능 익히기</a:t>
             </a:r>
-            <a:endParaRPr lang="en-US" altLang="ko-KR" dirty="0"/>
-          </a:p>
-          <a:p>
-            <a:r>
-              <a:rPr lang="ko-KR" altLang="en-US" dirty="0"/>
+            <a:endParaRPr lang="en-US" altLang="ko-KR"/>
+          </a:p>
+          <a:p>
+            <a:r>
+              <a:rPr lang="ko-KR" altLang="en-US"/>
               <a:t>보안기능 익히기</a:t>
             </a:r>
             <a:br>
-              <a:rPr lang="en-US" altLang="ko-KR" dirty="0"/>
+              <a:rPr lang="en-US" altLang="ko-KR"/>
             </a:br>
-            <a:endParaRPr lang="ko-KR" altLang="en-US" dirty="0"/>
+            <a:endParaRPr lang="ko-KR" altLang="en-US"/>
           </a:p>
         </p:txBody>
       </p:sp>
@@ -7759,7 +7761,7 @@
           <a:lstStyle/>
           <a:p>
             <a:r>
-              <a:rPr lang="ko-KR" altLang="en-US" dirty="0"/>
+              <a:rPr lang="ko-KR" altLang="en-US"/>
               <a:t>프로젝트 소개</a:t>
             </a:r>
           </a:p>
@@ -7781,120 +7783,120 @@
           <a:lstStyle/>
           <a:p>
             <a:r>
-              <a:rPr lang="ko-KR" altLang="en-US" dirty="0"/>
+              <a:rPr lang="ko-KR" altLang="en-US"/>
               <a:t>분야 </a:t>
             </a:r>
             <a:r>
-              <a:rPr lang="en-US" altLang="ko-KR" dirty="0"/>
+              <a:rPr lang="en-US" altLang="ko-KR"/>
               <a:t>: </a:t>
             </a:r>
             <a:r>
-              <a:rPr lang="ko-KR" altLang="en-US" dirty="0"/>
+              <a:rPr lang="ko-KR" altLang="en-US"/>
               <a:t>위치정보저장게시판</a:t>
             </a:r>
-            <a:endParaRPr lang="en-US" altLang="ko-KR" dirty="0"/>
-          </a:p>
-          <a:p>
-            <a:r>
-              <a:rPr lang="ko-KR" altLang="en-US" dirty="0"/>
+            <a:endParaRPr lang="en-US" altLang="ko-KR"/>
+          </a:p>
+          <a:p>
+            <a:r>
+              <a:rPr lang="ko-KR" altLang="en-US"/>
               <a:t>기능 </a:t>
             </a:r>
             <a:r>
-              <a:rPr lang="en-US" altLang="ko-KR" dirty="0"/>
+              <a:rPr lang="en-US" altLang="ko-KR"/>
               <a:t>: </a:t>
             </a:r>
             <a:r>
-              <a:rPr lang="ko-KR" altLang="en-US" dirty="0"/>
+              <a:rPr lang="ko-KR" altLang="en-US"/>
               <a:t>일정 소개</a:t>
             </a:r>
             <a:r>
-              <a:rPr lang="en-US" altLang="ko-KR" dirty="0"/>
+              <a:rPr lang="en-US" altLang="ko-KR"/>
               <a:t>, </a:t>
             </a:r>
             <a:r>
-              <a:rPr lang="ko-KR" altLang="en-US" dirty="0"/>
+              <a:rPr lang="ko-KR" altLang="en-US"/>
               <a:t>게시판</a:t>
             </a:r>
             <a:r>
-              <a:rPr lang="en-US" altLang="ko-KR" dirty="0"/>
+              <a:rPr lang="en-US" altLang="ko-KR"/>
               <a:t>(</a:t>
             </a:r>
             <a:r>
-              <a:rPr lang="ko-KR" altLang="en-US" dirty="0"/>
+              <a:rPr lang="ko-KR" altLang="en-US"/>
               <a:t>사진</a:t>
             </a:r>
             <a:r>
-              <a:rPr lang="en-US" altLang="ko-KR" dirty="0"/>
+              <a:rPr lang="en-US" altLang="ko-KR"/>
               <a:t>), </a:t>
             </a:r>
             <a:r>
-              <a:rPr lang="ko-KR" altLang="en-US" dirty="0"/>
+              <a:rPr lang="ko-KR" altLang="en-US"/>
               <a:t>메모저장 및 표시</a:t>
             </a:r>
-            <a:endParaRPr lang="en-US" altLang="ko-KR" dirty="0"/>
-          </a:p>
-          <a:p>
-            <a:r>
-              <a:rPr lang="ko-KR" altLang="en-US" dirty="0" err="1"/>
+            <a:endParaRPr lang="en-US" altLang="ko-KR"/>
+          </a:p>
+          <a:p>
+            <a:r>
+              <a:rPr lang="ko-KR" altLang="en-US" err="1"/>
               <a:t>세부기능</a:t>
             </a:r>
-            <a:endParaRPr lang="en-US" altLang="ko-KR" dirty="0"/>
+            <a:endParaRPr lang="en-US" altLang="ko-KR"/>
           </a:p>
           <a:p>
             <a:pPr lvl="1"/>
             <a:r>
-              <a:rPr lang="ko-KR" altLang="en-US" dirty="0"/>
+              <a:rPr lang="ko-KR" altLang="en-US"/>
               <a:t>로그인 </a:t>
             </a:r>
             <a:r>
-              <a:rPr lang="en-US" altLang="ko-KR" dirty="0"/>
+              <a:rPr lang="en-US" altLang="ko-KR"/>
               <a:t>&amp; Spring Security </a:t>
             </a:r>
             <a:r>
-              <a:rPr lang="ko-KR" altLang="en-US" dirty="0"/>
+              <a:rPr lang="ko-KR" altLang="en-US"/>
               <a:t>적용</a:t>
             </a:r>
-            <a:endParaRPr lang="en-US" altLang="ko-KR" dirty="0"/>
+            <a:endParaRPr lang="en-US" altLang="ko-KR"/>
           </a:p>
           <a:p>
             <a:pPr lvl="1"/>
             <a:r>
-              <a:rPr lang="ko-KR" altLang="en-US" dirty="0"/>
+              <a:rPr lang="ko-KR" altLang="en-US"/>
               <a:t>달력</a:t>
             </a:r>
-            <a:endParaRPr lang="en-US" altLang="ko-KR" dirty="0"/>
+            <a:endParaRPr lang="en-US" altLang="ko-KR"/>
           </a:p>
           <a:p>
             <a:pPr lvl="1"/>
             <a:r>
-              <a:rPr lang="ko-KR" altLang="en-US" dirty="0"/>
+              <a:rPr lang="ko-KR" altLang="en-US"/>
               <a:t>사용자 </a:t>
             </a:r>
             <a:r>
-              <a:rPr lang="en-US" altLang="ko-KR" dirty="0"/>
+              <a:rPr lang="en-US" altLang="ko-KR"/>
               <a:t>IP</a:t>
             </a:r>
             <a:r>
-              <a:rPr lang="ko-KR" altLang="en-US" dirty="0"/>
+              <a:rPr lang="ko-KR" altLang="en-US"/>
               <a:t>위치기반 </a:t>
             </a:r>
             <a:r>
-              <a:rPr lang="ko-KR" altLang="en-US" dirty="0" err="1"/>
+              <a:rPr lang="ko-KR" altLang="en-US" err="1"/>
               <a:t>게시글작성</a:t>
             </a:r>
             <a:r>
-              <a:rPr lang="ko-KR" altLang="en-US" dirty="0"/>
+              <a:rPr lang="ko-KR" altLang="en-US"/>
               <a:t> 및 조작</a:t>
             </a:r>
             <a:r>
-              <a:rPr lang="en-US" altLang="ko-KR" dirty="0"/>
+              <a:rPr lang="en-US" altLang="ko-KR"/>
               <a:t>, </a:t>
             </a:r>
             <a:r>
-              <a:rPr lang="ko-KR" altLang="en-US" dirty="0"/>
+              <a:rPr lang="ko-KR" altLang="en-US"/>
               <a:t>뷰 적용</a:t>
             </a:r>
-            <a:endParaRPr lang="en-US" altLang="ko-KR" dirty="0"/>
+            <a:endParaRPr lang="en-US" altLang="ko-KR"/>
           </a:p>
           <a:p>
             <a:pPr lvl="1"/>
@@ -7902,7 +7904,13 @@
               <a:rPr lang="ko-KR" altLang="en-US"/>
               <a:t>위치기반 메모 및 공유기능</a:t>
             </a:r>
-            <a:endParaRPr lang="en-US" altLang="ko-KR" dirty="0"/>
+            <a:endParaRPr lang="en-US" altLang="ko-KR"/>
+          </a:p>
+          <a:p>
+            <a:pPr marL="457200" lvl="1" indent="0">
+              <a:buNone/>
+            </a:pPr>
+            <a:endParaRPr lang="en-US" altLang="ko-KR"/>
           </a:p>
         </p:txBody>
       </p:sp>
@@ -7954,7 +7962,7 @@
           <a:lstStyle/>
           <a:p>
             <a:r>
-              <a:rPr lang="ko-KR" altLang="en-US" dirty="0"/>
+              <a:rPr lang="ko-KR" altLang="en-US"/>
               <a:t>참고 사이트</a:t>
             </a:r>
           </a:p>
@@ -7976,34 +7984,34 @@
           <a:lstStyle/>
           <a:p>
             <a:r>
-              <a:rPr lang="en-US" altLang="ko-KR" dirty="0">
+              <a:rPr lang="en-US" altLang="ko-KR">
                 <a:hlinkClick r:id="rId2"/>
               </a:rPr>
               <a:t>https://nikke-kr.com/</a:t>
             </a:r>
             <a:r>
-              <a:rPr lang="en-US" altLang="ko-KR" dirty="0"/>
+              <a:rPr lang="en-US" altLang="ko-KR"/>
               <a:t>  </a:t>
             </a:r>
             <a:r>
-              <a:rPr lang="ko-KR" altLang="en-US" dirty="0" err="1"/>
+              <a:rPr lang="ko-KR" altLang="en-US" err="1"/>
               <a:t>니케</a:t>
             </a:r>
-            <a:endParaRPr lang="en-US" altLang="ko-KR" dirty="0"/>
-          </a:p>
-          <a:p>
-            <a:r>
-              <a:rPr lang="en-US" altLang="ko-KR" dirty="0">
+            <a:endParaRPr lang="en-US" altLang="ko-KR"/>
+          </a:p>
+          <a:p>
+            <a:r>
+              <a:rPr lang="en-US" altLang="ko-KR">
                 <a:hlinkClick r:id="rId3"/>
               </a:rPr>
               <a:t>https://forum.nexon.com/bluearchive/main</a:t>
             </a:r>
             <a:r>
-              <a:rPr lang="en-US" altLang="ko-KR" dirty="0"/>
+              <a:rPr lang="en-US" altLang="ko-KR"/>
               <a:t> </a:t>
             </a:r>
             <a:r>
-              <a:rPr lang="ko-KR" altLang="en-US" dirty="0"/>
+              <a:rPr lang="ko-KR" altLang="en-US"/>
               <a:t>블루아카이브</a:t>
             </a:r>
           </a:p>
@@ -8055,14 +8063,14 @@
           <a:lstStyle/>
           <a:p>
             <a:r>
-              <a:rPr lang="ko-KR" altLang="en-US" dirty="0"/>
+              <a:rPr lang="ko-KR" altLang="en-US"/>
               <a:t>홈페이지 </a:t>
             </a:r>
             <a:r>
-              <a:rPr lang="en-US" altLang="ko-KR" dirty="0"/>
+              <a:rPr lang="en-US" altLang="ko-KR"/>
               <a:t>URL</a:t>
             </a:r>
-            <a:endParaRPr lang="ko-KR" altLang="en-US" dirty="0"/>
+            <a:endParaRPr lang="ko-KR" altLang="en-US"/>
           </a:p>
         </p:txBody>
       </p:sp>
@@ -8082,31 +8090,31 @@
           <a:lstStyle/>
           <a:p>
             <a:r>
-              <a:rPr lang="ko-KR" altLang="en-US" dirty="0"/>
+              <a:rPr lang="ko-KR" altLang="en-US"/>
               <a:t>테스트 포트번호 </a:t>
             </a:r>
             <a:r>
-              <a:rPr lang="en-US" altLang="ko-KR" dirty="0"/>
+              <a:rPr lang="en-US" altLang="ko-KR"/>
               <a:t>: 5500</a:t>
             </a:r>
           </a:p>
           <a:p>
             <a:r>
-              <a:rPr lang="ko-KR" altLang="en-US" dirty="0"/>
+              <a:rPr lang="ko-KR" altLang="en-US"/>
               <a:t>패키지 </a:t>
             </a:r>
             <a:r>
-              <a:rPr lang="en-US" altLang="ko-KR" dirty="0"/>
+              <a:rPr lang="en-US" altLang="ko-KR"/>
               <a:t>ROOT </a:t>
             </a:r>
             <a:r>
-              <a:rPr lang="ko-KR" altLang="en-US" dirty="0"/>
+              <a:rPr lang="ko-KR" altLang="en-US"/>
               <a:t>계층 </a:t>
             </a:r>
-            <a:endParaRPr lang="en-US" altLang="ko-KR" dirty="0"/>
-          </a:p>
-          <a:p>
-            <a:endParaRPr lang="en-US" altLang="ko-KR" dirty="0"/>
+            <a:endParaRPr lang="en-US" altLang="ko-KR"/>
+          </a:p>
+          <a:p>
+            <a:endParaRPr lang="en-US" altLang="ko-KR"/>
           </a:p>
         </p:txBody>
       </p:sp>
@@ -8178,7 +8186,7 @@
           <a:lstStyle/>
           <a:p>
             <a:r>
-              <a:rPr lang="ko-KR" altLang="en-US" dirty="0"/>
+              <a:rPr lang="ko-KR" altLang="en-US"/>
               <a:t>기능</a:t>
             </a:r>
           </a:p>
@@ -8202,89 +8210,89 @@
           <a:lstStyle/>
           <a:p>
             <a:r>
-              <a:rPr lang="ko-KR" altLang="en-US" dirty="0"/>
+              <a:rPr lang="ko-KR" altLang="en-US"/>
               <a:t>커뮤니티</a:t>
             </a:r>
-            <a:endParaRPr lang="en-US" altLang="ko-KR" dirty="0"/>
+            <a:endParaRPr lang="en-US" altLang="ko-KR"/>
           </a:p>
           <a:p>
             <a:pPr lvl="1"/>
             <a:r>
-              <a:rPr lang="ko-KR" altLang="en-US" dirty="0"/>
+              <a:rPr lang="ko-KR" altLang="en-US"/>
               <a:t>게시판</a:t>
             </a:r>
-            <a:endParaRPr lang="en-US" altLang="ko-KR" dirty="0"/>
+            <a:endParaRPr lang="en-US" altLang="ko-KR"/>
           </a:p>
           <a:p>
             <a:pPr lvl="2"/>
             <a:r>
-              <a:rPr lang="ko-KR" altLang="en-US" dirty="0" err="1"/>
+              <a:rPr lang="ko-KR" altLang="en-US" err="1"/>
               <a:t>미리보기</a:t>
             </a:r>
             <a:r>
-              <a:rPr lang="ko-KR" altLang="en-US" dirty="0"/>
+              <a:rPr lang="ko-KR" altLang="en-US"/>
               <a:t> 사진</a:t>
             </a:r>
-            <a:endParaRPr lang="en-US" altLang="ko-KR" dirty="0"/>
+            <a:endParaRPr lang="en-US" altLang="ko-KR"/>
           </a:p>
           <a:p>
             <a:pPr lvl="2"/>
             <a:r>
-              <a:rPr lang="ko-KR" altLang="en-US" dirty="0"/>
+              <a:rPr lang="ko-KR" altLang="en-US"/>
               <a:t>사용자 정보 </a:t>
             </a:r>
             <a:r>
-              <a:rPr lang="en-US" altLang="ko-KR" dirty="0"/>
+              <a:rPr lang="en-US" altLang="ko-KR"/>
               <a:t>validation &amp; </a:t>
             </a:r>
             <a:r>
-              <a:rPr lang="ko-KR" altLang="en-US" dirty="0"/>
+              <a:rPr lang="ko-KR" altLang="en-US"/>
               <a:t>글 </a:t>
             </a:r>
             <a:r>
-              <a:rPr lang="en-US" altLang="ko-KR" dirty="0"/>
+              <a:rPr lang="en-US" altLang="ko-KR"/>
               <a:t>CRUD</a:t>
             </a:r>
           </a:p>
           <a:p>
             <a:pPr lvl="2"/>
             <a:r>
-              <a:rPr lang="ko-KR" altLang="en-US" dirty="0"/>
+              <a:rPr lang="ko-KR" altLang="en-US"/>
               <a:t>동영상 업로드 및 사진 업로드</a:t>
             </a:r>
-            <a:endParaRPr lang="en-US" altLang="ko-KR" dirty="0"/>
+            <a:endParaRPr lang="en-US" altLang="ko-KR"/>
           </a:p>
           <a:p>
             <a:pPr lvl="2"/>
             <a:r>
-              <a:rPr lang="ko-KR" altLang="en-US" dirty="0"/>
+              <a:rPr lang="ko-KR" altLang="en-US"/>
               <a:t>동영상 및 사진 다운로드</a:t>
             </a:r>
-            <a:endParaRPr lang="en-US" altLang="ko-KR" dirty="0"/>
+            <a:endParaRPr lang="en-US" altLang="ko-KR"/>
           </a:p>
           <a:p>
             <a:pPr lvl="1"/>
             <a:r>
-              <a:rPr lang="ko-KR" altLang="en-US" dirty="0"/>
+              <a:rPr lang="ko-KR" altLang="en-US"/>
               <a:t>로그인</a:t>
             </a:r>
-            <a:endParaRPr lang="en-US" altLang="ko-KR" dirty="0"/>
-          </a:p>
-          <a:p>
-            <a:r>
-              <a:rPr lang="ko-KR" altLang="en-US" dirty="0"/>
+            <a:endParaRPr lang="en-US" altLang="ko-KR"/>
+          </a:p>
+          <a:p>
+            <a:r>
+              <a:rPr lang="ko-KR" altLang="en-US"/>
               <a:t>목소리 녹음 및 재생</a:t>
             </a:r>
             <a:r>
-              <a:rPr lang="en-US" altLang="ko-KR" dirty="0"/>
+              <a:rPr lang="en-US" altLang="ko-KR"/>
               <a:t>(30</a:t>
             </a:r>
             <a:r>
-              <a:rPr lang="ko-KR" altLang="en-US" dirty="0"/>
+              <a:rPr lang="ko-KR" altLang="en-US"/>
               <a:t>초</a:t>
             </a:r>
             <a:r>
-              <a:rPr lang="en-US" altLang="ko-KR" dirty="0"/>
+              <a:rPr lang="en-US" altLang="ko-KR"/>
               <a:t>)</a:t>
             </a:r>
           </a:p>
@@ -8293,10 +8301,10 @@
               <a:rPr lang="ko-KR" altLang="en-US"/>
               <a:t>자바스크립트 게임모음</a:t>
             </a:r>
-            <a:endParaRPr lang="en-US" altLang="ko-KR" dirty="0"/>
-          </a:p>
-          <a:p>
-            <a:endParaRPr lang="en-US" altLang="ko-KR" dirty="0"/>
+            <a:endParaRPr lang="en-US" altLang="ko-KR"/>
+          </a:p>
+          <a:p>
+            <a:endParaRPr lang="en-US" altLang="ko-KR"/>
           </a:p>
         </p:txBody>
       </p:sp>
@@ -8377,7 +8385,7 @@
           <a:p>
             <a:pPr algn="l"/>
             <a:r>
-              <a:rPr lang="ko-KR" altLang="en-US" dirty="0"/>
+              <a:rPr lang="ko-KR" altLang="en-US"/>
               <a:t>게시판</a:t>
             </a:r>
           </a:p>
@@ -8399,56 +8407,56 @@
           <a:lstStyle/>
           <a:p>
             <a:r>
-              <a:rPr lang="ko-KR" altLang="en-US" dirty="0" err="1"/>
+              <a:rPr lang="ko-KR" altLang="en-US" err="1"/>
               <a:t>아카라이브와</a:t>
             </a:r>
             <a:r>
-              <a:rPr lang="ko-KR" altLang="en-US" dirty="0"/>
+              <a:rPr lang="ko-KR" altLang="en-US"/>
               <a:t> 비슷한 </a:t>
             </a:r>
             <a:r>
-              <a:rPr lang="en-US" altLang="ko-KR" dirty="0" err="1"/>
+              <a:rPr lang="en-US" altLang="ko-KR" err="1"/>
               <a:t>ui</a:t>
             </a:r>
             <a:r>
-              <a:rPr lang="en-US" altLang="ko-KR" dirty="0"/>
+              <a:rPr lang="en-US" altLang="ko-KR"/>
               <a:t> </a:t>
             </a:r>
             <a:r>
-              <a:rPr lang="ko-KR" altLang="en-US" dirty="0"/>
+              <a:rPr lang="ko-KR" altLang="en-US"/>
               <a:t>구현</a:t>
             </a:r>
             <a:r>
-              <a:rPr lang="en-US" altLang="ko-KR" dirty="0"/>
+              <a:rPr lang="en-US" altLang="ko-KR"/>
               <a:t>.</a:t>
             </a:r>
           </a:p>
           <a:p>
-            <a:endParaRPr lang="en-US" altLang="ko-KR" dirty="0"/>
-          </a:p>
-          <a:p>
-            <a:endParaRPr lang="en-US" altLang="ko-KR" dirty="0"/>
-          </a:p>
-          <a:p>
-            <a:endParaRPr lang="en-US" altLang="ko-KR" dirty="0"/>
-          </a:p>
-          <a:p>
-            <a:r>
-              <a:rPr lang="ko-KR" altLang="en-US" dirty="0"/>
+            <a:endParaRPr lang="en-US" altLang="ko-KR"/>
+          </a:p>
+          <a:p>
+            <a:endParaRPr lang="en-US" altLang="ko-KR"/>
+          </a:p>
+          <a:p>
+            <a:endParaRPr lang="en-US" altLang="ko-KR"/>
+          </a:p>
+          <a:p>
+            <a:r>
+              <a:rPr lang="ko-KR" altLang="en-US"/>
               <a:t>조회수 및 추천수 기능은</a:t>
             </a:r>
             <a:br>
-              <a:rPr lang="en-US" altLang="ko-KR" dirty="0"/>
+              <a:rPr lang="en-US" altLang="ko-KR"/>
             </a:br>
             <a:r>
-              <a:rPr lang="en-US" altLang="ko-KR" dirty="0"/>
+              <a:rPr lang="en-US" altLang="ko-KR"/>
               <a:t> </a:t>
             </a:r>
             <a:r>
-              <a:rPr lang="ko-KR" altLang="en-US" dirty="0"/>
+              <a:rPr lang="ko-KR" altLang="en-US"/>
               <a:t>추후에 추가하자</a:t>
             </a:r>
-            <a:endParaRPr lang="en-US" altLang="ko-KR" dirty="0"/>
+            <a:endParaRPr lang="en-US" altLang="ko-KR"/>
           </a:p>
         </p:txBody>
       </p:sp>
@@ -8489,18 +8497,18 @@
           <a:p>
             <a:pPr algn="ctr"/>
             <a:r>
-              <a:rPr lang="en-US" altLang="ko-KR" dirty="0"/>
+              <a:rPr lang="en-US" altLang="ko-KR"/>
               <a:t>Writer(</a:t>
             </a:r>
             <a:r>
-              <a:rPr lang="ko-KR" altLang="en-US" dirty="0"/>
+              <a:rPr lang="ko-KR" altLang="en-US"/>
               <a:t>닉네임</a:t>
             </a:r>
             <a:r>
-              <a:rPr lang="en-US" altLang="ko-KR" dirty="0"/>
+              <a:rPr lang="en-US" altLang="ko-KR"/>
               <a:t>)</a:t>
             </a:r>
-            <a:endParaRPr lang="ko-KR" altLang="en-US" dirty="0"/>
+            <a:endParaRPr lang="ko-KR" altLang="en-US"/>
           </a:p>
         </p:txBody>
       </p:sp>
@@ -8541,7 +8549,7 @@
           <a:p>
             <a:pPr algn="ctr"/>
             <a:r>
-              <a:rPr lang="ko-KR" altLang="en-US" dirty="0"/>
+              <a:rPr lang="ko-KR" altLang="en-US"/>
               <a:t>등록일자</a:t>
             </a:r>
           </a:p>
@@ -8584,7 +8592,7 @@
           <a:p>
             <a:pPr algn="ctr"/>
             <a:r>
-              <a:rPr lang="ko-KR" altLang="en-US" dirty="0"/>
+              <a:rPr lang="ko-KR" altLang="en-US"/>
               <a:t>조회수 및 추천수</a:t>
             </a:r>
           </a:p>
@@ -8637,7 +8645,7 @@
           <a:p>
             <a:pPr algn="l"/>
             <a:r>
-              <a:rPr lang="ko-KR" altLang="en-US" dirty="0"/>
+              <a:rPr lang="ko-KR" altLang="en-US"/>
               <a:t>게시판</a:t>
             </a:r>
           </a:p>
@@ -8659,84 +8667,84 @@
           <a:lstStyle/>
           <a:p>
             <a:r>
-              <a:rPr lang="ko-KR" altLang="en-US" dirty="0" err="1"/>
+              <a:rPr lang="ko-KR" altLang="en-US" err="1"/>
               <a:t>커멘트기능</a:t>
             </a:r>
-            <a:endParaRPr lang="en-US" altLang="ko-KR" dirty="0"/>
+            <a:endParaRPr lang="en-US" altLang="ko-KR"/>
           </a:p>
           <a:p>
             <a:pPr lvl="1"/>
             <a:r>
-              <a:rPr lang="ko-KR" altLang="en-US" dirty="0"/>
+              <a:rPr lang="ko-KR" altLang="en-US"/>
               <a:t>비동기로 매번 새로 가져오지 않고 실시간 </a:t>
             </a:r>
             <a:r>
-              <a:rPr lang="ko-KR" altLang="en-US" dirty="0" err="1"/>
+              <a:rPr lang="ko-KR" altLang="en-US" err="1"/>
               <a:t>요청시에만</a:t>
             </a:r>
             <a:r>
-              <a:rPr lang="ko-KR" altLang="en-US" dirty="0"/>
+              <a:rPr lang="ko-KR" altLang="en-US"/>
               <a:t> 로드</a:t>
             </a:r>
             <a:r>
-              <a:rPr lang="en-US" altLang="ko-KR" dirty="0"/>
+              <a:rPr lang="en-US" altLang="ko-KR"/>
               <a:t> =&gt; </a:t>
             </a:r>
             <a:r>
-              <a:rPr lang="ko-KR" altLang="en-US" dirty="0"/>
+              <a:rPr lang="ko-KR" altLang="en-US"/>
               <a:t>트랜잭션 줄임</a:t>
             </a:r>
-            <a:endParaRPr lang="en-US" altLang="ko-KR" dirty="0"/>
-          </a:p>
-          <a:p>
-            <a:endParaRPr lang="en-US" altLang="ko-KR" dirty="0"/>
-          </a:p>
-          <a:p>
-            <a:endParaRPr lang="en-US" altLang="ko-KR" dirty="0"/>
+            <a:endParaRPr lang="en-US" altLang="ko-KR"/>
+          </a:p>
+          <a:p>
+            <a:endParaRPr lang="en-US" altLang="ko-KR"/>
+          </a:p>
+          <a:p>
+            <a:endParaRPr lang="en-US" altLang="ko-KR"/>
           </a:p>
           <a:p>
             <a:pPr lvl="1"/>
-            <a:endParaRPr lang="en-US" altLang="ko-KR" dirty="0"/>
+            <a:endParaRPr lang="en-US" altLang="ko-KR"/>
           </a:p>
           <a:p>
             <a:pPr lvl="1"/>
             <a:r>
-              <a:rPr lang="ko-KR" altLang="en-US" dirty="0" err="1"/>
+              <a:rPr lang="ko-KR" altLang="en-US" err="1"/>
               <a:t>수정일자</a:t>
             </a:r>
             <a:r>
-              <a:rPr lang="en-US" altLang="ko-KR" dirty="0"/>
+              <a:rPr lang="en-US" altLang="ko-KR"/>
               <a:t>, </a:t>
             </a:r>
             <a:r>
-              <a:rPr lang="ko-KR" altLang="en-US" dirty="0"/>
+              <a:rPr lang="ko-KR" altLang="en-US"/>
               <a:t>신고</a:t>
             </a:r>
             <a:r>
-              <a:rPr lang="en-US" altLang="ko-KR" dirty="0"/>
+              <a:rPr lang="en-US" altLang="ko-KR"/>
               <a:t>, </a:t>
             </a:r>
             <a:r>
-              <a:rPr lang="ko-KR" altLang="en-US" dirty="0"/>
+              <a:rPr lang="ko-KR" altLang="en-US"/>
               <a:t>답글 구분은 </a:t>
             </a:r>
             <a:r>
-              <a:rPr lang="en-US" altLang="ko-KR" dirty="0"/>
+              <a:rPr lang="en-US" altLang="ko-KR"/>
               <a:t>::before </a:t>
             </a:r>
             <a:r>
-              <a:rPr lang="en-US" altLang="ko-KR" dirty="0" err="1"/>
+              <a:rPr lang="en-US" altLang="ko-KR" err="1"/>
               <a:t>css</a:t>
             </a:r>
             <a:r>
-              <a:rPr lang="ko-KR" altLang="en-US" dirty="0"/>
+              <a:rPr lang="ko-KR" altLang="en-US"/>
               <a:t>활용</a:t>
             </a:r>
             <a:r>
               <a:rPr lang="en-US" altLang="ko-KR"/>
               <a:t>!</a:t>
             </a:r>
-            <a:endParaRPr lang="ko-KR" altLang="en-US" dirty="0"/>
+            <a:endParaRPr lang="ko-KR" altLang="en-US"/>
           </a:p>
         </p:txBody>
       </p:sp>
@@ -8818,7 +8826,7 @@
                     <a:p>
                       <a:pPr algn="l" latinLnBrk="1"/>
                       <a:r>
-                        <a:rPr lang="ko-KR" altLang="en-US" dirty="0"/>
+                        <a:rPr lang="ko-KR" altLang="en-US"/>
                         <a:t>이름</a:t>
                       </a:r>
                     </a:p>
@@ -8832,10 +8840,10 @@
                     <a:p>
                       <a:pPr algn="r" latinLnBrk="1"/>
                       <a:r>
-                        <a:rPr lang="ko-KR" altLang="en-US" dirty="0" err="1"/>
+                        <a:rPr lang="ko-KR" altLang="en-US" err="1"/>
                         <a:t>수정일자</a:t>
                       </a:r>
-                      <a:endParaRPr lang="ko-KR" altLang="en-US" dirty="0"/>
+                      <a:endParaRPr lang="ko-KR" altLang="en-US"/>
                     </a:p>
                   </a:txBody>
                   <a:tcPr/>
@@ -8854,7 +8862,7 @@
                     <a:p>
                       <a:pPr algn="ctr" latinLnBrk="1"/>
                       <a:r>
-                        <a:rPr lang="ko-KR" altLang="en-US" dirty="0"/>
+                        <a:rPr lang="ko-KR" altLang="en-US"/>
                         <a:t>코멘트</a:t>
                       </a:r>
                     </a:p>
@@ -8886,6 +8894,105 @@
     <p:extLst>
       <p:ext uri="{BB962C8B-B14F-4D97-AF65-F5344CB8AC3E}">
         <p14:creationId xmlns:p14="http://schemas.microsoft.com/office/powerpoint/2010/main" val="1393259768"/>
+      </p:ext>
+    </p:extLst>
+  </p:cSld>
+  <p:clrMapOvr>
+    <a:masterClrMapping/>
+  </p:clrMapOvr>
+</p:sld>
+</file>
+
+<file path=ppt/slides/slide9.xml><?xml version="1.0" encoding="utf-8"?>
+<p:sld xmlns:a="http://schemas.openxmlformats.org/drawingml/2006/main" xmlns:r="http://schemas.openxmlformats.org/officeDocument/2006/relationships" xmlns:p="http://schemas.openxmlformats.org/presentationml/2006/main">
+  <p:cSld>
+    <p:spTree>
+      <p:nvGrpSpPr>
+        <p:cNvPr id="1" name=""/>
+        <p:cNvGrpSpPr/>
+        <p:nvPr/>
+      </p:nvGrpSpPr>
+      <p:grpSpPr>
+        <a:xfrm>
+          <a:off x="0" y="0"/>
+          <a:ext cx="0" cy="0"/>
+          <a:chOff x="0" y="0"/>
+          <a:chExt cx="0" cy="0"/>
+        </a:xfrm>
+      </p:grpSpPr>
+      <p:sp>
+        <p:nvSpPr>
+          <p:cNvPr id="2" name="제목 1">
+            <a:extLst>
+              <a:ext uri="{FF2B5EF4-FFF2-40B4-BE49-F238E27FC236}">
+                <a16:creationId xmlns:a16="http://schemas.microsoft.com/office/drawing/2014/main" id="{F11E3952-8CAC-E66E-C4FD-63846A38AF79}"/>
+              </a:ext>
+            </a:extLst>
+          </p:cNvPr>
+          <p:cNvSpPr>
+            <a:spLocks noGrp="1"/>
+          </p:cNvSpPr>
+          <p:nvPr>
+            <p:ph type="title"/>
+          </p:nvPr>
+        </p:nvSpPr>
+        <p:spPr/>
+        <p:txBody>
+          <a:bodyPr/>
+          <a:lstStyle/>
+          <a:p>
+            <a:r>
+              <a:rPr lang="ko-KR" altLang="en-US"/>
+              <a:t>게시판</a:t>
+            </a:r>
+          </a:p>
+        </p:txBody>
+      </p:sp>
+      <p:sp>
+        <p:nvSpPr>
+          <p:cNvPr id="3" name="내용 개체 틀 2">
+            <a:extLst>
+              <a:ext uri="{FF2B5EF4-FFF2-40B4-BE49-F238E27FC236}">
+                <a16:creationId xmlns:a16="http://schemas.microsoft.com/office/drawing/2014/main" id="{23F90974-8BB3-9CC9-DA36-F8EF3B13257E}"/>
+              </a:ext>
+            </a:extLst>
+          </p:cNvPr>
+          <p:cNvSpPr>
+            <a:spLocks noGrp="1"/>
+          </p:cNvSpPr>
+          <p:nvPr>
+            <p:ph idx="1"/>
+          </p:nvPr>
+        </p:nvSpPr>
+        <p:spPr/>
+        <p:txBody>
+          <a:bodyPr/>
+          <a:lstStyle/>
+          <a:p>
+            <a:r>
+              <a:rPr lang="en-US" altLang="ko-KR" dirty="0"/>
+              <a:t>Criteria</a:t>
+            </a:r>
+            <a:r>
+              <a:rPr lang="ko-KR" altLang="en-US" dirty="0"/>
+              <a:t>이용 중 </a:t>
+            </a:r>
+            <a:r>
+              <a:rPr lang="en-US" altLang="ko-KR" dirty="0" err="1"/>
+              <a:t>QueryDSL</a:t>
+            </a:r>
+            <a:r>
+              <a:rPr lang="ko-KR" altLang="en-US"/>
+              <a:t>로 변경하였음</a:t>
+            </a:r>
+            <a:endParaRPr lang="en-US" altLang="ko-KR" dirty="0"/>
+          </a:p>
+        </p:txBody>
+      </p:sp>
+    </p:spTree>
+    <p:extLst>
+      <p:ext uri="{BB962C8B-B14F-4D97-AF65-F5344CB8AC3E}">
+        <p14:creationId xmlns:p14="http://schemas.microsoft.com/office/powerpoint/2010/main" val="3067824901"/>
       </p:ext>
     </p:extLst>
   </p:cSld>
